--- a/docs/DPublish.pptx
+++ b/docs/DPublish.pptx
@@ -5,20 +5,17 @@
     <p:sldMasterId id="2147483850" r:id="rId4"/>
   </p:sldMasterIdLst>
   <p:notesMasterIdLst>
-    <p:notesMasterId r:id="rId16"/>
+    <p:notesMasterId r:id="rId13"/>
   </p:notesMasterIdLst>
   <p:sldIdLst>
     <p:sldId id="256" r:id="rId5"/>
     <p:sldId id="298" r:id="rId6"/>
     <p:sldId id="270" r:id="rId7"/>
-    <p:sldId id="345" r:id="rId8"/>
-    <p:sldId id="267" r:id="rId9"/>
-    <p:sldId id="293" r:id="rId10"/>
-    <p:sldId id="302" r:id="rId11"/>
-    <p:sldId id="273" r:id="rId12"/>
-    <p:sldId id="299" r:id="rId13"/>
-    <p:sldId id="344" r:id="rId14"/>
-    <p:sldId id="296" r:id="rId15"/>
+    <p:sldId id="346" r:id="rId8"/>
+    <p:sldId id="347" r:id="rId9"/>
+    <p:sldId id="267" r:id="rId10"/>
+    <p:sldId id="293" r:id="rId11"/>
+    <p:sldId id="296" r:id="rId12"/>
   </p:sldIdLst>
   <p:sldSz cx="12192000" cy="6858000"/>
   <p:notesSz cx="6858000" cy="9144000"/>
@@ -207,7 +204,7 @@
           <a:p>
             <a:fld id="{4D2A5A54-57FA-4281-A6F5-1860CF48FA07}" type="datetimeFigureOut">
               <a:rPr lang="en-US" smtClean="0"/>
-              <a:t>11/26/2019</a:t>
+              <a:t>1/28/2021</a:t>
             </a:fld>
             <a:endParaRPr lang="en-US"/>
           </a:p>
@@ -623,7 +620,7 @@
           <a:p>
             <a:fld id="{5F42FD7F-75AC-4945-AADB-25D3D632370D}" type="slidenum">
               <a:rPr lang="en-US" smtClean="0"/>
-              <a:t>5</a:t>
+              <a:t>6</a:t>
             </a:fld>
             <a:endParaRPr lang="en-US"/>
           </a:p>
@@ -707,7 +704,7 @@
           <a:p>
             <a:fld id="{5F42FD7F-75AC-4945-AADB-25D3D632370D}" type="slidenum">
               <a:rPr lang="en-US" smtClean="0"/>
-              <a:t>11</a:t>
+              <a:t>8</a:t>
             </a:fld>
             <a:endParaRPr lang="en-US"/>
           </a:p>
@@ -6500,7 +6497,12 @@
             <p:ph type="ctrTitle"/>
           </p:nvPr>
         </p:nvSpPr>
-        <p:spPr/>
+        <p:spPr>
+          <a:xfrm>
+            <a:off x="5253278" y="3091878"/>
+            <a:ext cx="6172200" cy="3329581"/>
+          </a:xfrm>
+        </p:spPr>
         <p:txBody>
           <a:bodyPr>
             <a:normAutofit/>
@@ -6509,7 +6511,7 @@
           <a:p>
             <a:r>
               <a:rPr lang="en-US" dirty="0"/>
-              <a:t>Publishing a Project</a:t>
+              <a:t>Making a Project Accessible</a:t>
             </a:r>
           </a:p>
         </p:txBody>
@@ -6548,1309 +6550,6 @@
     <p:extLst>
       <p:ext uri="{BB962C8B-B14F-4D97-AF65-F5344CB8AC3E}">
         <p14:creationId xmlns:p14="http://schemas.microsoft.com/office/powerpoint/2010/main" val="1903575450"/>
-      </p:ext>
-    </p:extLst>
-  </p:cSld>
-  <p:clrMapOvr>
-    <a:masterClrMapping/>
-  </p:clrMapOvr>
-  <mc:AlternateContent xmlns:mc="http://schemas.openxmlformats.org/markup-compatibility/2006" xmlns:p14="http://schemas.microsoft.com/office/powerpoint/2010/main">
-    <mc:Choice Requires="p14">
-      <p:transition spd="med" p14:dur="700">
-        <p:fade/>
-      </p:transition>
-    </mc:Choice>
-    <mc:Fallback xmlns="">
-      <p:transition spd="med">
-        <p:fade/>
-      </p:transition>
-    </mc:Fallback>
-  </mc:AlternateContent>
-</p:sld>
-</file>
-
-<file path=ppt/slides/slide10.xml><?xml version="1.0" encoding="utf-8"?>
-<p:sld xmlns:a="http://schemas.openxmlformats.org/drawingml/2006/main" xmlns:r="http://schemas.openxmlformats.org/officeDocument/2006/relationships" xmlns:p="http://schemas.openxmlformats.org/presentationml/2006/main">
-  <p:cSld>
-    <p:spTree>
-      <p:nvGrpSpPr>
-        <p:cNvPr id="1" name=""/>
-        <p:cNvGrpSpPr/>
-        <p:nvPr/>
-      </p:nvGrpSpPr>
-      <p:grpSpPr>
-        <a:xfrm>
-          <a:off x="0" y="0"/>
-          <a:ext cx="0" cy="0"/>
-          <a:chOff x="0" y="0"/>
-          <a:chExt cx="0" cy="0"/>
-        </a:xfrm>
-      </p:grpSpPr>
-      <p:pic>
-        <p:nvPicPr>
-          <p:cNvPr id="9" name="Picture 8">
-            <a:extLst>
-              <a:ext uri="{FF2B5EF4-FFF2-40B4-BE49-F238E27FC236}">
-                <a16:creationId xmlns:a16="http://schemas.microsoft.com/office/drawing/2014/main" id="{0C60C474-B9F6-464A-841A-E0E166F32B49}"/>
-              </a:ext>
-            </a:extLst>
-          </p:cNvPr>
-          <p:cNvPicPr>
-            <a:picLocks noChangeAspect="1"/>
-          </p:cNvPicPr>
-          <p:nvPr/>
-        </p:nvPicPr>
-        <p:blipFill>
-          <a:blip r:embed="rId2"/>
-          <a:stretch>
-            <a:fillRect/>
-          </a:stretch>
-        </p:blipFill>
-        <p:spPr>
-          <a:xfrm>
-            <a:off x="8823199" y="1356667"/>
-            <a:ext cx="1885714" cy="3190476"/>
-          </a:xfrm>
-          <a:prstGeom prst="rect">
-            <a:avLst/>
-          </a:prstGeom>
-        </p:spPr>
-      </p:pic>
-      <p:sp>
-        <p:nvSpPr>
-          <p:cNvPr id="2" name="Title 1">
-            <a:extLst>
-              <a:ext uri="{FF2B5EF4-FFF2-40B4-BE49-F238E27FC236}">
-                <a16:creationId xmlns:a16="http://schemas.microsoft.com/office/drawing/2014/main" id="{C65C7369-CC71-4D0B-ACC8-3341E1EEDFAE}"/>
-              </a:ext>
-            </a:extLst>
-          </p:cNvPr>
-          <p:cNvSpPr>
-            <a:spLocks noGrp="1"/>
-          </p:cNvSpPr>
-          <p:nvPr>
-            <p:ph type="title"/>
-          </p:nvPr>
-        </p:nvSpPr>
-        <p:spPr/>
-        <p:txBody>
-          <a:bodyPr/>
-          <a:lstStyle/>
-          <a:p>
-            <a:r>
-              <a:rPr lang="en-US" sz="3600" dirty="0"/>
-              <a:t>Submitting Source Text Request Form</a:t>
-            </a:r>
-          </a:p>
-        </p:txBody>
-      </p:sp>
-      <p:sp>
-        <p:nvSpPr>
-          <p:cNvPr id="5" name="Content Placeholder 2">
-            <a:extLst>
-              <a:ext uri="{FF2B5EF4-FFF2-40B4-BE49-F238E27FC236}">
-                <a16:creationId xmlns:a16="http://schemas.microsoft.com/office/drawing/2014/main" id="{E87B2FC8-68C7-412B-8966-4CDDD5D872E4}"/>
-              </a:ext>
-            </a:extLst>
-          </p:cNvPr>
-          <p:cNvSpPr txBox="1">
-            <a:spLocks/>
-          </p:cNvSpPr>
-          <p:nvPr/>
-        </p:nvSpPr>
-        <p:spPr>
-          <a:xfrm>
-            <a:off x="898667" y="1377635"/>
-            <a:ext cx="10018713" cy="4367753"/>
-          </a:xfrm>
-          <a:prstGeom prst="rect">
-            <a:avLst/>
-          </a:prstGeom>
-        </p:spPr>
-        <p:txBody>
-          <a:bodyPr vert="horz" lIns="91440" tIns="45720" rIns="91440" bIns="45720" rtlCol="0" anchor="t" anchorCtr="0">
-            <a:noAutofit/>
-          </a:bodyPr>
-          <a:lstStyle>
-            <a:lvl1pPr marL="285750" indent="-285750" algn="l" defTabSz="457200" rtl="0" eaLnBrk="1" latinLnBrk="0" hangingPunct="1">
-              <a:spcBef>
-                <a:spcPct val="20000"/>
-              </a:spcBef>
-              <a:spcAft>
-                <a:spcPts val="600"/>
-              </a:spcAft>
-              <a:buClr>
-                <a:schemeClr val="accent1">
-                  <a:lumMod val="75000"/>
-                </a:schemeClr>
-              </a:buClr>
-              <a:buSzPct val="145000"/>
-              <a:buFont typeface="Arial"/>
-              <a:buChar char="•"/>
-              <a:defRPr sz="2400" kern="1200" cap="none">
-                <a:solidFill>
-                  <a:schemeClr val="tx1"/>
-                </a:solidFill>
-                <a:effectLst/>
-                <a:latin typeface="+mn-lt"/>
-                <a:ea typeface="+mn-ea"/>
-                <a:cs typeface="+mn-cs"/>
-              </a:defRPr>
-            </a:lvl1pPr>
-            <a:lvl2pPr marL="742950" indent="-285750" algn="l" defTabSz="457200" rtl="0" eaLnBrk="1" latinLnBrk="0" hangingPunct="1">
-              <a:spcBef>
-                <a:spcPct val="20000"/>
-              </a:spcBef>
-              <a:spcAft>
-                <a:spcPts val="600"/>
-              </a:spcAft>
-              <a:buClr>
-                <a:schemeClr val="accent1">
-                  <a:lumMod val="75000"/>
-                </a:schemeClr>
-              </a:buClr>
-              <a:buSzPct val="145000"/>
-              <a:buFont typeface="Arial"/>
-              <a:buChar char="•"/>
-              <a:defRPr sz="2000" kern="1200" cap="none">
-                <a:solidFill>
-                  <a:schemeClr val="tx1"/>
-                </a:solidFill>
-                <a:effectLst/>
-                <a:latin typeface="+mn-lt"/>
-                <a:ea typeface="+mn-ea"/>
-                <a:cs typeface="+mn-cs"/>
-              </a:defRPr>
-            </a:lvl2pPr>
-            <a:lvl3pPr marL="1200150" indent="-285750" algn="l" defTabSz="457200" rtl="0" eaLnBrk="1" latinLnBrk="0" hangingPunct="1">
-              <a:spcBef>
-                <a:spcPct val="20000"/>
-              </a:spcBef>
-              <a:spcAft>
-                <a:spcPts val="600"/>
-              </a:spcAft>
-              <a:buClr>
-                <a:schemeClr val="accent1">
-                  <a:lumMod val="75000"/>
-                </a:schemeClr>
-              </a:buClr>
-              <a:buSzPct val="145000"/>
-              <a:buFont typeface="Arial"/>
-              <a:buChar char="•"/>
-              <a:defRPr sz="1800" kern="1200" cap="none">
-                <a:solidFill>
-                  <a:schemeClr val="tx1"/>
-                </a:solidFill>
-                <a:effectLst/>
-                <a:latin typeface="+mn-lt"/>
-                <a:ea typeface="+mn-ea"/>
-                <a:cs typeface="+mn-cs"/>
-              </a:defRPr>
-            </a:lvl3pPr>
-            <a:lvl4pPr marL="1543050" indent="-171450" algn="l" defTabSz="457200" rtl="0" eaLnBrk="1" latinLnBrk="0" hangingPunct="1">
-              <a:spcBef>
-                <a:spcPct val="20000"/>
-              </a:spcBef>
-              <a:spcAft>
-                <a:spcPts val="600"/>
-              </a:spcAft>
-              <a:buClr>
-                <a:schemeClr val="accent1">
-                  <a:lumMod val="75000"/>
-                </a:schemeClr>
-              </a:buClr>
-              <a:buSzPct val="145000"/>
-              <a:buFont typeface="Arial"/>
-              <a:buChar char="•"/>
-              <a:defRPr sz="1600" kern="1200" cap="none">
-                <a:solidFill>
-                  <a:schemeClr val="tx1"/>
-                </a:solidFill>
-                <a:effectLst/>
-                <a:latin typeface="+mn-lt"/>
-                <a:ea typeface="+mn-ea"/>
-                <a:cs typeface="+mn-cs"/>
-              </a:defRPr>
-            </a:lvl4pPr>
-            <a:lvl5pPr marL="2000250" indent="-171450" algn="l" defTabSz="457200" rtl="0" eaLnBrk="1" latinLnBrk="0" hangingPunct="1">
-              <a:spcBef>
-                <a:spcPct val="20000"/>
-              </a:spcBef>
-              <a:spcAft>
-                <a:spcPts val="600"/>
-              </a:spcAft>
-              <a:buClr>
-                <a:schemeClr val="accent1">
-                  <a:lumMod val="75000"/>
-                </a:schemeClr>
-              </a:buClr>
-              <a:buSzPct val="145000"/>
-              <a:buFont typeface="Arial"/>
-              <a:buChar char="•"/>
-              <a:defRPr sz="1400" kern="1200" cap="none">
-                <a:solidFill>
-                  <a:schemeClr val="tx1"/>
-                </a:solidFill>
-                <a:effectLst/>
-                <a:latin typeface="+mn-lt"/>
-                <a:ea typeface="+mn-ea"/>
-                <a:cs typeface="+mn-cs"/>
-              </a:defRPr>
-            </a:lvl5pPr>
-            <a:lvl6pPr marL="2514600" indent="-228600" algn="l" defTabSz="457200" rtl="0" eaLnBrk="1" latinLnBrk="0" hangingPunct="1">
-              <a:spcBef>
-                <a:spcPct val="20000"/>
-              </a:spcBef>
-              <a:spcAft>
-                <a:spcPts val="600"/>
-              </a:spcAft>
-              <a:buClr>
-                <a:schemeClr val="accent1">
-                  <a:lumMod val="75000"/>
-                </a:schemeClr>
-              </a:buClr>
-              <a:buSzPct val="145000"/>
-              <a:buFont typeface="Arial"/>
-              <a:buChar char="•"/>
-              <a:defRPr sz="1400" kern="1200" cap="none">
-                <a:solidFill>
-                  <a:schemeClr val="tx1"/>
-                </a:solidFill>
-                <a:effectLst/>
-                <a:latin typeface="+mn-lt"/>
-                <a:ea typeface="+mn-ea"/>
-                <a:cs typeface="+mn-cs"/>
-              </a:defRPr>
-            </a:lvl6pPr>
-            <a:lvl7pPr marL="2971800" indent="-228600" algn="l" defTabSz="457200" rtl="0" eaLnBrk="1" latinLnBrk="0" hangingPunct="1">
-              <a:spcBef>
-                <a:spcPct val="20000"/>
-              </a:spcBef>
-              <a:spcAft>
-                <a:spcPts val="600"/>
-              </a:spcAft>
-              <a:buClr>
-                <a:schemeClr val="accent1">
-                  <a:lumMod val="75000"/>
-                </a:schemeClr>
-              </a:buClr>
-              <a:buSzPct val="145000"/>
-              <a:buFont typeface="Arial"/>
-              <a:buChar char="•"/>
-              <a:defRPr sz="1400" kern="1200" cap="none">
-                <a:solidFill>
-                  <a:schemeClr val="tx1"/>
-                </a:solidFill>
-                <a:effectLst/>
-                <a:latin typeface="+mn-lt"/>
-                <a:ea typeface="+mn-ea"/>
-                <a:cs typeface="+mn-cs"/>
-              </a:defRPr>
-            </a:lvl7pPr>
-            <a:lvl8pPr marL="3429000" indent="-228600" algn="l" defTabSz="457200" rtl="0" eaLnBrk="1" latinLnBrk="0" hangingPunct="1">
-              <a:spcBef>
-                <a:spcPct val="20000"/>
-              </a:spcBef>
-              <a:spcAft>
-                <a:spcPts val="600"/>
-              </a:spcAft>
-              <a:buClr>
-                <a:schemeClr val="accent1">
-                  <a:lumMod val="75000"/>
-                </a:schemeClr>
-              </a:buClr>
-              <a:buSzPct val="145000"/>
-              <a:buFont typeface="Arial"/>
-              <a:buChar char="•"/>
-              <a:defRPr sz="1400" kern="1200" cap="none">
-                <a:solidFill>
-                  <a:schemeClr val="tx1"/>
-                </a:solidFill>
-                <a:effectLst/>
-                <a:latin typeface="+mn-lt"/>
-                <a:ea typeface="+mn-ea"/>
-                <a:cs typeface="+mn-cs"/>
-              </a:defRPr>
-            </a:lvl8pPr>
-            <a:lvl9pPr marL="3886200" indent="-228600" algn="l" defTabSz="457200" rtl="0" eaLnBrk="1" latinLnBrk="0" hangingPunct="1">
-              <a:spcBef>
-                <a:spcPct val="20000"/>
-              </a:spcBef>
-              <a:spcAft>
-                <a:spcPts val="600"/>
-              </a:spcAft>
-              <a:buClr>
-                <a:schemeClr val="accent1">
-                  <a:lumMod val="75000"/>
-                </a:schemeClr>
-              </a:buClr>
-              <a:buSzPct val="145000"/>
-              <a:buFont typeface="Arial"/>
-              <a:buChar char="•"/>
-              <a:defRPr sz="1400" kern="1200" cap="none">
-                <a:solidFill>
-                  <a:schemeClr val="tx1"/>
-                </a:solidFill>
-                <a:effectLst/>
-                <a:latin typeface="+mn-lt"/>
-                <a:ea typeface="+mn-ea"/>
-                <a:cs typeface="+mn-cs"/>
-              </a:defRPr>
-            </a:lvl9pPr>
-          </a:lstStyle>
-          <a:p>
-            <a:pPr marL="0" indent="0">
-              <a:buNone/>
-            </a:pPr>
-            <a:r>
-              <a:rPr lang="en-US" dirty="0"/>
-              <a:t>To request that source text be published:</a:t>
-            </a:r>
-          </a:p>
-          <a:p>
-            <a:pPr marL="514350" indent="-514350">
-              <a:buFont typeface="+mj-lt"/>
-              <a:buAutoNum type="arabicPeriod"/>
-            </a:pPr>
-            <a:r>
-              <a:rPr lang="en-US" dirty="0"/>
-              <a:t>Perform </a:t>
-            </a:r>
-            <a:r>
-              <a:rPr lang="en-US" dirty="0">
-                <a:hlinkClick r:id="rId3"/>
-              </a:rPr>
-              <a:t>project review </a:t>
-            </a:r>
-            <a:r>
-              <a:rPr lang="en-US" dirty="0"/>
-              <a:t>to ensure that:</a:t>
-            </a:r>
-          </a:p>
-          <a:p>
-            <a:pPr lvl="1"/>
-            <a:r>
-              <a:rPr lang="en-US" sz="2400" dirty="0"/>
-              <a:t>Translation is complete </a:t>
-            </a:r>
-          </a:p>
-          <a:p>
-            <a:pPr lvl="1"/>
-            <a:r>
-              <a:rPr lang="en-US" sz="2400" dirty="0"/>
-              <a:t>All contributors are listed </a:t>
-            </a:r>
-            <a:r>
-              <a:rPr lang="en-US" sz="1800" dirty="0"/>
-              <a:t>(include their server </a:t>
-            </a:r>
-            <a:br>
-              <a:rPr lang="en-US" sz="1800" dirty="0"/>
-            </a:br>
-            <a:r>
-              <a:rPr lang="en-US" sz="1800" dirty="0"/>
-              <a:t>usernames OR attach signed license agreements for them.) </a:t>
-            </a:r>
-          </a:p>
-          <a:p>
-            <a:pPr marL="514350" indent="-514350">
-              <a:buFont typeface="+mj-lt"/>
-              <a:buAutoNum type="arabicPeriod"/>
-            </a:pPr>
-            <a:r>
-              <a:rPr lang="en-US" dirty="0"/>
-              <a:t>Upload completed project to content server.</a:t>
-            </a:r>
-          </a:p>
-          <a:p>
-            <a:pPr marL="514350" indent="-514350">
-              <a:buFont typeface="+mj-lt"/>
-              <a:buAutoNum type="arabicPeriod"/>
-            </a:pPr>
-            <a:r>
-              <a:rPr lang="en-US" dirty="0"/>
-              <a:t>Submit source text request </a:t>
-            </a:r>
-            <a:r>
-              <a:rPr lang="en-US" dirty="0" err="1"/>
-              <a:t>form:</a:t>
-            </a:r>
-            <a:r>
-              <a:rPr lang="en-US" dirty="0" err="1">
-                <a:solidFill>
-                  <a:srgbClr val="404040"/>
-                </a:solidFill>
-                <a:latin typeface="Lato"/>
-              </a:rPr>
-              <a:t>i</a:t>
-            </a:r>
-            <a:br>
-              <a:rPr lang="en-US" dirty="0">
-                <a:solidFill>
-                  <a:srgbClr val="404040"/>
-                </a:solidFill>
-                <a:latin typeface="Lato"/>
-              </a:rPr>
-            </a:br>
-            <a:r>
-              <a:rPr lang="en-US" dirty="0">
-                <a:solidFill>
-                  <a:srgbClr val="404040"/>
-                </a:solidFill>
-                <a:latin typeface="Lato"/>
-              </a:rPr>
-              <a:t>at </a:t>
-            </a:r>
-            <a:r>
-              <a:rPr lang="en-US" dirty="0">
-                <a:solidFill>
-                  <a:srgbClr val="9B59B6"/>
-                </a:solidFill>
-                <a:latin typeface="Lato"/>
-                <a:hlinkClick r:id="rId4"/>
-              </a:rPr>
-              <a:t>http://ufw.io/pub/</a:t>
-            </a:r>
-            <a:r>
-              <a:rPr lang="en-US" dirty="0">
-                <a:solidFill>
-                  <a:srgbClr val="404040"/>
-                </a:solidFill>
-                <a:latin typeface="Lato"/>
-              </a:rPr>
-              <a:t>.</a:t>
-            </a:r>
-            <a:endParaRPr lang="en-US" dirty="0"/>
-          </a:p>
-          <a:p>
-            <a:pPr lvl="1"/>
-            <a:r>
-              <a:rPr lang="en-US" sz="2400" dirty="0"/>
-              <a:t>You will be contacted about any issues.</a:t>
-            </a:r>
-          </a:p>
-          <a:p>
-            <a:pPr lvl="1"/>
-            <a:r>
-              <a:rPr lang="en-US" sz="2400" dirty="0"/>
-              <a:t>You will be notified when publishing is </a:t>
-            </a:r>
-            <a:br>
-              <a:rPr lang="en-US" sz="2400" dirty="0"/>
-            </a:br>
-            <a:r>
-              <a:rPr lang="en-US" sz="2400" dirty="0"/>
-              <a:t>complete for your review.</a:t>
-            </a:r>
-          </a:p>
-          <a:p>
-            <a:pPr marL="514350" indent="-514350">
-              <a:buFont typeface="+mj-lt"/>
-              <a:buAutoNum type="arabicPeriod"/>
-            </a:pPr>
-            <a:endParaRPr lang="en-US" dirty="0"/>
-          </a:p>
-        </p:txBody>
-      </p:sp>
-      <p:pic>
-        <p:nvPicPr>
-          <p:cNvPr id="10" name="Picture 9">
-            <a:extLst>
-              <a:ext uri="{FF2B5EF4-FFF2-40B4-BE49-F238E27FC236}">
-                <a16:creationId xmlns:a16="http://schemas.microsoft.com/office/drawing/2014/main" id="{3D2BE921-1164-4E26-B360-54DBF9C2DFA9}"/>
-              </a:ext>
-            </a:extLst>
-          </p:cNvPr>
-          <p:cNvPicPr>
-            <a:picLocks noChangeAspect="1"/>
-          </p:cNvPicPr>
-          <p:nvPr/>
-        </p:nvPicPr>
-        <p:blipFill>
-          <a:blip r:embed="rId5"/>
-          <a:stretch>
-            <a:fillRect/>
-          </a:stretch>
-        </p:blipFill>
-        <p:spPr>
-          <a:xfrm>
-            <a:off x="10108007" y="2476292"/>
-            <a:ext cx="1949206" cy="2806857"/>
-          </a:xfrm>
-          <a:prstGeom prst="rect">
-            <a:avLst/>
-          </a:prstGeom>
-        </p:spPr>
-      </p:pic>
-      <p:pic>
-        <p:nvPicPr>
-          <p:cNvPr id="4" name="Picture 3">
-            <a:extLst>
-              <a:ext uri="{FF2B5EF4-FFF2-40B4-BE49-F238E27FC236}">
-                <a16:creationId xmlns:a16="http://schemas.microsoft.com/office/drawing/2014/main" id="{90242B10-403B-434E-8FF4-AAA8B4B74A32}"/>
-              </a:ext>
-            </a:extLst>
-          </p:cNvPr>
-          <p:cNvPicPr>
-            <a:picLocks noChangeAspect="1"/>
-          </p:cNvPicPr>
-          <p:nvPr/>
-        </p:nvPicPr>
-        <p:blipFill>
-          <a:blip r:embed="rId6"/>
-          <a:stretch>
-            <a:fillRect/>
-          </a:stretch>
-        </p:blipFill>
-        <p:spPr>
-          <a:xfrm>
-            <a:off x="8031061" y="4544524"/>
-            <a:ext cx="3262272" cy="1994018"/>
-          </a:xfrm>
-          <a:prstGeom prst="rect">
-            <a:avLst/>
-          </a:prstGeom>
-        </p:spPr>
-      </p:pic>
-    </p:spTree>
-    <p:extLst>
-      <p:ext uri="{BB962C8B-B14F-4D97-AF65-F5344CB8AC3E}">
-        <p14:creationId xmlns:p14="http://schemas.microsoft.com/office/powerpoint/2010/main" val="1007068540"/>
-      </p:ext>
-    </p:extLst>
-  </p:cSld>
-  <p:clrMapOvr>
-    <a:masterClrMapping/>
-  </p:clrMapOvr>
-  <mc:AlternateContent xmlns:mc="http://schemas.openxmlformats.org/markup-compatibility/2006" xmlns:p14="http://schemas.microsoft.com/office/powerpoint/2010/main">
-    <mc:Choice Requires="p14">
-      <p:transition spd="med" p14:dur="700">
-        <p:fade/>
-      </p:transition>
-    </mc:Choice>
-    <mc:Fallback xmlns="">
-      <p:transition spd="med">
-        <p:fade/>
-      </p:transition>
-    </mc:Fallback>
-  </mc:AlternateContent>
-  <p:timing>
-    <p:tnLst>
-      <p:par>
-        <p:cTn id="1" dur="indefinite" restart="never" nodeType="tmRoot">
-          <p:childTnLst>
-            <p:seq concurrent="1" nextAc="seek">
-              <p:cTn id="2" dur="indefinite" nodeType="mainSeq">
-                <p:childTnLst>
-                  <p:par>
-                    <p:cTn id="3" fill="hold">
-                      <p:stCondLst>
-                        <p:cond delay="indefinite"/>
-                        <p:cond evt="onBegin" delay="0">
-                          <p:tn val="2"/>
-                        </p:cond>
-                      </p:stCondLst>
-                      <p:childTnLst>
-                        <p:par>
-                          <p:cTn id="4" fill="hold">
-                            <p:stCondLst>
-                              <p:cond delay="0"/>
-                            </p:stCondLst>
-                            <p:childTnLst>
-                              <p:par>
-                                <p:cTn id="5" presetID="22" presetClass="entr" presetSubtype="8" fill="hold" grpId="0" nodeType="afterEffect">
-                                  <p:stCondLst>
-                                    <p:cond delay="0"/>
-                                  </p:stCondLst>
-                                  <p:childTnLst>
-                                    <p:set>
-                                      <p:cBhvr>
-                                        <p:cTn id="6" dur="1" fill="hold">
-                                          <p:stCondLst>
-                                            <p:cond delay="0"/>
-                                          </p:stCondLst>
-                                        </p:cTn>
-                                        <p:tgtEl>
-                                          <p:spTgt spid="5">
-                                            <p:txEl>
-                                              <p:pRg st="0" end="0"/>
-                                            </p:txEl>
-                                          </p:spTgt>
-                                        </p:tgtEl>
-                                        <p:attrNameLst>
-                                          <p:attrName>style.visibility</p:attrName>
-                                        </p:attrNameLst>
-                                      </p:cBhvr>
-                                      <p:to>
-                                        <p:strVal val="visible"/>
-                                      </p:to>
-                                    </p:set>
-                                    <p:animEffect transition="in" filter="wipe(left)">
-                                      <p:cBhvr>
-                                        <p:cTn id="7" dur="500"/>
-                                        <p:tgtEl>
-                                          <p:spTgt spid="5">
-                                            <p:txEl>
-                                              <p:pRg st="0" end="0"/>
-                                            </p:txEl>
-                                          </p:spTgt>
-                                        </p:tgtEl>
-                                      </p:cBhvr>
-                                    </p:animEffect>
-                                  </p:childTnLst>
-                                </p:cTn>
-                              </p:par>
-                            </p:childTnLst>
-                          </p:cTn>
-                        </p:par>
-                      </p:childTnLst>
-                    </p:cTn>
-                  </p:par>
-                  <p:par>
-                    <p:cTn id="8" fill="hold">
-                      <p:stCondLst>
-                        <p:cond delay="indefinite"/>
-                      </p:stCondLst>
-                      <p:childTnLst>
-                        <p:par>
-                          <p:cTn id="9" fill="hold">
-                            <p:stCondLst>
-                              <p:cond delay="0"/>
-                            </p:stCondLst>
-                            <p:childTnLst>
-                              <p:par>
-                                <p:cTn id="10" presetID="22" presetClass="entr" presetSubtype="8" fill="hold" grpId="0" nodeType="clickEffect">
-                                  <p:stCondLst>
-                                    <p:cond delay="0"/>
-                                  </p:stCondLst>
-                                  <p:childTnLst>
-                                    <p:set>
-                                      <p:cBhvr>
-                                        <p:cTn id="11" dur="1" fill="hold">
-                                          <p:stCondLst>
-                                            <p:cond delay="0"/>
-                                          </p:stCondLst>
-                                        </p:cTn>
-                                        <p:tgtEl>
-                                          <p:spTgt spid="5">
-                                            <p:txEl>
-                                              <p:pRg st="1" end="1"/>
-                                            </p:txEl>
-                                          </p:spTgt>
-                                        </p:tgtEl>
-                                        <p:attrNameLst>
-                                          <p:attrName>style.visibility</p:attrName>
-                                        </p:attrNameLst>
-                                      </p:cBhvr>
-                                      <p:to>
-                                        <p:strVal val="visible"/>
-                                      </p:to>
-                                    </p:set>
-                                    <p:animEffect transition="in" filter="wipe(left)">
-                                      <p:cBhvr>
-                                        <p:cTn id="12" dur="500"/>
-                                        <p:tgtEl>
-                                          <p:spTgt spid="5">
-                                            <p:txEl>
-                                              <p:pRg st="1" end="1"/>
-                                            </p:txEl>
-                                          </p:spTgt>
-                                        </p:tgtEl>
-                                      </p:cBhvr>
-                                    </p:animEffect>
-                                  </p:childTnLst>
-                                </p:cTn>
-                              </p:par>
-                            </p:childTnLst>
-                          </p:cTn>
-                        </p:par>
-                        <p:par>
-                          <p:cTn id="13" fill="hold">
-                            <p:stCondLst>
-                              <p:cond delay="500"/>
-                            </p:stCondLst>
-                            <p:childTnLst>
-                              <p:par>
-                                <p:cTn id="14" presetID="22" presetClass="entr" presetSubtype="8" fill="hold" nodeType="afterEffect">
-                                  <p:stCondLst>
-                                    <p:cond delay="0"/>
-                                  </p:stCondLst>
-                                  <p:childTnLst>
-                                    <p:set>
-                                      <p:cBhvr>
-                                        <p:cTn id="15" dur="1" fill="hold">
-                                          <p:stCondLst>
-                                            <p:cond delay="0"/>
-                                          </p:stCondLst>
-                                        </p:cTn>
-                                        <p:tgtEl>
-                                          <p:spTgt spid="9"/>
-                                        </p:tgtEl>
-                                        <p:attrNameLst>
-                                          <p:attrName>style.visibility</p:attrName>
-                                        </p:attrNameLst>
-                                      </p:cBhvr>
-                                      <p:to>
-                                        <p:strVal val="visible"/>
-                                      </p:to>
-                                    </p:set>
-                                    <p:animEffect transition="in" filter="wipe(left)">
-                                      <p:cBhvr>
-                                        <p:cTn id="16" dur="500"/>
-                                        <p:tgtEl>
-                                          <p:spTgt spid="9"/>
-                                        </p:tgtEl>
-                                      </p:cBhvr>
-                                    </p:animEffect>
-                                  </p:childTnLst>
-                                </p:cTn>
-                              </p:par>
-                              <p:par>
-                                <p:cTn id="17" presetID="22" presetClass="entr" presetSubtype="8" fill="hold" grpId="0" nodeType="withEffect">
-                                  <p:stCondLst>
-                                    <p:cond delay="0"/>
-                                  </p:stCondLst>
-                                  <p:childTnLst>
-                                    <p:set>
-                                      <p:cBhvr>
-                                        <p:cTn id="18" dur="1" fill="hold">
-                                          <p:stCondLst>
-                                            <p:cond delay="0"/>
-                                          </p:stCondLst>
-                                        </p:cTn>
-                                        <p:tgtEl>
-                                          <p:spTgt spid="5">
-                                            <p:txEl>
-                                              <p:pRg st="2" end="2"/>
-                                            </p:txEl>
-                                          </p:spTgt>
-                                        </p:tgtEl>
-                                        <p:attrNameLst>
-                                          <p:attrName>style.visibility</p:attrName>
-                                        </p:attrNameLst>
-                                      </p:cBhvr>
-                                      <p:to>
-                                        <p:strVal val="visible"/>
-                                      </p:to>
-                                    </p:set>
-                                    <p:animEffect transition="in" filter="wipe(left)">
-                                      <p:cBhvr>
-                                        <p:cTn id="19" dur="500"/>
-                                        <p:tgtEl>
-                                          <p:spTgt spid="5">
-                                            <p:txEl>
-                                              <p:pRg st="2" end="2"/>
-                                            </p:txEl>
-                                          </p:spTgt>
-                                        </p:tgtEl>
-                                      </p:cBhvr>
-                                    </p:animEffect>
-                                  </p:childTnLst>
-                                </p:cTn>
-                              </p:par>
-                              <p:par>
-                                <p:cTn id="20" presetID="22" presetClass="entr" presetSubtype="8" fill="hold" grpId="0" nodeType="withEffect">
-                                  <p:stCondLst>
-                                    <p:cond delay="0"/>
-                                  </p:stCondLst>
-                                  <p:childTnLst>
-                                    <p:set>
-                                      <p:cBhvr>
-                                        <p:cTn id="21" dur="1" fill="hold">
-                                          <p:stCondLst>
-                                            <p:cond delay="0"/>
-                                          </p:stCondLst>
-                                        </p:cTn>
-                                        <p:tgtEl>
-                                          <p:spTgt spid="5">
-                                            <p:txEl>
-                                              <p:pRg st="3" end="3"/>
-                                            </p:txEl>
-                                          </p:spTgt>
-                                        </p:tgtEl>
-                                        <p:attrNameLst>
-                                          <p:attrName>style.visibility</p:attrName>
-                                        </p:attrNameLst>
-                                      </p:cBhvr>
-                                      <p:to>
-                                        <p:strVal val="visible"/>
-                                      </p:to>
-                                    </p:set>
-                                    <p:animEffect transition="in" filter="wipe(left)">
-                                      <p:cBhvr>
-                                        <p:cTn id="22" dur="500"/>
-                                        <p:tgtEl>
-                                          <p:spTgt spid="5">
-                                            <p:txEl>
-                                              <p:pRg st="3" end="3"/>
-                                            </p:txEl>
-                                          </p:spTgt>
-                                        </p:tgtEl>
-                                      </p:cBhvr>
-                                    </p:animEffect>
-                                  </p:childTnLst>
-                                </p:cTn>
-                              </p:par>
-                            </p:childTnLst>
-                          </p:cTn>
-                        </p:par>
-                      </p:childTnLst>
-                    </p:cTn>
-                  </p:par>
-                  <p:par>
-                    <p:cTn id="23" fill="hold">
-                      <p:stCondLst>
-                        <p:cond delay="indefinite"/>
-                      </p:stCondLst>
-                      <p:childTnLst>
-                        <p:par>
-                          <p:cTn id="24" fill="hold">
-                            <p:stCondLst>
-                              <p:cond delay="0"/>
-                            </p:stCondLst>
-                            <p:childTnLst>
-                              <p:par>
-                                <p:cTn id="25" presetID="22" presetClass="entr" presetSubtype="8" fill="hold" grpId="0" nodeType="clickEffect">
-                                  <p:stCondLst>
-                                    <p:cond delay="0"/>
-                                  </p:stCondLst>
-                                  <p:childTnLst>
-                                    <p:set>
-                                      <p:cBhvr>
-                                        <p:cTn id="26" dur="1" fill="hold">
-                                          <p:stCondLst>
-                                            <p:cond delay="0"/>
-                                          </p:stCondLst>
-                                        </p:cTn>
-                                        <p:tgtEl>
-                                          <p:spTgt spid="5">
-                                            <p:txEl>
-                                              <p:pRg st="4" end="4"/>
-                                            </p:txEl>
-                                          </p:spTgt>
-                                        </p:tgtEl>
-                                        <p:attrNameLst>
-                                          <p:attrName>style.visibility</p:attrName>
-                                        </p:attrNameLst>
-                                      </p:cBhvr>
-                                      <p:to>
-                                        <p:strVal val="visible"/>
-                                      </p:to>
-                                    </p:set>
-                                    <p:animEffect transition="in" filter="wipe(left)">
-                                      <p:cBhvr>
-                                        <p:cTn id="27" dur="500"/>
-                                        <p:tgtEl>
-                                          <p:spTgt spid="5">
-                                            <p:txEl>
-                                              <p:pRg st="4" end="4"/>
-                                            </p:txEl>
-                                          </p:spTgt>
-                                        </p:tgtEl>
-                                      </p:cBhvr>
-                                    </p:animEffect>
-                                  </p:childTnLst>
-                                </p:cTn>
-                              </p:par>
-                            </p:childTnLst>
-                          </p:cTn>
-                        </p:par>
-                        <p:par>
-                          <p:cTn id="28" fill="hold">
-                            <p:stCondLst>
-                              <p:cond delay="500"/>
-                            </p:stCondLst>
-                            <p:childTnLst>
-                              <p:par>
-                                <p:cTn id="29" presetID="22" presetClass="entr" presetSubtype="8" fill="hold" nodeType="afterEffect">
-                                  <p:stCondLst>
-                                    <p:cond delay="0"/>
-                                  </p:stCondLst>
-                                  <p:childTnLst>
-                                    <p:set>
-                                      <p:cBhvr>
-                                        <p:cTn id="30" dur="1" fill="hold">
-                                          <p:stCondLst>
-                                            <p:cond delay="0"/>
-                                          </p:stCondLst>
-                                        </p:cTn>
-                                        <p:tgtEl>
-                                          <p:spTgt spid="10"/>
-                                        </p:tgtEl>
-                                        <p:attrNameLst>
-                                          <p:attrName>style.visibility</p:attrName>
-                                        </p:attrNameLst>
-                                      </p:cBhvr>
-                                      <p:to>
-                                        <p:strVal val="visible"/>
-                                      </p:to>
-                                    </p:set>
-                                    <p:animEffect transition="in" filter="wipe(left)">
-                                      <p:cBhvr>
-                                        <p:cTn id="31" dur="500"/>
-                                        <p:tgtEl>
-                                          <p:spTgt spid="10"/>
-                                        </p:tgtEl>
-                                      </p:cBhvr>
-                                    </p:animEffect>
-                                  </p:childTnLst>
-                                </p:cTn>
-                              </p:par>
-                            </p:childTnLst>
-                          </p:cTn>
-                        </p:par>
-                      </p:childTnLst>
-                    </p:cTn>
-                  </p:par>
-                  <p:par>
-                    <p:cTn id="32" fill="hold">
-                      <p:stCondLst>
-                        <p:cond delay="indefinite"/>
-                      </p:stCondLst>
-                      <p:childTnLst>
-                        <p:par>
-                          <p:cTn id="33" fill="hold">
-                            <p:stCondLst>
-                              <p:cond delay="0"/>
-                            </p:stCondLst>
-                            <p:childTnLst>
-                              <p:par>
-                                <p:cTn id="34" presetID="22" presetClass="entr" presetSubtype="8" fill="hold" grpId="0" nodeType="clickEffect">
-                                  <p:stCondLst>
-                                    <p:cond delay="0"/>
-                                  </p:stCondLst>
-                                  <p:childTnLst>
-                                    <p:set>
-                                      <p:cBhvr>
-                                        <p:cTn id="35" dur="1" fill="hold">
-                                          <p:stCondLst>
-                                            <p:cond delay="0"/>
-                                          </p:stCondLst>
-                                        </p:cTn>
-                                        <p:tgtEl>
-                                          <p:spTgt spid="5">
-                                            <p:txEl>
-                                              <p:pRg st="5" end="5"/>
-                                            </p:txEl>
-                                          </p:spTgt>
-                                        </p:tgtEl>
-                                        <p:attrNameLst>
-                                          <p:attrName>style.visibility</p:attrName>
-                                        </p:attrNameLst>
-                                      </p:cBhvr>
-                                      <p:to>
-                                        <p:strVal val="visible"/>
-                                      </p:to>
-                                    </p:set>
-                                    <p:animEffect transition="in" filter="wipe(left)">
-                                      <p:cBhvr>
-                                        <p:cTn id="36" dur="500"/>
-                                        <p:tgtEl>
-                                          <p:spTgt spid="5">
-                                            <p:txEl>
-                                              <p:pRg st="5" end="5"/>
-                                            </p:txEl>
-                                          </p:spTgt>
-                                        </p:tgtEl>
-                                      </p:cBhvr>
-                                    </p:animEffect>
-                                  </p:childTnLst>
-                                </p:cTn>
-                              </p:par>
-                              <p:par>
-                                <p:cTn id="37" presetID="22" presetClass="entr" presetSubtype="8" fill="hold" grpId="0" nodeType="withEffect">
-                                  <p:stCondLst>
-                                    <p:cond delay="0"/>
-                                  </p:stCondLst>
-                                  <p:childTnLst>
-                                    <p:set>
-                                      <p:cBhvr>
-                                        <p:cTn id="38" dur="1" fill="hold">
-                                          <p:stCondLst>
-                                            <p:cond delay="0"/>
-                                          </p:stCondLst>
-                                        </p:cTn>
-                                        <p:tgtEl>
-                                          <p:spTgt spid="5">
-                                            <p:txEl>
-                                              <p:pRg st="6" end="6"/>
-                                            </p:txEl>
-                                          </p:spTgt>
-                                        </p:tgtEl>
-                                        <p:attrNameLst>
-                                          <p:attrName>style.visibility</p:attrName>
-                                        </p:attrNameLst>
-                                      </p:cBhvr>
-                                      <p:to>
-                                        <p:strVal val="visible"/>
-                                      </p:to>
-                                    </p:set>
-                                    <p:animEffect transition="in" filter="wipe(left)">
-                                      <p:cBhvr>
-                                        <p:cTn id="39" dur="500"/>
-                                        <p:tgtEl>
-                                          <p:spTgt spid="5">
-                                            <p:txEl>
-                                              <p:pRg st="6" end="6"/>
-                                            </p:txEl>
-                                          </p:spTgt>
-                                        </p:tgtEl>
-                                      </p:cBhvr>
-                                    </p:animEffect>
-                                  </p:childTnLst>
-                                </p:cTn>
-                              </p:par>
-                              <p:par>
-                                <p:cTn id="40" presetID="22" presetClass="entr" presetSubtype="8" fill="hold" grpId="0" nodeType="withEffect">
-                                  <p:stCondLst>
-                                    <p:cond delay="0"/>
-                                  </p:stCondLst>
-                                  <p:childTnLst>
-                                    <p:set>
-                                      <p:cBhvr>
-                                        <p:cTn id="41" dur="1" fill="hold">
-                                          <p:stCondLst>
-                                            <p:cond delay="0"/>
-                                          </p:stCondLst>
-                                        </p:cTn>
-                                        <p:tgtEl>
-                                          <p:spTgt spid="5">
-                                            <p:txEl>
-                                              <p:pRg st="7" end="7"/>
-                                            </p:txEl>
-                                          </p:spTgt>
-                                        </p:tgtEl>
-                                        <p:attrNameLst>
-                                          <p:attrName>style.visibility</p:attrName>
-                                        </p:attrNameLst>
-                                      </p:cBhvr>
-                                      <p:to>
-                                        <p:strVal val="visible"/>
-                                      </p:to>
-                                    </p:set>
-                                    <p:animEffect transition="in" filter="wipe(left)">
-                                      <p:cBhvr>
-                                        <p:cTn id="42" dur="500"/>
-                                        <p:tgtEl>
-                                          <p:spTgt spid="5">
-                                            <p:txEl>
-                                              <p:pRg st="7" end="7"/>
-                                            </p:txEl>
-                                          </p:spTgt>
-                                        </p:tgtEl>
-                                      </p:cBhvr>
-                                    </p:animEffect>
-                                  </p:childTnLst>
-                                </p:cTn>
-                              </p:par>
-                            </p:childTnLst>
-                          </p:cTn>
-                        </p:par>
-                        <p:par>
-                          <p:cTn id="43" fill="hold">
-                            <p:stCondLst>
-                              <p:cond delay="500"/>
-                            </p:stCondLst>
-                            <p:childTnLst>
-                              <p:par>
-                                <p:cTn id="44" presetID="22" presetClass="entr" presetSubtype="8" fill="hold" nodeType="afterEffect">
-                                  <p:stCondLst>
-                                    <p:cond delay="0"/>
-                                  </p:stCondLst>
-                                  <p:childTnLst>
-                                    <p:set>
-                                      <p:cBhvr>
-                                        <p:cTn id="45" dur="1" fill="hold">
-                                          <p:stCondLst>
-                                            <p:cond delay="0"/>
-                                          </p:stCondLst>
-                                        </p:cTn>
-                                        <p:tgtEl>
-                                          <p:spTgt spid="4"/>
-                                        </p:tgtEl>
-                                        <p:attrNameLst>
-                                          <p:attrName>style.visibility</p:attrName>
-                                        </p:attrNameLst>
-                                      </p:cBhvr>
-                                      <p:to>
-                                        <p:strVal val="visible"/>
-                                      </p:to>
-                                    </p:set>
-                                    <p:animEffect transition="in" filter="wipe(left)">
-                                      <p:cBhvr>
-                                        <p:cTn id="46" dur="500"/>
-                                        <p:tgtEl>
-                                          <p:spTgt spid="4"/>
-                                        </p:tgtEl>
-                                      </p:cBhvr>
-                                    </p:animEffect>
-                                  </p:childTnLst>
-                                </p:cTn>
-                              </p:par>
-                            </p:childTnLst>
-                          </p:cTn>
-                        </p:par>
-                      </p:childTnLst>
-                    </p:cTn>
-                  </p:par>
-                </p:childTnLst>
-              </p:cTn>
-              <p:prevCondLst>
-                <p:cond evt="onPrev" delay="0">
-                  <p:tgtEl>
-                    <p:sldTgt/>
-                  </p:tgtEl>
-                </p:cond>
-              </p:prevCondLst>
-              <p:nextCondLst>
-                <p:cond evt="onNext" delay="0">
-                  <p:tgtEl>
-                    <p:sldTgt/>
-                  </p:tgtEl>
-                </p:cond>
-              </p:nextCondLst>
-            </p:seq>
-          </p:childTnLst>
-        </p:cTn>
-      </p:par>
-    </p:tnLst>
-    <p:bldLst>
-      <p:bldP spid="5" grpId="0" uiExpand="1" build="p"/>
-    </p:bldLst>
-  </p:timing>
-</p:sld>
-</file>
-
-<file path=ppt/slides/slide11.xml><?xml version="1.0" encoding="utf-8"?>
-<p:sld xmlns:a="http://schemas.openxmlformats.org/drawingml/2006/main" xmlns:r="http://schemas.openxmlformats.org/officeDocument/2006/relationships" xmlns:p="http://schemas.openxmlformats.org/presentationml/2006/main">
-  <p:cSld>
-    <p:spTree>
-      <p:nvGrpSpPr>
-        <p:cNvPr id="1" name=""/>
-        <p:cNvGrpSpPr/>
-        <p:nvPr/>
-      </p:nvGrpSpPr>
-      <p:grpSpPr>
-        <a:xfrm>
-          <a:off x="0" y="0"/>
-          <a:ext cx="0" cy="0"/>
-          <a:chOff x="0" y="0"/>
-          <a:chExt cx="0" cy="0"/>
-        </a:xfrm>
-      </p:grpSpPr>
-      <p:sp>
-        <p:nvSpPr>
-          <p:cNvPr id="2" name="Title 1">
-            <a:extLst>
-              <a:ext uri="{FF2B5EF4-FFF2-40B4-BE49-F238E27FC236}">
-                <a16:creationId xmlns:a16="http://schemas.microsoft.com/office/drawing/2014/main" id="{41E89B76-491D-4376-A986-0496E00BBBB9}"/>
-              </a:ext>
-            </a:extLst>
-          </p:cNvPr>
-          <p:cNvSpPr>
-            <a:spLocks noGrp="1"/>
-          </p:cNvSpPr>
-          <p:nvPr>
-            <p:ph type="title"/>
-          </p:nvPr>
-        </p:nvSpPr>
-        <p:spPr/>
-        <p:txBody>
-          <a:bodyPr/>
-          <a:lstStyle/>
-          <a:p>
-            <a:r>
-              <a:rPr lang="en-US" dirty="0"/>
-              <a:t>What Did You Learn?</a:t>
-            </a:r>
-          </a:p>
-        </p:txBody>
-      </p:sp>
-      <p:sp>
-        <p:nvSpPr>
-          <p:cNvPr id="3" name="Content Placeholder 2">
-            <a:extLst>
-              <a:ext uri="{FF2B5EF4-FFF2-40B4-BE49-F238E27FC236}">
-                <a16:creationId xmlns:a16="http://schemas.microsoft.com/office/drawing/2014/main" id="{E6B91E74-C58F-4BD6-B724-A5405BF8514D}"/>
-              </a:ext>
-            </a:extLst>
-          </p:cNvPr>
-          <p:cNvSpPr>
-            <a:spLocks noGrp="1"/>
-          </p:cNvSpPr>
-          <p:nvPr>
-            <p:ph idx="1"/>
-          </p:nvPr>
-        </p:nvSpPr>
-        <p:spPr/>
-        <p:txBody>
-          <a:bodyPr>
-            <a:normAutofit/>
-          </a:bodyPr>
-          <a:lstStyle/>
-          <a:p>
-            <a:pPr marL="0" indent="0">
-              <a:buNone/>
-            </a:pPr>
-            <a:r>
-              <a:rPr lang="en-US" sz="2800" dirty="0"/>
-              <a:t>In this presentation you learned to:</a:t>
-            </a:r>
-          </a:p>
-          <a:p>
-            <a:r>
-              <a:rPr lang="en-US" dirty="0"/>
-              <a:t>Describe the two types of publishing</a:t>
-            </a:r>
-          </a:p>
-          <a:p>
-            <a:r>
-              <a:rPr lang="en-US" dirty="0"/>
-              <a:t>List prerequisites for source text publishing</a:t>
-            </a:r>
-          </a:p>
-          <a:p>
-            <a:r>
-              <a:rPr lang="en-US" dirty="0"/>
-              <a:t>Explain the steps for source text publishing</a:t>
-            </a:r>
-          </a:p>
-        </p:txBody>
-      </p:sp>
-      <p:pic>
-        <p:nvPicPr>
-          <p:cNvPr id="6" name="Picture 5" descr="A close up of a computer&#10;&#10;Description automatically generated">
-            <a:extLst>
-              <a:ext uri="{FF2B5EF4-FFF2-40B4-BE49-F238E27FC236}">
-                <a16:creationId xmlns:a16="http://schemas.microsoft.com/office/drawing/2014/main" id="{F5078030-ED87-4FF3-A113-49912FDBE129}"/>
-              </a:ext>
-            </a:extLst>
-          </p:cNvPr>
-          <p:cNvPicPr>
-            <a:picLocks noChangeAspect="1"/>
-          </p:cNvPicPr>
-          <p:nvPr/>
-        </p:nvPicPr>
-        <p:blipFill>
-          <a:blip r:embed="rId3"/>
-          <a:stretch>
-            <a:fillRect/>
-          </a:stretch>
-        </p:blipFill>
-        <p:spPr>
-          <a:xfrm>
-            <a:off x="7415212" y="1652587"/>
-            <a:ext cx="3838575" cy="3857625"/>
-          </a:xfrm>
-          <a:prstGeom prst="rect">
-            <a:avLst/>
-          </a:prstGeom>
-        </p:spPr>
-      </p:pic>
-    </p:spTree>
-    <p:extLst>
-      <p:ext uri="{BB962C8B-B14F-4D97-AF65-F5344CB8AC3E}">
-        <p14:creationId xmlns:p14="http://schemas.microsoft.com/office/powerpoint/2010/main" val="2571040690"/>
       </p:ext>
     </p:extLst>
   </p:cSld>
@@ -7950,20 +6649,21 @@
           </a:p>
           <a:p>
             <a:r>
-              <a:rPr lang="en-US" dirty="0"/>
-              <a:t>Describe the two types of publishing</a:t>
-            </a:r>
-          </a:p>
-          <a:p>
-            <a:r>
-              <a:rPr lang="en-US" dirty="0"/>
-              <a:t>List prerequisites for source text publishing</a:t>
-            </a:r>
-          </a:p>
-          <a:p>
-            <a:r>
-              <a:rPr lang="en-US" dirty="0"/>
-              <a:t>Explain the steps for source text publishing</a:t>
+              <a:rPr lang="en-US" sz="2400" dirty="0"/>
+              <a:t>Define accessibility as it pertains to Bible </a:t>
+            </a:r>
+            <a:br>
+              <a:rPr lang="en-US" sz="2400" dirty="0"/>
+            </a:br>
+            <a:r>
+              <a:rPr lang="en-US" sz="2400" dirty="0"/>
+              <a:t>translation</a:t>
+            </a:r>
+          </a:p>
+          <a:p>
+            <a:r>
+              <a:rPr lang="en-US" sz="2400" dirty="0"/>
+              <a:t>Make your translation accessible to others</a:t>
             </a:r>
           </a:p>
         </p:txBody>
@@ -7990,7 +6690,7 @@
         </p:blipFill>
         <p:spPr>
           <a:xfrm>
-            <a:off x="7415212" y="1652587"/>
+            <a:off x="7887484" y="1692780"/>
             <a:ext cx="3838575" cy="3857625"/>
           </a:xfrm>
           <a:prstGeom prst="rect">
@@ -8185,21 +6885,30 @@
                             </p:childTnLst>
                           </p:cTn>
                         </p:par>
+                      </p:childTnLst>
+                    </p:cTn>
+                  </p:par>
+                  <p:par>
+                    <p:cTn id="16" fill="hold">
+                      <p:stCondLst>
+                        <p:cond delay="indefinite"/>
+                      </p:stCondLst>
+                      <p:childTnLst>
                         <p:par>
-                          <p:cTn id="16" fill="hold">
+                          <p:cTn id="17" fill="hold">
                             <p:stCondLst>
-                              <p:cond delay="1500"/>
+                              <p:cond delay="0"/>
                             </p:stCondLst>
                             <p:childTnLst>
                               <p:par>
-                                <p:cTn id="17" presetID="22" presetClass="entr" presetSubtype="8" fill="hold" grpId="0" nodeType="afterEffect">
+                                <p:cTn id="18" presetID="22" presetClass="entr" presetSubtype="8" fill="hold" grpId="0" nodeType="clickEffect">
                                   <p:stCondLst>
                                     <p:cond delay="0"/>
                                   </p:stCondLst>
                                   <p:childTnLst>
                                     <p:set>
                                       <p:cBhvr>
-                                        <p:cTn id="18" dur="1" fill="hold">
+                                        <p:cTn id="19" dur="1" fill="hold">
                                           <p:stCondLst>
                                             <p:cond delay="0"/>
                                           </p:stCondLst>
@@ -8221,63 +6930,11 @@
                                     </p:set>
                                     <p:animEffect transition="in" filter="wipe(left)">
                                       <p:cBhvr>
-                                        <p:cTn id="19" dur="500"/>
+                                        <p:cTn id="20" dur="500"/>
                                         <p:tgtEl>
                                           <p:spTgt spid="3">
                                             <p:txEl>
                                               <p:pRg st="2" end="2"/>
-                                            </p:txEl>
-                                          </p:spTgt>
-                                        </p:tgtEl>
-                                      </p:cBhvr>
-                                    </p:animEffect>
-                                  </p:childTnLst>
-                                </p:cTn>
-                              </p:par>
-                            </p:childTnLst>
-                          </p:cTn>
-                        </p:par>
-                        <p:par>
-                          <p:cTn id="20" fill="hold">
-                            <p:stCondLst>
-                              <p:cond delay="2000"/>
-                            </p:stCondLst>
-                            <p:childTnLst>
-                              <p:par>
-                                <p:cTn id="21" presetID="22" presetClass="entr" presetSubtype="8" fill="hold" grpId="0" nodeType="afterEffect">
-                                  <p:stCondLst>
-                                    <p:cond delay="0"/>
-                                  </p:stCondLst>
-                                  <p:childTnLst>
-                                    <p:set>
-                                      <p:cBhvr>
-                                        <p:cTn id="22" dur="1" fill="hold">
-                                          <p:stCondLst>
-                                            <p:cond delay="0"/>
-                                          </p:stCondLst>
-                                        </p:cTn>
-                                        <p:tgtEl>
-                                          <p:spTgt spid="3">
-                                            <p:txEl>
-                                              <p:pRg st="3" end="3"/>
-                                            </p:txEl>
-                                          </p:spTgt>
-                                        </p:tgtEl>
-                                        <p:attrNameLst>
-                                          <p:attrName>style.visibility</p:attrName>
-                                        </p:attrNameLst>
-                                      </p:cBhvr>
-                                      <p:to>
-                                        <p:strVal val="visible"/>
-                                      </p:to>
-                                    </p:set>
-                                    <p:animEffect transition="in" filter="wipe(left)">
-                                      <p:cBhvr>
-                                        <p:cTn id="23" dur="500"/>
-                                        <p:tgtEl>
-                                          <p:spTgt spid="3">
-                                            <p:txEl>
-                                              <p:pRg st="3" end="3"/>
                                             </p:txEl>
                                           </p:spTgt>
                                         </p:tgtEl>
@@ -8338,6 +6995,66 @@
           <a:chExt cx="0" cy="0"/>
         </a:xfrm>
       </p:grpSpPr>
+      <p:pic>
+        <p:nvPicPr>
+          <p:cNvPr id="9" name="Picture 8" descr="Graphical user interface&#10;&#10;Description automatically generated">
+            <a:extLst>
+              <a:ext uri="{FF2B5EF4-FFF2-40B4-BE49-F238E27FC236}">
+                <a16:creationId xmlns:a16="http://schemas.microsoft.com/office/drawing/2014/main" id="{FB068836-97A5-410E-841E-7B3099679364}"/>
+              </a:ext>
+            </a:extLst>
+          </p:cNvPr>
+          <p:cNvPicPr>
+            <a:picLocks noChangeAspect="1"/>
+          </p:cNvPicPr>
+          <p:nvPr/>
+        </p:nvPicPr>
+        <p:blipFill>
+          <a:blip r:embed="rId2"/>
+          <a:stretch>
+            <a:fillRect/>
+          </a:stretch>
+        </p:blipFill>
+        <p:spPr>
+          <a:xfrm>
+            <a:off x="5152451" y="1368610"/>
+            <a:ext cx="2464258" cy="2464258"/>
+          </a:xfrm>
+          <a:prstGeom prst="rect">
+            <a:avLst/>
+          </a:prstGeom>
+        </p:spPr>
+      </p:pic>
+      <p:pic>
+        <p:nvPicPr>
+          <p:cNvPr id="6" name="Picture 5" descr="Logo&#10;&#10;Description automatically generated">
+            <a:extLst>
+              <a:ext uri="{FF2B5EF4-FFF2-40B4-BE49-F238E27FC236}">
+                <a16:creationId xmlns:a16="http://schemas.microsoft.com/office/drawing/2014/main" id="{98425F8C-02C9-48E3-9BD5-B168ADB3F002}"/>
+              </a:ext>
+            </a:extLst>
+          </p:cNvPr>
+          <p:cNvPicPr>
+            <a:picLocks noChangeAspect="1"/>
+          </p:cNvPicPr>
+          <p:nvPr/>
+        </p:nvPicPr>
+        <p:blipFill>
+          <a:blip r:embed="rId3"/>
+          <a:stretch>
+            <a:fillRect/>
+          </a:stretch>
+        </p:blipFill>
+        <p:spPr>
+          <a:xfrm>
+            <a:off x="1506249" y="1771623"/>
+            <a:ext cx="1933575" cy="1576607"/>
+          </a:xfrm>
+          <a:prstGeom prst="rect">
+            <a:avLst/>
+          </a:prstGeom>
+        </p:spPr>
+      </p:pic>
       <p:sp>
         <p:nvSpPr>
           <p:cNvPr id="5" name="Title 4">
@@ -8361,61 +7078,42 @@
           <a:p>
             <a:r>
               <a:rPr lang="en-US" dirty="0"/>
-              <a:t>What Is Publishing?</a:t>
+              <a:t>What Is Accessibility?</a:t>
             </a:r>
           </a:p>
         </p:txBody>
       </p:sp>
       <p:sp>
         <p:nvSpPr>
-          <p:cNvPr id="7" name="Content Placeholder 6">
+          <p:cNvPr id="13" name="TextBox 12">
             <a:extLst>
               <a:ext uri="{FF2B5EF4-FFF2-40B4-BE49-F238E27FC236}">
-                <a16:creationId xmlns:a16="http://schemas.microsoft.com/office/drawing/2014/main" id="{FF2C9114-7CF4-45FA-9177-03D91D154623}"/>
+                <a16:creationId xmlns:a16="http://schemas.microsoft.com/office/drawing/2014/main" id="{58BA0A3B-635D-4CEB-86B2-E298557A10D4}"/>
               </a:ext>
             </a:extLst>
           </p:cNvPr>
-          <p:cNvSpPr>
-            <a:spLocks noGrp="1"/>
-          </p:cNvSpPr>
-          <p:nvPr>
-            <p:ph idx="1"/>
-          </p:nvPr>
+          <p:cNvSpPr txBox="1"/>
+          <p:nvPr/>
         </p:nvSpPr>
-        <p:spPr/>
+        <p:spPr>
+          <a:xfrm>
+            <a:off x="8197160" y="1812435"/>
+            <a:ext cx="3566301" cy="1569660"/>
+          </a:xfrm>
+          <a:prstGeom prst="rect">
+            <a:avLst/>
+          </a:prstGeom>
+          <a:noFill/>
+        </p:spPr>
         <p:txBody>
-          <a:bodyPr/>
+          <a:bodyPr wrap="square" rtlCol="0">
+            <a:spAutoFit/>
+          </a:bodyPr>
           <a:lstStyle/>
           <a:p>
             <a:r>
-              <a:rPr lang="en-US" sz="2800" dirty="0"/>
-              <a:t>Publishing is a way to make your work available to others.</a:t>
-            </a:r>
-          </a:p>
-          <a:p>
-            <a:r>
-              <a:rPr lang="en-US" sz="2800" dirty="0"/>
-              <a:t>Two types:</a:t>
-            </a:r>
-          </a:p>
-          <a:p>
-            <a:pPr lvl="1">
-              <a:buFont typeface="Arial" panose="020B0604020202020204" pitchFamily="34" charset="0"/>
-              <a:buChar char="•"/>
-            </a:pPr>
-            <a:r>
               <a:rPr lang="en-US" sz="2400" dirty="0"/>
-              <a:t>Self-publishing</a:t>
-            </a:r>
-          </a:p>
-          <a:p>
-            <a:pPr lvl="1">
-              <a:buFont typeface="Arial" panose="020B0604020202020204" pitchFamily="34" charset="0"/>
-              <a:buChar char="•"/>
-            </a:pPr>
-            <a:r>
-              <a:rPr lang="en-US" sz="2400" dirty="0"/>
-              <a:t>Source text publishing (only for Gateway Languages)</a:t>
+              <a:t>It’s useless to have Bible translations that just sit on a shelf (or on someone‘s computer)!</a:t>
             </a:r>
           </a:p>
         </p:txBody>
@@ -8424,186 +7122,6 @@
     <p:extLst>
       <p:ext uri="{BB962C8B-B14F-4D97-AF65-F5344CB8AC3E}">
         <p14:creationId xmlns:p14="http://schemas.microsoft.com/office/powerpoint/2010/main" val="2105698753"/>
-      </p:ext>
-    </p:extLst>
-  </p:cSld>
-  <p:clrMapOvr>
-    <a:masterClrMapping/>
-  </p:clrMapOvr>
-  <mc:AlternateContent xmlns:mc="http://schemas.openxmlformats.org/markup-compatibility/2006" xmlns:p14="http://schemas.microsoft.com/office/powerpoint/2010/main">
-    <mc:Choice Requires="p14">
-      <p:transition spd="med" p14:dur="700">
-        <p:fade/>
-      </p:transition>
-    </mc:Choice>
-    <mc:Fallback xmlns="">
-      <p:transition spd="med">
-        <p:fade/>
-      </p:transition>
-    </mc:Fallback>
-  </mc:AlternateContent>
-</p:sld>
-</file>
-
-<file path=ppt/slides/slide4.xml><?xml version="1.0" encoding="utf-8"?>
-<p:sld xmlns:a="http://schemas.openxmlformats.org/drawingml/2006/main" xmlns:r="http://schemas.openxmlformats.org/officeDocument/2006/relationships" xmlns:p="http://schemas.openxmlformats.org/presentationml/2006/main">
-  <p:cSld>
-    <p:spTree>
-      <p:nvGrpSpPr>
-        <p:cNvPr id="1" name=""/>
-        <p:cNvGrpSpPr/>
-        <p:nvPr/>
-      </p:nvGrpSpPr>
-      <p:grpSpPr>
-        <a:xfrm>
-          <a:off x="0" y="0"/>
-          <a:ext cx="0" cy="0"/>
-          <a:chOff x="0" y="0"/>
-          <a:chExt cx="0" cy="0"/>
-        </a:xfrm>
-      </p:grpSpPr>
-      <p:sp>
-        <p:nvSpPr>
-          <p:cNvPr id="7" name="Content Placeholder 6">
-            <a:extLst>
-              <a:ext uri="{FF2B5EF4-FFF2-40B4-BE49-F238E27FC236}">
-                <a16:creationId xmlns:a16="http://schemas.microsoft.com/office/drawing/2014/main" id="{FF2C9114-7CF4-45FA-9177-03D91D154623}"/>
-              </a:ext>
-            </a:extLst>
-          </p:cNvPr>
-          <p:cNvSpPr>
-            <a:spLocks noGrp="1"/>
-          </p:cNvSpPr>
-          <p:nvPr>
-            <p:ph idx="1"/>
-          </p:nvPr>
-        </p:nvSpPr>
-        <p:spPr/>
-        <p:txBody>
-          <a:bodyPr/>
-          <a:lstStyle/>
-          <a:p>
-            <a:r>
-              <a:rPr lang="en-US" sz="2800" dirty="0"/>
-              <a:t>Publishing is a way to make your work available to others.</a:t>
-            </a:r>
-          </a:p>
-          <a:p>
-            <a:r>
-              <a:rPr lang="en-US" sz="2800" dirty="0"/>
-              <a:t>Two types:</a:t>
-            </a:r>
-          </a:p>
-          <a:p>
-            <a:pPr lvl="1"/>
-            <a:r>
-              <a:rPr lang="en-US" sz="2400" dirty="0"/>
-              <a:t>Self-publishing</a:t>
-            </a:r>
-          </a:p>
-          <a:p>
-            <a:pPr lvl="1"/>
-            <a:r>
-              <a:rPr lang="en-US" sz="2400" dirty="0"/>
-              <a:t>Source text publishing (only for Gateway Languages)</a:t>
-            </a:r>
-          </a:p>
-        </p:txBody>
-      </p:sp>
-      <p:sp>
-        <p:nvSpPr>
-          <p:cNvPr id="2" name="Rectangle: Rounded Corners 1">
-            <a:extLst>
-              <a:ext uri="{FF2B5EF4-FFF2-40B4-BE49-F238E27FC236}">
-                <a16:creationId xmlns:a16="http://schemas.microsoft.com/office/drawing/2014/main" id="{C13169EA-876E-496A-97F9-4D1BD889A93D}"/>
-              </a:ext>
-            </a:extLst>
-          </p:cNvPr>
-          <p:cNvSpPr/>
-          <p:nvPr/>
-        </p:nvSpPr>
-        <p:spPr>
-          <a:xfrm>
-            <a:off x="1542579" y="3526544"/>
-            <a:ext cx="2578318" cy="624114"/>
-          </a:xfrm>
-          <a:prstGeom prst="roundRect">
-            <a:avLst/>
-          </a:prstGeom>
-          <a:gradFill>
-            <a:gsLst>
-              <a:gs pos="0">
-                <a:schemeClr val="accent1">
-                  <a:tint val="64000"/>
-                  <a:lumMod val="118000"/>
-                  <a:alpha val="0"/>
-                </a:schemeClr>
-              </a:gs>
-              <a:gs pos="100000">
-                <a:schemeClr val="accent1">
-                  <a:tint val="92000"/>
-                  <a:alpha val="100000"/>
-                  <a:lumMod val="110000"/>
-                </a:schemeClr>
-              </a:gs>
-            </a:gsLst>
-          </a:gradFill>
-        </p:spPr>
-        <p:style>
-          <a:lnRef idx="1">
-            <a:schemeClr val="accent1"/>
-          </a:lnRef>
-          <a:fillRef idx="2">
-            <a:schemeClr val="accent1"/>
-          </a:fillRef>
-          <a:effectRef idx="1">
-            <a:schemeClr val="accent1"/>
-          </a:effectRef>
-          <a:fontRef idx="minor">
-            <a:schemeClr val="dk1"/>
-          </a:fontRef>
-        </p:style>
-        <p:txBody>
-          <a:bodyPr rtlCol="0" anchor="ctr"/>
-          <a:lstStyle/>
-          <a:p>
-            <a:pPr algn="ctr"/>
-            <a:endParaRPr lang="en-US"/>
-          </a:p>
-        </p:txBody>
-      </p:sp>
-      <p:sp>
-        <p:nvSpPr>
-          <p:cNvPr id="5" name="Title 4">
-            <a:extLst>
-              <a:ext uri="{FF2B5EF4-FFF2-40B4-BE49-F238E27FC236}">
-                <a16:creationId xmlns:a16="http://schemas.microsoft.com/office/drawing/2014/main" id="{0CE6B759-241F-4E8A-9E7A-D01393BD68F3}"/>
-              </a:ext>
-            </a:extLst>
-          </p:cNvPr>
-          <p:cNvSpPr>
-            <a:spLocks noGrp="1"/>
-          </p:cNvSpPr>
-          <p:nvPr>
-            <p:ph type="title"/>
-          </p:nvPr>
-        </p:nvSpPr>
-        <p:spPr/>
-        <p:txBody>
-          <a:bodyPr/>
-          <a:lstStyle/>
-          <a:p>
-            <a:r>
-              <a:rPr lang="en-US" dirty="0"/>
-              <a:t>What Is Publishing?</a:t>
-            </a:r>
-          </a:p>
-        </p:txBody>
-      </p:sp>
-    </p:spTree>
-    <p:extLst>
-      <p:ext uri="{BB962C8B-B14F-4D97-AF65-F5344CB8AC3E}">
-        <p14:creationId xmlns:p14="http://schemas.microsoft.com/office/powerpoint/2010/main" val="733300909"/>
       </p:ext>
     </p:extLst>
   </p:cSld>
@@ -8646,7 +7164,349 @@
                             </p:stCondLst>
                             <p:childTnLst>
                               <p:par>
-                                <p:cTn id="5" presetID="22" presetClass="entr" presetSubtype="8" fill="hold" grpId="0" nodeType="afterEffect">
+                                <p:cTn id="5" presetID="37" presetClass="path" presetSubtype="0" accel="50000" decel="50000" fill="hold" nodeType="afterEffect">
+                                  <p:stCondLst>
+                                    <p:cond delay="0"/>
+                                  </p:stCondLst>
+                                  <p:childTnLst>
+                                    <p:animMotion origin="layout" path="M -4.58333E-6 1.11111E-6 L 0.08503 0.10231 C 0.10287 0.12592 0.12943 0.13889 0.15743 0.13889 C 0.18933 0.13889 0.21485 0.12592 0.23256 0.10231 L 0.31823 1.11111E-6 " pathEditMode="relative" rAng="0" ptsTypes="AAAAA">
+                                      <p:cBhvr>
+                                        <p:cTn id="6" dur="2000" fill="hold"/>
+                                        <p:tgtEl>
+                                          <p:spTgt spid="6"/>
+                                        </p:tgtEl>
+                                        <p:attrNameLst>
+                                          <p:attrName>ppt_x</p:attrName>
+                                          <p:attrName>ppt_y</p:attrName>
+                                        </p:attrNameLst>
+                                      </p:cBhvr>
+                                      <p:rCtr x="15911" y="6944"/>
+                                    </p:animMotion>
+                                  </p:childTnLst>
+                                </p:cTn>
+                              </p:par>
+                            </p:childTnLst>
+                          </p:cTn>
+                        </p:par>
+                      </p:childTnLst>
+                    </p:cTn>
+                  </p:par>
+                </p:childTnLst>
+              </p:cTn>
+              <p:prevCondLst>
+                <p:cond evt="onPrev" delay="0">
+                  <p:tgtEl>
+                    <p:sldTgt/>
+                  </p:tgtEl>
+                </p:cond>
+              </p:prevCondLst>
+              <p:nextCondLst>
+                <p:cond evt="onNext" delay="0">
+                  <p:tgtEl>
+                    <p:sldTgt/>
+                  </p:tgtEl>
+                </p:cond>
+              </p:nextCondLst>
+            </p:seq>
+          </p:childTnLst>
+        </p:cTn>
+      </p:par>
+    </p:tnLst>
+  </p:timing>
+</p:sld>
+</file>
+
+<file path=ppt/slides/slide4.xml><?xml version="1.0" encoding="utf-8"?>
+<p:sld xmlns:a="http://schemas.openxmlformats.org/drawingml/2006/main" xmlns:r="http://schemas.openxmlformats.org/officeDocument/2006/relationships" xmlns:p="http://schemas.openxmlformats.org/presentationml/2006/main">
+  <p:cSld>
+    <p:spTree>
+      <p:nvGrpSpPr>
+        <p:cNvPr id="1" name=""/>
+        <p:cNvGrpSpPr/>
+        <p:nvPr/>
+      </p:nvGrpSpPr>
+      <p:grpSpPr>
+        <a:xfrm>
+          <a:off x="0" y="0"/>
+          <a:ext cx="0" cy="0"/>
+          <a:chOff x="0" y="0"/>
+          <a:chExt cx="0" cy="0"/>
+        </a:xfrm>
+      </p:grpSpPr>
+      <p:pic>
+        <p:nvPicPr>
+          <p:cNvPr id="3" name="Picture 2">
+            <a:extLst>
+              <a:ext uri="{FF2B5EF4-FFF2-40B4-BE49-F238E27FC236}">
+                <a16:creationId xmlns:a16="http://schemas.microsoft.com/office/drawing/2014/main" id="{35107E70-BE8A-4C36-9642-0C3FC0EB7812}"/>
+              </a:ext>
+            </a:extLst>
+          </p:cNvPr>
+          <p:cNvPicPr>
+            <a:picLocks noChangeAspect="1"/>
+          </p:cNvPicPr>
+          <p:nvPr/>
+        </p:nvPicPr>
+        <p:blipFill>
+          <a:blip r:embed="rId2"/>
+          <a:stretch>
+            <a:fillRect/>
+          </a:stretch>
+        </p:blipFill>
+        <p:spPr>
+          <a:xfrm>
+            <a:off x="4597055" y="4080214"/>
+            <a:ext cx="3575050" cy="2386346"/>
+          </a:xfrm>
+          <a:prstGeom prst="rect">
+            <a:avLst/>
+          </a:prstGeom>
+        </p:spPr>
+      </p:pic>
+      <p:pic>
+        <p:nvPicPr>
+          <p:cNvPr id="9" name="Picture 8" descr="Graphical user interface&#10;&#10;Description automatically generated">
+            <a:extLst>
+              <a:ext uri="{FF2B5EF4-FFF2-40B4-BE49-F238E27FC236}">
+                <a16:creationId xmlns:a16="http://schemas.microsoft.com/office/drawing/2014/main" id="{FB068836-97A5-410E-841E-7B3099679364}"/>
+              </a:ext>
+            </a:extLst>
+          </p:cNvPr>
+          <p:cNvPicPr>
+            <a:picLocks noChangeAspect="1"/>
+          </p:cNvPicPr>
+          <p:nvPr/>
+        </p:nvPicPr>
+        <p:blipFill>
+          <a:blip r:embed="rId3"/>
+          <a:stretch>
+            <a:fillRect/>
+          </a:stretch>
+        </p:blipFill>
+        <p:spPr>
+          <a:xfrm>
+            <a:off x="5152451" y="1368610"/>
+            <a:ext cx="2464258" cy="2464258"/>
+          </a:xfrm>
+          <a:prstGeom prst="rect">
+            <a:avLst/>
+          </a:prstGeom>
+        </p:spPr>
+      </p:pic>
+      <p:sp>
+        <p:nvSpPr>
+          <p:cNvPr id="5" name="Title 4">
+            <a:extLst>
+              <a:ext uri="{FF2B5EF4-FFF2-40B4-BE49-F238E27FC236}">
+                <a16:creationId xmlns:a16="http://schemas.microsoft.com/office/drawing/2014/main" id="{0CE6B759-241F-4E8A-9E7A-D01393BD68F3}"/>
+              </a:ext>
+            </a:extLst>
+          </p:cNvPr>
+          <p:cNvSpPr>
+            <a:spLocks noGrp="1"/>
+          </p:cNvSpPr>
+          <p:nvPr>
+            <p:ph type="title"/>
+          </p:nvPr>
+        </p:nvSpPr>
+        <p:spPr/>
+        <p:txBody>
+          <a:bodyPr/>
+          <a:lstStyle/>
+          <a:p>
+            <a:r>
+              <a:rPr lang="en-US" dirty="0"/>
+              <a:t>What Is Accessibility?</a:t>
+            </a:r>
+          </a:p>
+        </p:txBody>
+      </p:sp>
+      <p:pic>
+        <p:nvPicPr>
+          <p:cNvPr id="6" name="Picture 5" descr="Logo&#10;&#10;Description automatically generated">
+            <a:extLst>
+              <a:ext uri="{FF2B5EF4-FFF2-40B4-BE49-F238E27FC236}">
+                <a16:creationId xmlns:a16="http://schemas.microsoft.com/office/drawing/2014/main" id="{98425F8C-02C9-48E3-9BD5-B168ADB3F002}"/>
+              </a:ext>
+            </a:extLst>
+          </p:cNvPr>
+          <p:cNvPicPr>
+            <a:picLocks noChangeAspect="1"/>
+          </p:cNvPicPr>
+          <p:nvPr/>
+        </p:nvPicPr>
+        <p:blipFill>
+          <a:blip r:embed="rId4"/>
+          <a:stretch>
+            <a:fillRect/>
+          </a:stretch>
+        </p:blipFill>
+        <p:spPr>
+          <a:xfrm>
+            <a:off x="1552575" y="1853248"/>
+            <a:ext cx="1840924" cy="1501061"/>
+          </a:xfrm>
+          <a:prstGeom prst="rect">
+            <a:avLst/>
+          </a:prstGeom>
+        </p:spPr>
+      </p:pic>
+      <p:sp>
+        <p:nvSpPr>
+          <p:cNvPr id="4" name="TextBox 3">
+            <a:extLst>
+              <a:ext uri="{FF2B5EF4-FFF2-40B4-BE49-F238E27FC236}">
+                <a16:creationId xmlns:a16="http://schemas.microsoft.com/office/drawing/2014/main" id="{DE71A9AA-304C-4725-B2E5-3A3DBE40D21F}"/>
+              </a:ext>
+            </a:extLst>
+          </p:cNvPr>
+          <p:cNvSpPr txBox="1"/>
+          <p:nvPr/>
+        </p:nvSpPr>
+        <p:spPr>
+          <a:xfrm>
+            <a:off x="5348472" y="567018"/>
+            <a:ext cx="2268570" cy="3770263"/>
+          </a:xfrm>
+          <a:prstGeom prst="rect">
+            <a:avLst/>
+          </a:prstGeom>
+          <a:noFill/>
+        </p:spPr>
+        <p:txBody>
+          <a:bodyPr wrap="none" rtlCol="0">
+            <a:spAutoFit/>
+          </a:bodyPr>
+          <a:lstStyle/>
+          <a:p>
+            <a:r>
+              <a:rPr lang="en-US" sz="23900" b="1" dirty="0">
+                <a:solidFill>
+                  <a:srgbClr val="FF0000"/>
+                </a:solidFill>
+              </a:rPr>
+              <a:t>X</a:t>
+            </a:r>
+          </a:p>
+        </p:txBody>
+      </p:sp>
+      <p:sp>
+        <p:nvSpPr>
+          <p:cNvPr id="11" name="TextBox 10">
+            <a:extLst>
+              <a:ext uri="{FF2B5EF4-FFF2-40B4-BE49-F238E27FC236}">
+                <a16:creationId xmlns:a16="http://schemas.microsoft.com/office/drawing/2014/main" id="{A05B1B18-48B4-451C-A397-7ACC7A0D7815}"/>
+              </a:ext>
+            </a:extLst>
+          </p:cNvPr>
+          <p:cNvSpPr txBox="1"/>
+          <p:nvPr/>
+        </p:nvSpPr>
+        <p:spPr>
+          <a:xfrm>
+            <a:off x="8197160" y="1812435"/>
+            <a:ext cx="3612626" cy="1569660"/>
+          </a:xfrm>
+          <a:prstGeom prst="rect">
+            <a:avLst/>
+          </a:prstGeom>
+          <a:noFill/>
+        </p:spPr>
+        <p:txBody>
+          <a:bodyPr wrap="square" rtlCol="0">
+            <a:spAutoFit/>
+          </a:bodyPr>
+          <a:lstStyle/>
+          <a:p>
+            <a:r>
+              <a:rPr lang="en-US" sz="2400" dirty="0"/>
+              <a:t>It’s useless to have Bible translations that just sit on a shelf (or on someone‘s computer)!</a:t>
+            </a:r>
+          </a:p>
+        </p:txBody>
+      </p:sp>
+      <p:sp>
+        <p:nvSpPr>
+          <p:cNvPr id="12" name="TextBox 11">
+            <a:extLst>
+              <a:ext uri="{FF2B5EF4-FFF2-40B4-BE49-F238E27FC236}">
+                <a16:creationId xmlns:a16="http://schemas.microsoft.com/office/drawing/2014/main" id="{C7495796-1AC3-463D-B3DB-C430611FA784}"/>
+              </a:ext>
+            </a:extLst>
+          </p:cNvPr>
+          <p:cNvSpPr txBox="1"/>
+          <p:nvPr/>
+        </p:nvSpPr>
+        <p:spPr>
+          <a:xfrm>
+            <a:off x="904908" y="4451166"/>
+            <a:ext cx="3797721" cy="1569660"/>
+          </a:xfrm>
+          <a:prstGeom prst="rect">
+            <a:avLst/>
+          </a:prstGeom>
+          <a:noFill/>
+        </p:spPr>
+        <p:txBody>
+          <a:bodyPr wrap="square" rtlCol="0">
+            <a:spAutoFit/>
+          </a:bodyPr>
+          <a:lstStyle/>
+          <a:p>
+            <a:r>
+              <a:rPr lang="en-US" sz="2400" dirty="0"/>
+              <a:t>We want the Bible to get into the hands of the people who so desperately need it.</a:t>
+            </a:r>
+          </a:p>
+        </p:txBody>
+      </p:sp>
+    </p:spTree>
+    <p:extLst>
+      <p:ext uri="{BB962C8B-B14F-4D97-AF65-F5344CB8AC3E}">
+        <p14:creationId xmlns:p14="http://schemas.microsoft.com/office/powerpoint/2010/main" val="600417190"/>
+      </p:ext>
+    </p:extLst>
+  </p:cSld>
+  <p:clrMapOvr>
+    <a:masterClrMapping/>
+  </p:clrMapOvr>
+  <mc:AlternateContent xmlns:mc="http://schemas.openxmlformats.org/markup-compatibility/2006" xmlns:p14="http://schemas.microsoft.com/office/powerpoint/2010/main">
+    <mc:Choice Requires="p14">
+      <p:transition spd="med" p14:dur="700">
+        <p:fade/>
+      </p:transition>
+    </mc:Choice>
+    <mc:Fallback xmlns="">
+      <p:transition spd="med">
+        <p:fade/>
+      </p:transition>
+    </mc:Fallback>
+  </mc:AlternateContent>
+  <p:timing>
+    <p:tnLst>
+      <p:par>
+        <p:cTn id="1" dur="indefinite" restart="never" nodeType="tmRoot">
+          <p:childTnLst>
+            <p:seq concurrent="1" nextAc="seek">
+              <p:cTn id="2" dur="indefinite" nodeType="mainSeq">
+                <p:childTnLst>
+                  <p:par>
+                    <p:cTn id="3" fill="hold">
+                      <p:stCondLst>
+                        <p:cond delay="indefinite"/>
+                        <p:cond evt="onBegin" delay="0">
+                          <p:tn val="2"/>
+                        </p:cond>
+                      </p:stCondLst>
+                      <p:childTnLst>
+                        <p:par>
+                          <p:cTn id="4" fill="hold">
+                            <p:stCondLst>
+                              <p:cond delay="0"/>
+                            </p:stCondLst>
+                            <p:childTnLst>
+                              <p:par>
+                                <p:cTn id="5" presetID="31" presetClass="entr" presetSubtype="0" fill="hold" grpId="0" nodeType="afterEffect">
                                   <p:stCondLst>
                                     <p:cond delay="0"/>
                                   </p:stCondLst>
@@ -8659,7 +7519,7 @@
                                           </p:stCondLst>
                                         </p:cTn>
                                         <p:tgtEl>
-                                          <p:spTgt spid="2"/>
+                                          <p:spTgt spid="4"/>
                                         </p:tgtEl>
                                         <p:attrNameLst>
                                           <p:attrName>style.visibility</p:attrName>
@@ -8669,11 +7529,177 @@
                                         <p:strVal val="visible"/>
                                       </p:to>
                                     </p:set>
-                                    <p:animEffect transition="in" filter="wipe(left)">
+                                    <p:anim calcmode="lin" valueType="num">
                                       <p:cBhvr>
-                                        <p:cTn id="7" dur="2000"/>
+                                        <p:cTn id="7" dur="1000" fill="hold"/>
                                         <p:tgtEl>
-                                          <p:spTgt spid="2"/>
+                                          <p:spTgt spid="4"/>
+                                        </p:tgtEl>
+                                        <p:attrNameLst>
+                                          <p:attrName>ppt_w</p:attrName>
+                                        </p:attrNameLst>
+                                      </p:cBhvr>
+                                      <p:tavLst>
+                                        <p:tav tm="0">
+                                          <p:val>
+                                            <p:fltVal val="0"/>
+                                          </p:val>
+                                        </p:tav>
+                                        <p:tav tm="100000">
+                                          <p:val>
+                                            <p:strVal val="#ppt_w"/>
+                                          </p:val>
+                                        </p:tav>
+                                      </p:tavLst>
+                                    </p:anim>
+                                    <p:anim calcmode="lin" valueType="num">
+                                      <p:cBhvr>
+                                        <p:cTn id="8" dur="1000" fill="hold"/>
+                                        <p:tgtEl>
+                                          <p:spTgt spid="4"/>
+                                        </p:tgtEl>
+                                        <p:attrNameLst>
+                                          <p:attrName>ppt_h</p:attrName>
+                                        </p:attrNameLst>
+                                      </p:cBhvr>
+                                      <p:tavLst>
+                                        <p:tav tm="0">
+                                          <p:val>
+                                            <p:fltVal val="0"/>
+                                          </p:val>
+                                        </p:tav>
+                                        <p:tav tm="100000">
+                                          <p:val>
+                                            <p:strVal val="#ppt_h"/>
+                                          </p:val>
+                                        </p:tav>
+                                      </p:tavLst>
+                                    </p:anim>
+                                    <p:anim calcmode="lin" valueType="num">
+                                      <p:cBhvr>
+                                        <p:cTn id="9" dur="1000" fill="hold"/>
+                                        <p:tgtEl>
+                                          <p:spTgt spid="4"/>
+                                        </p:tgtEl>
+                                        <p:attrNameLst>
+                                          <p:attrName>style.rotation</p:attrName>
+                                        </p:attrNameLst>
+                                      </p:cBhvr>
+                                      <p:tavLst>
+                                        <p:tav tm="0">
+                                          <p:val>
+                                            <p:fltVal val="90"/>
+                                          </p:val>
+                                        </p:tav>
+                                        <p:tav tm="100000">
+                                          <p:val>
+                                            <p:fltVal val="0"/>
+                                          </p:val>
+                                        </p:tav>
+                                      </p:tavLst>
+                                    </p:anim>
+                                    <p:animEffect transition="in" filter="fade">
+                                      <p:cBhvr>
+                                        <p:cTn id="10" dur="1000"/>
+                                        <p:tgtEl>
+                                          <p:spTgt spid="4"/>
+                                        </p:tgtEl>
+                                      </p:cBhvr>
+                                    </p:animEffect>
+                                  </p:childTnLst>
+                                </p:cTn>
+                              </p:par>
+                            </p:childTnLst>
+                          </p:cTn>
+                        </p:par>
+                        <p:par>
+                          <p:cTn id="11" fill="hold">
+                            <p:stCondLst>
+                              <p:cond delay="1000"/>
+                            </p:stCondLst>
+                            <p:childTnLst>
+                              <p:par>
+                                <p:cTn id="12" presetID="42" presetClass="path" presetSubtype="0" accel="50000" decel="50000" fill="hold" nodeType="afterEffect">
+                                  <p:stCondLst>
+                                    <p:cond delay="0"/>
+                                  </p:stCondLst>
+                                  <p:childTnLst>
+                                    <p:animMotion origin="layout" path="M 5E-6 1.11111E-6 L 0.31094 0.36968 " pathEditMode="relative" rAng="0" ptsTypes="AA">
+                                      <p:cBhvr>
+                                        <p:cTn id="13" dur="2000" fill="hold"/>
+                                        <p:tgtEl>
+                                          <p:spTgt spid="6"/>
+                                        </p:tgtEl>
+                                        <p:attrNameLst>
+                                          <p:attrName>ppt_x</p:attrName>
+                                          <p:attrName>ppt_y</p:attrName>
+                                        </p:attrNameLst>
+                                      </p:cBhvr>
+                                      <p:rCtr x="15534" y="18634"/>
+                                    </p:animMotion>
+                                  </p:childTnLst>
+                                  <p:subTnLst>
+                                    <p:set>
+                                      <p:cBhvr override="childStyle">
+                                        <p:cTn dur="1" fill="hold" display="0" masterRel="sameClick" afterEffect="1">
+                                          <p:stCondLst>
+                                            <p:cond evt="end" delay="0">
+                                              <p:tn val="12"/>
+                                            </p:cond>
+                                          </p:stCondLst>
+                                        </p:cTn>
+                                        <p:tgtEl>
+                                          <p:spTgt spid="6"/>
+                                        </p:tgtEl>
+                                        <p:attrNameLst>
+                                          <p:attrName>style.visibility</p:attrName>
+                                        </p:attrNameLst>
+                                      </p:cBhvr>
+                                      <p:to>
+                                        <p:strVal val="hidden"/>
+                                      </p:to>
+                                    </p:set>
+                                  </p:subTnLst>
+                                </p:cTn>
+                              </p:par>
+                            </p:childTnLst>
+                          </p:cTn>
+                        </p:par>
+                        <p:par>
+                          <p:cTn id="14" fill="hold">
+                            <p:stCondLst>
+                              <p:cond delay="3000"/>
+                            </p:stCondLst>
+                            <p:childTnLst>
+                              <p:par>
+                                <p:cTn id="15" presetID="16" presetClass="entr" presetSubtype="37" fill="hold" nodeType="afterEffect">
+                                  <p:stCondLst>
+                                    <p:cond delay="0"/>
+                                  </p:stCondLst>
+                                  <p:childTnLst>
+                                    <p:set>
+                                      <p:cBhvr>
+                                        <p:cTn id="16" dur="1" fill="hold">
+                                          <p:stCondLst>
+                                            <p:cond delay="0"/>
+                                          </p:stCondLst>
+                                        </p:cTn>
+                                        <p:tgtEl>
+                                          <p:spTgt spid="3"/>
+                                        </p:tgtEl>
+                                        <p:attrNameLst>
+                                          <p:attrName>style.visibility</p:attrName>
+                                        </p:attrNameLst>
+                                      </p:cBhvr>
+                                      <p:to>
+                                        <p:strVal val="visible"/>
+                                      </p:to>
+                                    </p:set>
+                                    <p:animEffect transition="in" filter="barn(outVertical)">
+                                      <p:cBhvr>
+                                        <p:cTn id="17" dur="500"/>
+                                        <p:tgtEl>
+                                          <p:spTgt spid="3"/>
                                         </p:tgtEl>
                                       </p:cBhvr>
                                     </p:animEffect>
@@ -8708,13 +7734,1784 @@
       </p:par>
     </p:tnLst>
     <p:bldLst>
-      <p:bldP spid="2" grpId="0" animBg="1"/>
+      <p:bldP spid="4" grpId="0"/>
     </p:bldLst>
   </p:timing>
 </p:sld>
 </file>
 
 <file path=ppt/slides/slide5.xml><?xml version="1.0" encoding="utf-8"?>
+<p:sld xmlns:a="http://schemas.openxmlformats.org/drawingml/2006/main" xmlns:r="http://schemas.openxmlformats.org/officeDocument/2006/relationships" xmlns:p="http://schemas.openxmlformats.org/presentationml/2006/main">
+  <p:cSld>
+    <p:spTree>
+      <p:nvGrpSpPr>
+        <p:cNvPr id="1" name=""/>
+        <p:cNvGrpSpPr/>
+        <p:nvPr/>
+      </p:nvGrpSpPr>
+      <p:grpSpPr>
+        <a:xfrm>
+          <a:off x="0" y="0"/>
+          <a:ext cx="0" cy="0"/>
+          <a:chOff x="0" y="0"/>
+          <a:chExt cx="0" cy="0"/>
+        </a:xfrm>
+      </p:grpSpPr>
+      <p:pic>
+        <p:nvPicPr>
+          <p:cNvPr id="21" name="Picture 20" descr="A picture containing text&#10;&#10;Description automatically generated">
+            <a:extLst>
+              <a:ext uri="{FF2B5EF4-FFF2-40B4-BE49-F238E27FC236}">
+                <a16:creationId xmlns:a16="http://schemas.microsoft.com/office/drawing/2014/main" id="{89E74E78-0A7E-424A-BC70-57E19EED1527}"/>
+              </a:ext>
+            </a:extLst>
+          </p:cNvPr>
+          <p:cNvPicPr>
+            <a:picLocks noChangeAspect="1"/>
+          </p:cNvPicPr>
+          <p:nvPr/>
+        </p:nvPicPr>
+        <p:blipFill>
+          <a:blip r:embed="rId2"/>
+          <a:stretch>
+            <a:fillRect/>
+          </a:stretch>
+        </p:blipFill>
+        <p:spPr>
+          <a:xfrm>
+            <a:off x="5933887" y="1399489"/>
+            <a:ext cx="2018318" cy="2522898"/>
+          </a:xfrm>
+          <a:prstGeom prst="rect">
+            <a:avLst/>
+          </a:prstGeom>
+        </p:spPr>
+      </p:pic>
+      <p:sp>
+        <p:nvSpPr>
+          <p:cNvPr id="5" name="Title 4">
+            <a:extLst>
+              <a:ext uri="{FF2B5EF4-FFF2-40B4-BE49-F238E27FC236}">
+                <a16:creationId xmlns:a16="http://schemas.microsoft.com/office/drawing/2014/main" id="{0CE6B759-241F-4E8A-9E7A-D01393BD68F3}"/>
+              </a:ext>
+            </a:extLst>
+          </p:cNvPr>
+          <p:cNvSpPr>
+            <a:spLocks noGrp="1"/>
+          </p:cNvSpPr>
+          <p:nvPr>
+            <p:ph type="title"/>
+          </p:nvPr>
+        </p:nvSpPr>
+        <p:spPr/>
+        <p:txBody>
+          <a:bodyPr/>
+          <a:lstStyle/>
+          <a:p>
+            <a:r>
+              <a:rPr lang="en-US" dirty="0"/>
+              <a:t>What Is Accessibility?</a:t>
+            </a:r>
+          </a:p>
+        </p:txBody>
+      </p:sp>
+      <p:sp>
+        <p:nvSpPr>
+          <p:cNvPr id="2" name="Content Placeholder 1">
+            <a:extLst>
+              <a:ext uri="{FF2B5EF4-FFF2-40B4-BE49-F238E27FC236}">
+                <a16:creationId xmlns:a16="http://schemas.microsoft.com/office/drawing/2014/main" id="{EE0114D8-A4EC-445A-B1DD-E625B36614F5}"/>
+              </a:ext>
+            </a:extLst>
+          </p:cNvPr>
+          <p:cNvSpPr>
+            <a:spLocks noGrp="1"/>
+          </p:cNvSpPr>
+          <p:nvPr>
+            <p:ph idx="1"/>
+          </p:nvPr>
+        </p:nvSpPr>
+        <p:spPr>
+          <a:xfrm>
+            <a:off x="529530" y="1339839"/>
+            <a:ext cx="5212289" cy="1139809"/>
+          </a:xfrm>
+        </p:spPr>
+        <p:txBody>
+          <a:bodyPr>
+            <a:noAutofit/>
+          </a:bodyPr>
+          <a:lstStyle/>
+          <a:p>
+            <a:r>
+              <a:rPr lang="en-US" dirty="0"/>
+              <a:t>Accessibility is making your work </a:t>
+            </a:r>
+            <a:br>
+              <a:rPr lang="en-US" dirty="0"/>
+            </a:br>
+            <a:r>
+              <a:rPr lang="en-US" dirty="0"/>
+              <a:t>available to others in a format they can use.</a:t>
+            </a:r>
+          </a:p>
+          <a:p>
+            <a:r>
+              <a:rPr lang="en-US" dirty="0"/>
+              <a:t>In what format?</a:t>
+            </a:r>
+          </a:p>
+          <a:p>
+            <a:endParaRPr lang="en-US" dirty="0"/>
+          </a:p>
+        </p:txBody>
+      </p:sp>
+      <p:sp>
+        <p:nvSpPr>
+          <p:cNvPr id="10" name="Content Placeholder 1">
+            <a:extLst>
+              <a:ext uri="{FF2B5EF4-FFF2-40B4-BE49-F238E27FC236}">
+                <a16:creationId xmlns:a16="http://schemas.microsoft.com/office/drawing/2014/main" id="{BB012D1D-58AF-49E4-A342-1DC45F28DA0C}"/>
+              </a:ext>
+            </a:extLst>
+          </p:cNvPr>
+          <p:cNvSpPr txBox="1">
+            <a:spLocks/>
+          </p:cNvSpPr>
+          <p:nvPr/>
+        </p:nvSpPr>
+        <p:spPr>
+          <a:xfrm rot="20817304">
+            <a:off x="2885323" y="2536878"/>
+            <a:ext cx="2923421" cy="901297"/>
+          </a:xfrm>
+          <a:prstGeom prst="rect">
+            <a:avLst/>
+          </a:prstGeom>
+        </p:spPr>
+        <p:txBody>
+          <a:bodyPr vert="horz" lIns="91440" tIns="45720" rIns="91440" bIns="45720" rtlCol="0">
+            <a:normAutofit/>
+          </a:bodyPr>
+          <a:lstStyle>
+            <a:lvl1pPr marL="342900" indent="-342900" algn="l" defTabSz="457200" rtl="0" eaLnBrk="1" latinLnBrk="0" hangingPunct="1">
+              <a:spcBef>
+                <a:spcPts val="1000"/>
+              </a:spcBef>
+              <a:spcAft>
+                <a:spcPts val="0"/>
+              </a:spcAft>
+              <a:buClr>
+                <a:srgbClr val="28C28C"/>
+              </a:buClr>
+              <a:buSzPct val="80000"/>
+              <a:buFont typeface="Wingdings 3" charset="2"/>
+              <a:buChar char=""/>
+              <a:defRPr sz="2000" b="0" i="0" kern="1200">
+                <a:solidFill>
+                  <a:schemeClr val="tx1"/>
+                </a:solidFill>
+                <a:latin typeface="+mj-lt"/>
+                <a:ea typeface="+mj-ea"/>
+                <a:cs typeface="+mj-cs"/>
+              </a:defRPr>
+            </a:lvl1pPr>
+            <a:lvl2pPr marL="742950" indent="-285750" algn="l" defTabSz="457200" rtl="0" eaLnBrk="1" latinLnBrk="0" hangingPunct="1">
+              <a:spcBef>
+                <a:spcPts val="1000"/>
+              </a:spcBef>
+              <a:spcAft>
+                <a:spcPts val="0"/>
+              </a:spcAft>
+              <a:buClr>
+                <a:srgbClr val="28C28C"/>
+              </a:buClr>
+              <a:buSzPct val="80000"/>
+              <a:buFont typeface="Wingdings 3" charset="2"/>
+              <a:buChar char=""/>
+              <a:defRPr sz="1800" b="0" i="0" kern="1200">
+                <a:solidFill>
+                  <a:schemeClr val="tx1"/>
+                </a:solidFill>
+                <a:latin typeface="+mj-lt"/>
+                <a:ea typeface="+mj-ea"/>
+                <a:cs typeface="+mj-cs"/>
+              </a:defRPr>
+            </a:lvl2pPr>
+            <a:lvl3pPr marL="1143000" indent="-228600" algn="l" defTabSz="457200" rtl="0" eaLnBrk="1" latinLnBrk="0" hangingPunct="1">
+              <a:spcBef>
+                <a:spcPts val="1000"/>
+              </a:spcBef>
+              <a:spcAft>
+                <a:spcPts val="0"/>
+              </a:spcAft>
+              <a:buClr>
+                <a:srgbClr val="28C28C"/>
+              </a:buClr>
+              <a:buSzPct val="80000"/>
+              <a:buFont typeface="Wingdings 3" charset="2"/>
+              <a:buChar char=""/>
+              <a:defRPr sz="1600" b="0" i="0" kern="1200">
+                <a:solidFill>
+                  <a:schemeClr val="tx1"/>
+                </a:solidFill>
+                <a:latin typeface="+mj-lt"/>
+                <a:ea typeface="+mj-ea"/>
+                <a:cs typeface="+mj-cs"/>
+              </a:defRPr>
+            </a:lvl3pPr>
+            <a:lvl4pPr marL="1600200" indent="-228600" algn="l" defTabSz="457200" rtl="0" eaLnBrk="1" latinLnBrk="0" hangingPunct="1">
+              <a:spcBef>
+                <a:spcPts val="1000"/>
+              </a:spcBef>
+              <a:spcAft>
+                <a:spcPts val="0"/>
+              </a:spcAft>
+              <a:buClr>
+                <a:srgbClr val="28C28C"/>
+              </a:buClr>
+              <a:buSzPct val="80000"/>
+              <a:buFont typeface="Wingdings 3" charset="2"/>
+              <a:buChar char=""/>
+              <a:defRPr sz="1400" b="0" i="0" kern="1200">
+                <a:solidFill>
+                  <a:schemeClr val="tx1"/>
+                </a:solidFill>
+                <a:latin typeface="+mj-lt"/>
+                <a:ea typeface="+mj-ea"/>
+                <a:cs typeface="+mj-cs"/>
+              </a:defRPr>
+            </a:lvl4pPr>
+            <a:lvl5pPr marL="2057400" indent="-228600" algn="l" defTabSz="457200" rtl="0" eaLnBrk="1" latinLnBrk="0" hangingPunct="1">
+              <a:spcBef>
+                <a:spcPts val="1000"/>
+              </a:spcBef>
+              <a:spcAft>
+                <a:spcPts val="0"/>
+              </a:spcAft>
+              <a:buClr>
+                <a:srgbClr val="28C28C"/>
+              </a:buClr>
+              <a:buSzPct val="80000"/>
+              <a:buFont typeface="Wingdings 3" charset="2"/>
+              <a:buChar char=""/>
+              <a:defRPr sz="1400" b="0" i="0" kern="1200">
+                <a:solidFill>
+                  <a:schemeClr val="tx1"/>
+                </a:solidFill>
+                <a:latin typeface="+mj-lt"/>
+                <a:ea typeface="+mj-ea"/>
+                <a:cs typeface="+mj-cs"/>
+              </a:defRPr>
+            </a:lvl5pPr>
+            <a:lvl6pPr marL="2514600" indent="-228600" algn="l" defTabSz="457200" rtl="0" eaLnBrk="1" latinLnBrk="0" hangingPunct="1">
+              <a:spcBef>
+                <a:spcPts val="1000"/>
+              </a:spcBef>
+              <a:spcAft>
+                <a:spcPts val="0"/>
+              </a:spcAft>
+              <a:buClr>
+                <a:schemeClr val="accent1"/>
+              </a:buClr>
+              <a:buSzPct val="80000"/>
+              <a:buFont typeface="Wingdings 3" charset="2"/>
+              <a:buChar char=""/>
+              <a:defRPr sz="1400" b="0" i="0" kern="1200">
+                <a:solidFill>
+                  <a:schemeClr val="tx1"/>
+                </a:solidFill>
+                <a:latin typeface="+mj-lt"/>
+                <a:ea typeface="+mj-ea"/>
+                <a:cs typeface="+mj-cs"/>
+              </a:defRPr>
+            </a:lvl6pPr>
+            <a:lvl7pPr marL="2971800" indent="-228600" algn="l" defTabSz="457200" rtl="0" eaLnBrk="1" latinLnBrk="0" hangingPunct="1">
+              <a:spcBef>
+                <a:spcPts val="1000"/>
+              </a:spcBef>
+              <a:spcAft>
+                <a:spcPts val="0"/>
+              </a:spcAft>
+              <a:buClr>
+                <a:schemeClr val="accent1"/>
+              </a:buClr>
+              <a:buSzPct val="80000"/>
+              <a:buFont typeface="Wingdings 3" charset="2"/>
+              <a:buChar char=""/>
+              <a:defRPr sz="1400" b="0" i="0" kern="1200">
+                <a:solidFill>
+                  <a:schemeClr val="tx1"/>
+                </a:solidFill>
+                <a:latin typeface="+mj-lt"/>
+                <a:ea typeface="+mj-ea"/>
+                <a:cs typeface="+mj-cs"/>
+              </a:defRPr>
+            </a:lvl7pPr>
+            <a:lvl8pPr marL="3429000" indent="-228600" algn="l" defTabSz="457200" rtl="0" eaLnBrk="1" latinLnBrk="0" hangingPunct="1">
+              <a:spcBef>
+                <a:spcPts val="1000"/>
+              </a:spcBef>
+              <a:spcAft>
+                <a:spcPts val="0"/>
+              </a:spcAft>
+              <a:buClr>
+                <a:schemeClr val="accent1"/>
+              </a:buClr>
+              <a:buSzPct val="80000"/>
+              <a:buFont typeface="Wingdings 3" charset="2"/>
+              <a:buChar char=""/>
+              <a:defRPr sz="1400" b="0" i="0" kern="1200">
+                <a:solidFill>
+                  <a:schemeClr val="tx1"/>
+                </a:solidFill>
+                <a:latin typeface="+mj-lt"/>
+                <a:ea typeface="+mj-ea"/>
+                <a:cs typeface="+mj-cs"/>
+              </a:defRPr>
+            </a:lvl8pPr>
+            <a:lvl9pPr marL="3886200" indent="-228600" algn="l" defTabSz="457200" rtl="0" eaLnBrk="1" latinLnBrk="0" hangingPunct="1">
+              <a:spcBef>
+                <a:spcPts val="1000"/>
+              </a:spcBef>
+              <a:spcAft>
+                <a:spcPts val="0"/>
+              </a:spcAft>
+              <a:buClr>
+                <a:schemeClr val="accent1"/>
+              </a:buClr>
+              <a:buSzPct val="80000"/>
+              <a:buFont typeface="Wingdings 3" charset="2"/>
+              <a:buChar char=""/>
+              <a:defRPr sz="1400" b="0" i="0" kern="1200">
+                <a:solidFill>
+                  <a:schemeClr val="tx1"/>
+                </a:solidFill>
+                <a:latin typeface="+mj-lt"/>
+                <a:ea typeface="+mj-ea"/>
+                <a:cs typeface="+mj-cs"/>
+              </a:defRPr>
+            </a:lvl9pPr>
+          </a:lstStyle>
+          <a:p>
+            <a:pPr marL="0" indent="0" algn="ctr">
+              <a:buNone/>
+            </a:pPr>
+            <a:r>
+              <a:rPr lang="en-US" b="1" dirty="0"/>
+              <a:t>Whatever the church wants!</a:t>
+            </a:r>
+          </a:p>
+          <a:p>
+            <a:pPr algn="ctr"/>
+            <a:endParaRPr lang="en-US" b="1" dirty="0"/>
+          </a:p>
+        </p:txBody>
+      </p:sp>
+      <p:sp>
+        <p:nvSpPr>
+          <p:cNvPr id="29" name="Rectangle 28">
+            <a:extLst>
+              <a:ext uri="{FF2B5EF4-FFF2-40B4-BE49-F238E27FC236}">
+                <a16:creationId xmlns:a16="http://schemas.microsoft.com/office/drawing/2014/main" id="{F4859A8E-0D5E-4B19-BF79-60E2D769DB96}"/>
+              </a:ext>
+            </a:extLst>
+          </p:cNvPr>
+          <p:cNvSpPr/>
+          <p:nvPr/>
+        </p:nvSpPr>
+        <p:spPr>
+          <a:xfrm>
+            <a:off x="5933887" y="1399489"/>
+            <a:ext cx="2018318" cy="2553911"/>
+          </a:xfrm>
+          <a:prstGeom prst="rect">
+            <a:avLst/>
+          </a:prstGeom>
+          <a:noFill/>
+          <a:ln w="76200">
+            <a:solidFill>
+              <a:schemeClr val="bg2">
+                <a:lumMod val="60000"/>
+                <a:lumOff val="40000"/>
+              </a:schemeClr>
+            </a:solidFill>
+          </a:ln>
+        </p:spPr>
+        <p:style>
+          <a:lnRef idx="2">
+            <a:schemeClr val="accent1">
+              <a:shade val="50000"/>
+            </a:schemeClr>
+          </a:lnRef>
+          <a:fillRef idx="1">
+            <a:schemeClr val="accent1"/>
+          </a:fillRef>
+          <a:effectRef idx="0">
+            <a:schemeClr val="accent1"/>
+          </a:effectRef>
+          <a:fontRef idx="minor">
+            <a:schemeClr val="lt1"/>
+          </a:fontRef>
+        </p:style>
+        <p:txBody>
+          <a:bodyPr rtlCol="0" anchor="ctr"/>
+          <a:lstStyle/>
+          <a:p>
+            <a:pPr algn="ctr"/>
+            <a:endParaRPr lang="en-US"/>
+          </a:p>
+        </p:txBody>
+      </p:sp>
+      <p:grpSp>
+        <p:nvGrpSpPr>
+          <p:cNvPr id="53" name="Group 52">
+            <a:extLst>
+              <a:ext uri="{FF2B5EF4-FFF2-40B4-BE49-F238E27FC236}">
+                <a16:creationId xmlns:a16="http://schemas.microsoft.com/office/drawing/2014/main" id="{AEC46E72-8C77-4298-A487-949D916B13AC}"/>
+              </a:ext>
+            </a:extLst>
+          </p:cNvPr>
+          <p:cNvGrpSpPr/>
+          <p:nvPr/>
+        </p:nvGrpSpPr>
+        <p:grpSpPr>
+          <a:xfrm>
+            <a:off x="5771303" y="4311326"/>
+            <a:ext cx="2510759" cy="2386713"/>
+            <a:chOff x="5771303" y="4311326"/>
+            <a:chExt cx="2510759" cy="2386713"/>
+          </a:xfrm>
+        </p:grpSpPr>
+        <p:grpSp>
+          <p:nvGrpSpPr>
+            <p:cNvPr id="38" name="Group 37">
+              <a:extLst>
+                <a:ext uri="{FF2B5EF4-FFF2-40B4-BE49-F238E27FC236}">
+                  <a16:creationId xmlns:a16="http://schemas.microsoft.com/office/drawing/2014/main" id="{A5298EE9-7A73-496A-A413-DA05993778B5}"/>
+                </a:ext>
+              </a:extLst>
+            </p:cNvPr>
+            <p:cNvGrpSpPr/>
+            <p:nvPr/>
+          </p:nvGrpSpPr>
+          <p:grpSpPr>
+            <a:xfrm>
+              <a:off x="5771303" y="4937808"/>
+              <a:ext cx="2510759" cy="1760231"/>
+              <a:chOff x="5166750" y="4998098"/>
+              <a:chExt cx="2510759" cy="1760231"/>
+            </a:xfrm>
+          </p:grpSpPr>
+          <p:pic>
+            <p:nvPicPr>
+              <p:cNvPr id="39" name="Picture 38" descr="A picture containing text, monitor, indoor, screen&#10;&#10;Description automatically generated">
+                <a:extLst>
+                  <a:ext uri="{FF2B5EF4-FFF2-40B4-BE49-F238E27FC236}">
+                    <a16:creationId xmlns:a16="http://schemas.microsoft.com/office/drawing/2014/main" id="{C1F736AE-604D-48C4-89D2-D92D50CA326F}"/>
+                  </a:ext>
+                </a:extLst>
+              </p:cNvPr>
+              <p:cNvPicPr>
+                <a:picLocks noChangeAspect="1"/>
+              </p:cNvPicPr>
+              <p:nvPr/>
+            </p:nvPicPr>
+            <p:blipFill>
+              <a:blip r:embed="rId3"/>
+              <a:stretch>
+                <a:fillRect/>
+              </a:stretch>
+            </p:blipFill>
+            <p:spPr>
+              <a:xfrm>
+                <a:off x="5166750" y="4998098"/>
+                <a:ext cx="2461861" cy="1760231"/>
+              </a:xfrm>
+              <a:prstGeom prst="rect">
+                <a:avLst/>
+              </a:prstGeom>
+            </p:spPr>
+          </p:pic>
+          <p:pic>
+            <p:nvPicPr>
+              <p:cNvPr id="40" name="Picture 39" descr="A picture containing text, monitor, electronics, indoor&#10;&#10;Description automatically generated">
+                <a:extLst>
+                  <a:ext uri="{FF2B5EF4-FFF2-40B4-BE49-F238E27FC236}">
+                    <a16:creationId xmlns:a16="http://schemas.microsoft.com/office/drawing/2014/main" id="{DFE78933-009F-4D39-8DFA-B8142858138E}"/>
+                  </a:ext>
+                </a:extLst>
+              </p:cNvPr>
+              <p:cNvPicPr>
+                <a:picLocks noChangeAspect="1"/>
+              </p:cNvPicPr>
+              <p:nvPr/>
+            </p:nvPicPr>
+            <p:blipFill>
+              <a:blip r:embed="rId4"/>
+              <a:stretch>
+                <a:fillRect/>
+              </a:stretch>
+            </p:blipFill>
+            <p:spPr>
+              <a:xfrm rot="20457436">
+                <a:off x="6949767" y="5088559"/>
+                <a:ext cx="727742" cy="1455484"/>
+              </a:xfrm>
+              <a:prstGeom prst="rect">
+                <a:avLst/>
+              </a:prstGeom>
+            </p:spPr>
+          </p:pic>
+        </p:grpSp>
+        <p:sp>
+          <p:nvSpPr>
+            <p:cNvPr id="47" name="TextBox 46">
+              <a:extLst>
+                <a:ext uri="{FF2B5EF4-FFF2-40B4-BE49-F238E27FC236}">
+                  <a16:creationId xmlns:a16="http://schemas.microsoft.com/office/drawing/2014/main" id="{62C5587C-9599-4429-8350-55CCE800AD8D}"/>
+                </a:ext>
+              </a:extLst>
+            </p:cNvPr>
+            <p:cNvSpPr txBox="1"/>
+            <p:nvPr/>
+          </p:nvSpPr>
+          <p:spPr>
+            <a:xfrm>
+              <a:off x="6457777" y="4311326"/>
+              <a:ext cx="1252860" cy="584775"/>
+            </a:xfrm>
+            <a:prstGeom prst="rect">
+              <a:avLst/>
+            </a:prstGeom>
+            <a:noFill/>
+          </p:spPr>
+          <p:txBody>
+            <a:bodyPr wrap="square" rtlCol="0">
+              <a:spAutoFit/>
+            </a:bodyPr>
+            <a:lstStyle/>
+            <a:p>
+              <a:pPr algn="ctr"/>
+              <a:r>
+                <a:rPr lang="en-US" sz="1600" b="1" dirty="0">
+                  <a:solidFill>
+                    <a:srgbClr val="FF0000"/>
+                  </a:solidFill>
+                  <a:effectLst>
+                    <a:outerShdw blurRad="38100" dist="38100" dir="2700000" algn="tl">
+                      <a:srgbClr val="000000">
+                        <a:alpha val="43137"/>
+                      </a:srgbClr>
+                    </a:outerShdw>
+                  </a:effectLst>
+                  <a:latin typeface="Arial Black" panose="020B0A04020102020204" pitchFamily="34" charset="0"/>
+                  <a:cs typeface="Aharoni" panose="020B0604020202020204" pitchFamily="2" charset="-79"/>
+                </a:rPr>
+                <a:t>TABLET/PHONE</a:t>
+              </a:r>
+            </a:p>
+          </p:txBody>
+        </p:sp>
+      </p:grpSp>
+      <p:grpSp>
+        <p:nvGrpSpPr>
+          <p:cNvPr id="55" name="Group 54">
+            <a:extLst>
+              <a:ext uri="{FF2B5EF4-FFF2-40B4-BE49-F238E27FC236}">
+                <a16:creationId xmlns:a16="http://schemas.microsoft.com/office/drawing/2014/main" id="{EC1493D8-567A-4180-B022-2B046D2AE949}"/>
+              </a:ext>
+            </a:extLst>
+          </p:cNvPr>
+          <p:cNvGrpSpPr/>
+          <p:nvPr/>
+        </p:nvGrpSpPr>
+        <p:grpSpPr>
+          <a:xfrm>
+            <a:off x="8671454" y="4165921"/>
+            <a:ext cx="2641605" cy="2200698"/>
+            <a:chOff x="8671454" y="4165921"/>
+            <a:chExt cx="2641605" cy="2200698"/>
+          </a:xfrm>
+        </p:grpSpPr>
+        <p:pic>
+          <p:nvPicPr>
+            <p:cNvPr id="45" name="Picture 44">
+              <a:extLst>
+                <a:ext uri="{FF2B5EF4-FFF2-40B4-BE49-F238E27FC236}">
+                  <a16:creationId xmlns:a16="http://schemas.microsoft.com/office/drawing/2014/main" id="{5C5B2573-CA40-4E0B-8A67-AA0990E53DB5}"/>
+                </a:ext>
+              </a:extLst>
+            </p:cNvPr>
+            <p:cNvPicPr>
+              <a:picLocks noChangeAspect="1"/>
+            </p:cNvPicPr>
+            <p:nvPr/>
+          </p:nvPicPr>
+          <p:blipFill>
+            <a:blip r:embed="rId5"/>
+            <a:stretch>
+              <a:fillRect/>
+            </a:stretch>
+          </p:blipFill>
+          <p:spPr>
+            <a:xfrm>
+              <a:off x="8671454" y="4165921"/>
+              <a:ext cx="2641605" cy="2200698"/>
+            </a:xfrm>
+            <a:prstGeom prst="rect">
+              <a:avLst/>
+            </a:prstGeom>
+          </p:spPr>
+        </p:pic>
+        <p:sp>
+          <p:nvSpPr>
+            <p:cNvPr id="48" name="TextBox 47">
+              <a:extLst>
+                <a:ext uri="{FF2B5EF4-FFF2-40B4-BE49-F238E27FC236}">
+                  <a16:creationId xmlns:a16="http://schemas.microsoft.com/office/drawing/2014/main" id="{0669CE5D-E695-4668-B888-F49FF99CC4EB}"/>
+                </a:ext>
+              </a:extLst>
+            </p:cNvPr>
+            <p:cNvSpPr txBox="1"/>
+            <p:nvPr/>
+          </p:nvSpPr>
+          <p:spPr>
+            <a:xfrm>
+              <a:off x="9365826" y="4458308"/>
+              <a:ext cx="1252860" cy="584775"/>
+            </a:xfrm>
+            <a:prstGeom prst="rect">
+              <a:avLst/>
+            </a:prstGeom>
+            <a:noFill/>
+          </p:spPr>
+          <p:txBody>
+            <a:bodyPr wrap="square" rtlCol="0">
+              <a:spAutoFit/>
+            </a:bodyPr>
+            <a:lstStyle/>
+            <a:p>
+              <a:pPr algn="ctr"/>
+              <a:r>
+                <a:rPr lang="en-US" sz="1600" b="1" dirty="0">
+                  <a:solidFill>
+                    <a:srgbClr val="FF0000"/>
+                  </a:solidFill>
+                  <a:effectLst>
+                    <a:outerShdw blurRad="38100" dist="38100" dir="2700000" algn="tl">
+                      <a:srgbClr val="000000">
+                        <a:alpha val="43137"/>
+                      </a:srgbClr>
+                    </a:outerShdw>
+                  </a:effectLst>
+                  <a:latin typeface="Arial Black" panose="020B0A04020102020204" pitchFamily="34" charset="0"/>
+                  <a:cs typeface="Aharoni" panose="020B0604020202020204" pitchFamily="2" charset="-79"/>
+                </a:rPr>
+                <a:t>PDF </a:t>
+              </a:r>
+            </a:p>
+            <a:p>
+              <a:pPr algn="ctr"/>
+              <a:r>
+                <a:rPr lang="en-US" sz="1600" b="1" dirty="0">
+                  <a:solidFill>
+                    <a:srgbClr val="FF0000"/>
+                  </a:solidFill>
+                  <a:effectLst>
+                    <a:outerShdw blurRad="38100" dist="38100" dir="2700000" algn="tl">
+                      <a:srgbClr val="000000">
+                        <a:alpha val="43137"/>
+                      </a:srgbClr>
+                    </a:outerShdw>
+                  </a:effectLst>
+                  <a:latin typeface="Arial Black" panose="020B0A04020102020204" pitchFamily="34" charset="0"/>
+                  <a:cs typeface="Aharoni" panose="020B0604020202020204" pitchFamily="2" charset="-79"/>
+                </a:rPr>
+                <a:t>FILES</a:t>
+              </a:r>
+            </a:p>
+          </p:txBody>
+        </p:sp>
+      </p:grpSp>
+      <p:grpSp>
+        <p:nvGrpSpPr>
+          <p:cNvPr id="54" name="Group 53">
+            <a:extLst>
+              <a:ext uri="{FF2B5EF4-FFF2-40B4-BE49-F238E27FC236}">
+                <a16:creationId xmlns:a16="http://schemas.microsoft.com/office/drawing/2014/main" id="{4364FEFB-25EE-4D79-A03D-7FDB9928E421}"/>
+              </a:ext>
+            </a:extLst>
+          </p:cNvPr>
+          <p:cNvGrpSpPr/>
+          <p:nvPr/>
+        </p:nvGrpSpPr>
+        <p:grpSpPr>
+          <a:xfrm>
+            <a:off x="8223211" y="1418075"/>
+            <a:ext cx="3474721" cy="2553911"/>
+            <a:chOff x="8223211" y="1418075"/>
+            <a:chExt cx="3474721" cy="2553911"/>
+          </a:xfrm>
+        </p:grpSpPr>
+        <p:grpSp>
+          <p:nvGrpSpPr>
+            <p:cNvPr id="42" name="Group 41">
+              <a:extLst>
+                <a:ext uri="{FF2B5EF4-FFF2-40B4-BE49-F238E27FC236}">
+                  <a16:creationId xmlns:a16="http://schemas.microsoft.com/office/drawing/2014/main" id="{3E944746-F14C-4B28-A383-C1FA8A64F676}"/>
+                </a:ext>
+              </a:extLst>
+            </p:cNvPr>
+            <p:cNvGrpSpPr/>
+            <p:nvPr/>
+          </p:nvGrpSpPr>
+          <p:grpSpPr>
+            <a:xfrm>
+              <a:off x="9134999" y="1418075"/>
+              <a:ext cx="2562933" cy="2553911"/>
+              <a:chOff x="8070948" y="2148718"/>
+              <a:chExt cx="2200698" cy="2200698"/>
+            </a:xfrm>
+          </p:grpSpPr>
+          <p:pic>
+            <p:nvPicPr>
+              <p:cNvPr id="43" name="Picture 42" descr="A picture containing text, electronics, monitor, indoor&#10;&#10;Description automatically generated">
+                <a:extLst>
+                  <a:ext uri="{FF2B5EF4-FFF2-40B4-BE49-F238E27FC236}">
+                    <a16:creationId xmlns:a16="http://schemas.microsoft.com/office/drawing/2014/main" id="{8720F19D-2816-4BFD-AB33-0EAA731131C6}"/>
+                  </a:ext>
+                </a:extLst>
+              </p:cNvPr>
+              <p:cNvPicPr>
+                <a:picLocks noChangeAspect="1"/>
+              </p:cNvPicPr>
+              <p:nvPr/>
+            </p:nvPicPr>
+            <p:blipFill>
+              <a:blip r:embed="rId6"/>
+              <a:stretch>
+                <a:fillRect/>
+              </a:stretch>
+            </p:blipFill>
+            <p:spPr>
+              <a:xfrm>
+                <a:off x="8070948" y="2148718"/>
+                <a:ext cx="2200698" cy="2200698"/>
+              </a:xfrm>
+              <a:prstGeom prst="rect">
+                <a:avLst/>
+              </a:prstGeom>
+            </p:spPr>
+          </p:pic>
+          <p:pic>
+            <p:nvPicPr>
+              <p:cNvPr id="44" name="Picture 43">
+                <a:extLst>
+                  <a:ext uri="{FF2B5EF4-FFF2-40B4-BE49-F238E27FC236}">
+                    <a16:creationId xmlns:a16="http://schemas.microsoft.com/office/drawing/2014/main" id="{28587FBA-AFFF-4CEA-9F22-A9C6385C4576}"/>
+                  </a:ext>
+                </a:extLst>
+              </p:cNvPr>
+              <p:cNvPicPr>
+                <a:picLocks noChangeAspect="1"/>
+              </p:cNvPicPr>
+              <p:nvPr/>
+            </p:nvPicPr>
+            <p:blipFill>
+              <a:blip r:embed="rId7"/>
+              <a:stretch>
+                <a:fillRect/>
+              </a:stretch>
+            </p:blipFill>
+            <p:spPr>
+              <a:xfrm>
+                <a:off x="8528736" y="2392665"/>
+                <a:ext cx="1044254" cy="923592"/>
+              </a:xfrm>
+              <a:prstGeom prst="rect">
+                <a:avLst/>
+              </a:prstGeom>
+            </p:spPr>
+          </p:pic>
+        </p:grpSp>
+        <p:sp>
+          <p:nvSpPr>
+            <p:cNvPr id="49" name="TextBox 48">
+              <a:extLst>
+                <a:ext uri="{FF2B5EF4-FFF2-40B4-BE49-F238E27FC236}">
+                  <a16:creationId xmlns:a16="http://schemas.microsoft.com/office/drawing/2014/main" id="{541C2088-920D-4482-8914-323A25039524}"/>
+                </a:ext>
+              </a:extLst>
+            </p:cNvPr>
+            <p:cNvSpPr txBox="1"/>
+            <p:nvPr/>
+          </p:nvSpPr>
+          <p:spPr>
+            <a:xfrm>
+              <a:off x="8223211" y="1929293"/>
+              <a:ext cx="1252860" cy="584775"/>
+            </a:xfrm>
+            <a:prstGeom prst="rect">
+              <a:avLst/>
+            </a:prstGeom>
+            <a:noFill/>
+          </p:spPr>
+          <p:txBody>
+            <a:bodyPr wrap="square" rtlCol="0">
+              <a:spAutoFit/>
+            </a:bodyPr>
+            <a:lstStyle/>
+            <a:p>
+              <a:pPr algn="ctr"/>
+              <a:r>
+                <a:rPr lang="en-US" sz="1600" b="1" dirty="0">
+                  <a:solidFill>
+                    <a:srgbClr val="FF0000"/>
+                  </a:solidFill>
+                  <a:effectLst>
+                    <a:outerShdw blurRad="38100" dist="38100" dir="2700000" algn="tl">
+                      <a:srgbClr val="000000">
+                        <a:alpha val="43137"/>
+                      </a:srgbClr>
+                    </a:outerShdw>
+                  </a:effectLst>
+                  <a:latin typeface="Arial Black" panose="020B0A04020102020204" pitchFamily="34" charset="0"/>
+                  <a:cs typeface="Aharoni" panose="020B0604020202020204" pitchFamily="2" charset="-79"/>
+                </a:rPr>
+                <a:t>READ</a:t>
+              </a:r>
+            </a:p>
+            <a:p>
+              <a:pPr algn="ctr"/>
+              <a:r>
+                <a:rPr lang="en-US" sz="1600" b="1" dirty="0">
+                  <a:solidFill>
+                    <a:srgbClr val="FF0000"/>
+                  </a:solidFill>
+                  <a:effectLst>
+                    <a:outerShdw blurRad="38100" dist="38100" dir="2700000" algn="tl">
+                      <a:srgbClr val="000000">
+                        <a:alpha val="43137"/>
+                      </a:srgbClr>
+                    </a:outerShdw>
+                  </a:effectLst>
+                  <a:latin typeface="Arial Black" panose="020B0A04020102020204" pitchFamily="34" charset="0"/>
+                  <a:cs typeface="Aharoni" panose="020B0604020202020204" pitchFamily="2" charset="-79"/>
+                </a:rPr>
+                <a:t>ONLINE</a:t>
+              </a:r>
+            </a:p>
+          </p:txBody>
+        </p:sp>
+      </p:grpSp>
+      <p:grpSp>
+        <p:nvGrpSpPr>
+          <p:cNvPr id="51" name="Group 50">
+            <a:extLst>
+              <a:ext uri="{FF2B5EF4-FFF2-40B4-BE49-F238E27FC236}">
+                <a16:creationId xmlns:a16="http://schemas.microsoft.com/office/drawing/2014/main" id="{29F64641-0112-45D7-A58A-08FF7E0B4A3E}"/>
+              </a:ext>
+            </a:extLst>
+          </p:cNvPr>
+          <p:cNvGrpSpPr/>
+          <p:nvPr/>
+        </p:nvGrpSpPr>
+        <p:grpSpPr>
+          <a:xfrm>
+            <a:off x="722253" y="3327180"/>
+            <a:ext cx="2543175" cy="2261878"/>
+            <a:chOff x="722253" y="3327180"/>
+            <a:chExt cx="2543175" cy="2261878"/>
+          </a:xfrm>
+        </p:grpSpPr>
+        <p:pic>
+          <p:nvPicPr>
+            <p:cNvPr id="37" name="Picture 36">
+              <a:extLst>
+                <a:ext uri="{FF2B5EF4-FFF2-40B4-BE49-F238E27FC236}">
+                  <a16:creationId xmlns:a16="http://schemas.microsoft.com/office/drawing/2014/main" id="{066889EF-9B4C-4B53-9879-B1A3BD1AE510}"/>
+                </a:ext>
+              </a:extLst>
+            </p:cNvPr>
+            <p:cNvPicPr>
+              <a:picLocks noChangeAspect="1"/>
+            </p:cNvPicPr>
+            <p:nvPr/>
+          </p:nvPicPr>
+          <p:blipFill>
+            <a:blip r:embed="rId8"/>
+            <a:stretch>
+              <a:fillRect/>
+            </a:stretch>
+          </p:blipFill>
+          <p:spPr>
+            <a:xfrm>
+              <a:off x="722253" y="3684058"/>
+              <a:ext cx="2543175" cy="1905000"/>
+            </a:xfrm>
+            <a:prstGeom prst="rect">
+              <a:avLst/>
+            </a:prstGeom>
+          </p:spPr>
+        </p:pic>
+        <p:sp>
+          <p:nvSpPr>
+            <p:cNvPr id="50" name="TextBox 49">
+              <a:extLst>
+                <a:ext uri="{FF2B5EF4-FFF2-40B4-BE49-F238E27FC236}">
+                  <a16:creationId xmlns:a16="http://schemas.microsoft.com/office/drawing/2014/main" id="{E654B988-81AC-49D2-9297-B98C7F664769}"/>
+                </a:ext>
+              </a:extLst>
+            </p:cNvPr>
+            <p:cNvSpPr txBox="1"/>
+            <p:nvPr/>
+          </p:nvSpPr>
+          <p:spPr>
+            <a:xfrm>
+              <a:off x="820589" y="3327180"/>
+              <a:ext cx="2346501" cy="338554"/>
+            </a:xfrm>
+            <a:prstGeom prst="rect">
+              <a:avLst/>
+            </a:prstGeom>
+            <a:noFill/>
+          </p:spPr>
+          <p:txBody>
+            <a:bodyPr wrap="square" rtlCol="0">
+              <a:spAutoFit/>
+            </a:bodyPr>
+            <a:lstStyle/>
+            <a:p>
+              <a:pPr algn="ctr"/>
+              <a:r>
+                <a:rPr lang="en-US" sz="1600" b="1" dirty="0">
+                  <a:solidFill>
+                    <a:srgbClr val="FF0000"/>
+                  </a:solidFill>
+                  <a:effectLst>
+                    <a:outerShdw blurRad="38100" dist="38100" dir="2700000" algn="tl">
+                      <a:srgbClr val="000000">
+                        <a:alpha val="43137"/>
+                      </a:srgbClr>
+                    </a:outerShdw>
+                  </a:effectLst>
+                  <a:latin typeface="Arial Black" panose="020B0A04020102020204" pitchFamily="34" charset="0"/>
+                  <a:cs typeface="Aharoni" panose="020B0604020202020204" pitchFamily="2" charset="-79"/>
+                </a:rPr>
+                <a:t>PRINTED  COPIES</a:t>
+              </a:r>
+            </a:p>
+          </p:txBody>
+        </p:sp>
+      </p:grpSp>
+      <p:grpSp>
+        <p:nvGrpSpPr>
+          <p:cNvPr id="52" name="Group 51">
+            <a:extLst>
+              <a:ext uri="{FF2B5EF4-FFF2-40B4-BE49-F238E27FC236}">
+                <a16:creationId xmlns:a16="http://schemas.microsoft.com/office/drawing/2014/main" id="{09EB6B02-E8D9-4B3A-BE52-15386648BE83}"/>
+              </a:ext>
+            </a:extLst>
+          </p:cNvPr>
+          <p:cNvGrpSpPr/>
+          <p:nvPr/>
+        </p:nvGrpSpPr>
+        <p:grpSpPr>
+          <a:xfrm>
+            <a:off x="3130416" y="3971986"/>
+            <a:ext cx="2543176" cy="2532118"/>
+            <a:chOff x="2961698" y="4165921"/>
+            <a:chExt cx="2543176" cy="2532118"/>
+          </a:xfrm>
+        </p:grpSpPr>
+        <p:pic>
+          <p:nvPicPr>
+            <p:cNvPr id="41" name="Picture 40" descr="Logo&#10;&#10;Description automatically generated">
+              <a:extLst>
+                <a:ext uri="{FF2B5EF4-FFF2-40B4-BE49-F238E27FC236}">
+                  <a16:creationId xmlns:a16="http://schemas.microsoft.com/office/drawing/2014/main" id="{65D9A53C-4EFB-41AD-A307-3ABB13259847}"/>
+                </a:ext>
+              </a:extLst>
+            </p:cNvPr>
+            <p:cNvPicPr>
+              <a:picLocks noChangeAspect="1"/>
+            </p:cNvPicPr>
+            <p:nvPr/>
+          </p:nvPicPr>
+          <p:blipFill>
+            <a:blip r:embed="rId9"/>
+            <a:stretch>
+              <a:fillRect/>
+            </a:stretch>
+          </p:blipFill>
+          <p:spPr>
+            <a:xfrm>
+              <a:off x="2961698" y="4621977"/>
+              <a:ext cx="2543176" cy="2076062"/>
+            </a:xfrm>
+            <a:prstGeom prst="rect">
+              <a:avLst/>
+            </a:prstGeom>
+          </p:spPr>
+        </p:pic>
+        <p:sp>
+          <p:nvSpPr>
+            <p:cNvPr id="46" name="TextBox 45">
+              <a:extLst>
+                <a:ext uri="{FF2B5EF4-FFF2-40B4-BE49-F238E27FC236}">
+                  <a16:creationId xmlns:a16="http://schemas.microsoft.com/office/drawing/2014/main" id="{1B78DC2B-CC71-42EF-AEF7-E22A8CB809D1}"/>
+                </a:ext>
+              </a:extLst>
+            </p:cNvPr>
+            <p:cNvSpPr txBox="1"/>
+            <p:nvPr/>
+          </p:nvSpPr>
+          <p:spPr>
+            <a:xfrm>
+              <a:off x="3882040" y="4165921"/>
+              <a:ext cx="1252860" cy="584775"/>
+            </a:xfrm>
+            <a:prstGeom prst="rect">
+              <a:avLst/>
+            </a:prstGeom>
+            <a:noFill/>
+          </p:spPr>
+          <p:txBody>
+            <a:bodyPr wrap="square" rtlCol="0">
+              <a:spAutoFit/>
+            </a:bodyPr>
+            <a:lstStyle/>
+            <a:p>
+              <a:pPr algn="ctr"/>
+              <a:r>
+                <a:rPr lang="en-US" sz="1600" b="1" dirty="0">
+                  <a:solidFill>
+                    <a:srgbClr val="FF0000"/>
+                  </a:solidFill>
+                  <a:effectLst>
+                    <a:outerShdw blurRad="38100" dist="38100" dir="2700000" algn="tl">
+                      <a:srgbClr val="000000">
+                        <a:alpha val="43137"/>
+                      </a:srgbClr>
+                    </a:outerShdw>
+                  </a:effectLst>
+                  <a:latin typeface="Arial Black" panose="020B0A04020102020204" pitchFamily="34" charset="0"/>
+                  <a:cs typeface="Aharoni" panose="020B0604020202020204" pitchFamily="2" charset="-79"/>
+                </a:rPr>
+                <a:t>FANCY</a:t>
+              </a:r>
+            </a:p>
+            <a:p>
+              <a:pPr algn="ctr"/>
+              <a:r>
+                <a:rPr lang="en-US" sz="1600" b="1" dirty="0">
+                  <a:solidFill>
+                    <a:srgbClr val="FF0000"/>
+                  </a:solidFill>
+                  <a:effectLst>
+                    <a:outerShdw blurRad="38100" dist="38100" dir="2700000" algn="tl">
+                      <a:srgbClr val="000000">
+                        <a:alpha val="43137"/>
+                      </a:srgbClr>
+                    </a:outerShdw>
+                  </a:effectLst>
+                  <a:latin typeface="Arial Black" panose="020B0A04020102020204" pitchFamily="34" charset="0"/>
+                  <a:cs typeface="Aharoni" panose="020B0604020202020204" pitchFamily="2" charset="-79"/>
+                </a:rPr>
+                <a:t>  BIBLES</a:t>
+              </a:r>
+            </a:p>
+          </p:txBody>
+        </p:sp>
+      </p:grpSp>
+    </p:spTree>
+    <p:extLst>
+      <p:ext uri="{BB962C8B-B14F-4D97-AF65-F5344CB8AC3E}">
+        <p14:creationId xmlns:p14="http://schemas.microsoft.com/office/powerpoint/2010/main" val="316514919"/>
+      </p:ext>
+    </p:extLst>
+  </p:cSld>
+  <p:clrMapOvr>
+    <a:masterClrMapping/>
+  </p:clrMapOvr>
+  <mc:AlternateContent xmlns:mc="http://schemas.openxmlformats.org/markup-compatibility/2006" xmlns:p14="http://schemas.microsoft.com/office/powerpoint/2010/main">
+    <mc:Choice Requires="p14">
+      <p:transition spd="med" p14:dur="700">
+        <p:fade/>
+      </p:transition>
+    </mc:Choice>
+    <mc:Fallback xmlns="">
+      <p:transition spd="med">
+        <p:fade/>
+      </p:transition>
+    </mc:Fallback>
+  </mc:AlternateContent>
+  <p:timing>
+    <p:tnLst>
+      <p:par>
+        <p:cTn id="1" dur="indefinite" restart="never" nodeType="tmRoot">
+          <p:childTnLst>
+            <p:seq concurrent="1" nextAc="seek">
+              <p:cTn id="2" dur="indefinite" nodeType="mainSeq">
+                <p:childTnLst>
+                  <p:par>
+                    <p:cTn id="3" fill="hold">
+                      <p:stCondLst>
+                        <p:cond delay="indefinite"/>
+                      </p:stCondLst>
+                      <p:childTnLst>
+                        <p:par>
+                          <p:cTn id="4" fill="hold">
+                            <p:stCondLst>
+                              <p:cond delay="0"/>
+                            </p:stCondLst>
+                            <p:childTnLst>
+                              <p:par>
+                                <p:cTn id="5" presetID="22" presetClass="entr" presetSubtype="4" fill="hold" grpId="0" nodeType="clickEffect">
+                                  <p:stCondLst>
+                                    <p:cond delay="0"/>
+                                  </p:stCondLst>
+                                  <p:childTnLst>
+                                    <p:set>
+                                      <p:cBhvr>
+                                        <p:cTn id="6" dur="1" fill="hold">
+                                          <p:stCondLst>
+                                            <p:cond delay="0"/>
+                                          </p:stCondLst>
+                                        </p:cTn>
+                                        <p:tgtEl>
+                                          <p:spTgt spid="2">
+                                            <p:txEl>
+                                              <p:pRg st="0" end="0"/>
+                                            </p:txEl>
+                                          </p:spTgt>
+                                        </p:tgtEl>
+                                        <p:attrNameLst>
+                                          <p:attrName>style.visibility</p:attrName>
+                                        </p:attrNameLst>
+                                      </p:cBhvr>
+                                      <p:to>
+                                        <p:strVal val="visible"/>
+                                      </p:to>
+                                    </p:set>
+                                    <p:animEffect transition="in" filter="wipe(down)">
+                                      <p:cBhvr>
+                                        <p:cTn id="7" dur="500"/>
+                                        <p:tgtEl>
+                                          <p:spTgt spid="2">
+                                            <p:txEl>
+                                              <p:pRg st="0" end="0"/>
+                                            </p:txEl>
+                                          </p:spTgt>
+                                        </p:tgtEl>
+                                      </p:cBhvr>
+                                    </p:animEffect>
+                                  </p:childTnLst>
+                                </p:cTn>
+                              </p:par>
+                            </p:childTnLst>
+                          </p:cTn>
+                        </p:par>
+                      </p:childTnLst>
+                    </p:cTn>
+                  </p:par>
+                  <p:par>
+                    <p:cTn id="8" fill="hold">
+                      <p:stCondLst>
+                        <p:cond delay="indefinite"/>
+                      </p:stCondLst>
+                      <p:childTnLst>
+                        <p:par>
+                          <p:cTn id="9" fill="hold">
+                            <p:stCondLst>
+                              <p:cond delay="0"/>
+                            </p:stCondLst>
+                            <p:childTnLst>
+                              <p:par>
+                                <p:cTn id="10" presetID="22" presetClass="entr" presetSubtype="4" fill="hold" grpId="0" nodeType="clickEffect">
+                                  <p:stCondLst>
+                                    <p:cond delay="0"/>
+                                  </p:stCondLst>
+                                  <p:childTnLst>
+                                    <p:set>
+                                      <p:cBhvr>
+                                        <p:cTn id="11" dur="1" fill="hold">
+                                          <p:stCondLst>
+                                            <p:cond delay="0"/>
+                                          </p:stCondLst>
+                                        </p:cTn>
+                                        <p:tgtEl>
+                                          <p:spTgt spid="2">
+                                            <p:txEl>
+                                              <p:pRg st="1" end="1"/>
+                                            </p:txEl>
+                                          </p:spTgt>
+                                        </p:tgtEl>
+                                        <p:attrNameLst>
+                                          <p:attrName>style.visibility</p:attrName>
+                                        </p:attrNameLst>
+                                      </p:cBhvr>
+                                      <p:to>
+                                        <p:strVal val="visible"/>
+                                      </p:to>
+                                    </p:set>
+                                    <p:animEffect transition="in" filter="wipe(down)">
+                                      <p:cBhvr>
+                                        <p:cTn id="12" dur="500"/>
+                                        <p:tgtEl>
+                                          <p:spTgt spid="2">
+                                            <p:txEl>
+                                              <p:pRg st="1" end="1"/>
+                                            </p:txEl>
+                                          </p:spTgt>
+                                        </p:tgtEl>
+                                      </p:cBhvr>
+                                    </p:animEffect>
+                                  </p:childTnLst>
+                                </p:cTn>
+                              </p:par>
+                            </p:childTnLst>
+                          </p:cTn>
+                        </p:par>
+                      </p:childTnLst>
+                    </p:cTn>
+                  </p:par>
+                  <p:par>
+                    <p:cTn id="13" fill="hold">
+                      <p:stCondLst>
+                        <p:cond delay="indefinite"/>
+                      </p:stCondLst>
+                      <p:childTnLst>
+                        <p:par>
+                          <p:cTn id="14" fill="hold">
+                            <p:stCondLst>
+                              <p:cond delay="0"/>
+                            </p:stCondLst>
+                            <p:childTnLst>
+                              <p:par>
+                                <p:cTn id="15" presetID="53" presetClass="entr" presetSubtype="16" fill="hold" grpId="0" nodeType="clickEffect">
+                                  <p:stCondLst>
+                                    <p:cond delay="0"/>
+                                  </p:stCondLst>
+                                  <p:childTnLst>
+                                    <p:set>
+                                      <p:cBhvr>
+                                        <p:cTn id="16" dur="1" fill="hold">
+                                          <p:stCondLst>
+                                            <p:cond delay="0"/>
+                                          </p:stCondLst>
+                                        </p:cTn>
+                                        <p:tgtEl>
+                                          <p:spTgt spid="10"/>
+                                        </p:tgtEl>
+                                        <p:attrNameLst>
+                                          <p:attrName>style.visibility</p:attrName>
+                                        </p:attrNameLst>
+                                      </p:cBhvr>
+                                      <p:to>
+                                        <p:strVal val="visible"/>
+                                      </p:to>
+                                    </p:set>
+                                    <p:anim calcmode="lin" valueType="num">
+                                      <p:cBhvr>
+                                        <p:cTn id="17" dur="500" fill="hold"/>
+                                        <p:tgtEl>
+                                          <p:spTgt spid="10"/>
+                                        </p:tgtEl>
+                                        <p:attrNameLst>
+                                          <p:attrName>ppt_w</p:attrName>
+                                        </p:attrNameLst>
+                                      </p:cBhvr>
+                                      <p:tavLst>
+                                        <p:tav tm="0">
+                                          <p:val>
+                                            <p:fltVal val="0"/>
+                                          </p:val>
+                                        </p:tav>
+                                        <p:tav tm="100000">
+                                          <p:val>
+                                            <p:strVal val="#ppt_w"/>
+                                          </p:val>
+                                        </p:tav>
+                                      </p:tavLst>
+                                    </p:anim>
+                                    <p:anim calcmode="lin" valueType="num">
+                                      <p:cBhvr>
+                                        <p:cTn id="18" dur="500" fill="hold"/>
+                                        <p:tgtEl>
+                                          <p:spTgt spid="10"/>
+                                        </p:tgtEl>
+                                        <p:attrNameLst>
+                                          <p:attrName>ppt_h</p:attrName>
+                                        </p:attrNameLst>
+                                      </p:cBhvr>
+                                      <p:tavLst>
+                                        <p:tav tm="0">
+                                          <p:val>
+                                            <p:fltVal val="0"/>
+                                          </p:val>
+                                        </p:tav>
+                                        <p:tav tm="100000">
+                                          <p:val>
+                                            <p:strVal val="#ppt_h"/>
+                                          </p:val>
+                                        </p:tav>
+                                      </p:tavLst>
+                                    </p:anim>
+                                    <p:animEffect transition="in" filter="fade">
+                                      <p:cBhvr>
+                                        <p:cTn id="19" dur="500"/>
+                                        <p:tgtEl>
+                                          <p:spTgt spid="10"/>
+                                        </p:tgtEl>
+                                      </p:cBhvr>
+                                    </p:animEffect>
+                                  </p:childTnLst>
+                                </p:cTn>
+                              </p:par>
+                              <p:par>
+                                <p:cTn id="20" presetID="53" presetClass="entr" presetSubtype="16" fill="hold" grpId="0" nodeType="withEffect">
+                                  <p:stCondLst>
+                                    <p:cond delay="0"/>
+                                  </p:stCondLst>
+                                  <p:childTnLst>
+                                    <p:set>
+                                      <p:cBhvr>
+                                        <p:cTn id="21" dur="1" fill="hold">
+                                          <p:stCondLst>
+                                            <p:cond delay="0"/>
+                                          </p:stCondLst>
+                                        </p:cTn>
+                                        <p:tgtEl>
+                                          <p:spTgt spid="29"/>
+                                        </p:tgtEl>
+                                        <p:attrNameLst>
+                                          <p:attrName>style.visibility</p:attrName>
+                                        </p:attrNameLst>
+                                      </p:cBhvr>
+                                      <p:to>
+                                        <p:strVal val="visible"/>
+                                      </p:to>
+                                    </p:set>
+                                    <p:anim calcmode="lin" valueType="num">
+                                      <p:cBhvr>
+                                        <p:cTn id="22" dur="500" fill="hold"/>
+                                        <p:tgtEl>
+                                          <p:spTgt spid="29"/>
+                                        </p:tgtEl>
+                                        <p:attrNameLst>
+                                          <p:attrName>ppt_w</p:attrName>
+                                        </p:attrNameLst>
+                                      </p:cBhvr>
+                                      <p:tavLst>
+                                        <p:tav tm="0">
+                                          <p:val>
+                                            <p:fltVal val="0"/>
+                                          </p:val>
+                                        </p:tav>
+                                        <p:tav tm="100000">
+                                          <p:val>
+                                            <p:strVal val="#ppt_w"/>
+                                          </p:val>
+                                        </p:tav>
+                                      </p:tavLst>
+                                    </p:anim>
+                                    <p:anim calcmode="lin" valueType="num">
+                                      <p:cBhvr>
+                                        <p:cTn id="23" dur="500" fill="hold"/>
+                                        <p:tgtEl>
+                                          <p:spTgt spid="29"/>
+                                        </p:tgtEl>
+                                        <p:attrNameLst>
+                                          <p:attrName>ppt_h</p:attrName>
+                                        </p:attrNameLst>
+                                      </p:cBhvr>
+                                      <p:tavLst>
+                                        <p:tav tm="0">
+                                          <p:val>
+                                            <p:fltVal val="0"/>
+                                          </p:val>
+                                        </p:tav>
+                                        <p:tav tm="100000">
+                                          <p:val>
+                                            <p:strVal val="#ppt_h"/>
+                                          </p:val>
+                                        </p:tav>
+                                      </p:tavLst>
+                                    </p:anim>
+                                    <p:animEffect transition="in" filter="fade">
+                                      <p:cBhvr>
+                                        <p:cTn id="24" dur="500"/>
+                                        <p:tgtEl>
+                                          <p:spTgt spid="29"/>
+                                        </p:tgtEl>
+                                      </p:cBhvr>
+                                    </p:animEffect>
+                                  </p:childTnLst>
+                                </p:cTn>
+                              </p:par>
+                              <p:par>
+                                <p:cTn id="25" presetID="31" presetClass="entr" presetSubtype="0" fill="hold" nodeType="withEffect">
+                                  <p:stCondLst>
+                                    <p:cond delay="0"/>
+                                  </p:stCondLst>
+                                  <p:childTnLst>
+                                    <p:set>
+                                      <p:cBhvr>
+                                        <p:cTn id="26" dur="1" fill="hold">
+                                          <p:stCondLst>
+                                            <p:cond delay="0"/>
+                                          </p:stCondLst>
+                                        </p:cTn>
+                                        <p:tgtEl>
+                                          <p:spTgt spid="21"/>
+                                        </p:tgtEl>
+                                        <p:attrNameLst>
+                                          <p:attrName>style.visibility</p:attrName>
+                                        </p:attrNameLst>
+                                      </p:cBhvr>
+                                      <p:to>
+                                        <p:strVal val="visible"/>
+                                      </p:to>
+                                    </p:set>
+                                    <p:anim calcmode="lin" valueType="num">
+                                      <p:cBhvr>
+                                        <p:cTn id="27" dur="1000" fill="hold"/>
+                                        <p:tgtEl>
+                                          <p:spTgt spid="21"/>
+                                        </p:tgtEl>
+                                        <p:attrNameLst>
+                                          <p:attrName>ppt_w</p:attrName>
+                                        </p:attrNameLst>
+                                      </p:cBhvr>
+                                      <p:tavLst>
+                                        <p:tav tm="0">
+                                          <p:val>
+                                            <p:fltVal val="0"/>
+                                          </p:val>
+                                        </p:tav>
+                                        <p:tav tm="100000">
+                                          <p:val>
+                                            <p:strVal val="#ppt_w"/>
+                                          </p:val>
+                                        </p:tav>
+                                      </p:tavLst>
+                                    </p:anim>
+                                    <p:anim calcmode="lin" valueType="num">
+                                      <p:cBhvr>
+                                        <p:cTn id="28" dur="1000" fill="hold"/>
+                                        <p:tgtEl>
+                                          <p:spTgt spid="21"/>
+                                        </p:tgtEl>
+                                        <p:attrNameLst>
+                                          <p:attrName>ppt_h</p:attrName>
+                                        </p:attrNameLst>
+                                      </p:cBhvr>
+                                      <p:tavLst>
+                                        <p:tav tm="0">
+                                          <p:val>
+                                            <p:fltVal val="0"/>
+                                          </p:val>
+                                        </p:tav>
+                                        <p:tav tm="100000">
+                                          <p:val>
+                                            <p:strVal val="#ppt_h"/>
+                                          </p:val>
+                                        </p:tav>
+                                      </p:tavLst>
+                                    </p:anim>
+                                    <p:anim calcmode="lin" valueType="num">
+                                      <p:cBhvr>
+                                        <p:cTn id="29" dur="1000" fill="hold"/>
+                                        <p:tgtEl>
+                                          <p:spTgt spid="21"/>
+                                        </p:tgtEl>
+                                        <p:attrNameLst>
+                                          <p:attrName>style.rotation</p:attrName>
+                                        </p:attrNameLst>
+                                      </p:cBhvr>
+                                      <p:tavLst>
+                                        <p:tav tm="0">
+                                          <p:val>
+                                            <p:fltVal val="90"/>
+                                          </p:val>
+                                        </p:tav>
+                                        <p:tav tm="100000">
+                                          <p:val>
+                                            <p:fltVal val="0"/>
+                                          </p:val>
+                                        </p:tav>
+                                      </p:tavLst>
+                                    </p:anim>
+                                    <p:animEffect transition="in" filter="fade">
+                                      <p:cBhvr>
+                                        <p:cTn id="30" dur="1000"/>
+                                        <p:tgtEl>
+                                          <p:spTgt spid="21"/>
+                                        </p:tgtEl>
+                                      </p:cBhvr>
+                                    </p:animEffect>
+                                  </p:childTnLst>
+                                </p:cTn>
+                              </p:par>
+                            </p:childTnLst>
+                          </p:cTn>
+                        </p:par>
+                        <p:par>
+                          <p:cTn id="31" fill="hold">
+                            <p:stCondLst>
+                              <p:cond delay="1000"/>
+                            </p:stCondLst>
+                            <p:childTnLst>
+                              <p:par>
+                                <p:cTn id="32" presetID="22" presetClass="entr" presetSubtype="1" fill="hold" nodeType="afterEffect">
+                                  <p:stCondLst>
+                                    <p:cond delay="500"/>
+                                  </p:stCondLst>
+                                  <p:childTnLst>
+                                    <p:set>
+                                      <p:cBhvr>
+                                        <p:cTn id="33" dur="1" fill="hold">
+                                          <p:stCondLst>
+                                            <p:cond delay="0"/>
+                                          </p:stCondLst>
+                                        </p:cTn>
+                                        <p:tgtEl>
+                                          <p:spTgt spid="51"/>
+                                        </p:tgtEl>
+                                        <p:attrNameLst>
+                                          <p:attrName>style.visibility</p:attrName>
+                                        </p:attrNameLst>
+                                      </p:cBhvr>
+                                      <p:to>
+                                        <p:strVal val="visible"/>
+                                      </p:to>
+                                    </p:set>
+                                    <p:animEffect transition="in" filter="wipe(up)">
+                                      <p:cBhvr>
+                                        <p:cTn id="34" dur="500"/>
+                                        <p:tgtEl>
+                                          <p:spTgt spid="51"/>
+                                        </p:tgtEl>
+                                      </p:cBhvr>
+                                    </p:animEffect>
+                                  </p:childTnLst>
+                                </p:cTn>
+                              </p:par>
+                            </p:childTnLst>
+                          </p:cTn>
+                        </p:par>
+                        <p:par>
+                          <p:cTn id="35" fill="hold">
+                            <p:stCondLst>
+                              <p:cond delay="2000"/>
+                            </p:stCondLst>
+                            <p:childTnLst>
+                              <p:par>
+                                <p:cTn id="36" presetID="22" presetClass="entr" presetSubtype="8" fill="hold" nodeType="afterEffect">
+                                  <p:stCondLst>
+                                    <p:cond delay="500"/>
+                                  </p:stCondLst>
+                                  <p:childTnLst>
+                                    <p:set>
+                                      <p:cBhvr>
+                                        <p:cTn id="37" dur="1" fill="hold">
+                                          <p:stCondLst>
+                                            <p:cond delay="0"/>
+                                          </p:stCondLst>
+                                        </p:cTn>
+                                        <p:tgtEl>
+                                          <p:spTgt spid="52"/>
+                                        </p:tgtEl>
+                                        <p:attrNameLst>
+                                          <p:attrName>style.visibility</p:attrName>
+                                        </p:attrNameLst>
+                                      </p:cBhvr>
+                                      <p:to>
+                                        <p:strVal val="visible"/>
+                                      </p:to>
+                                    </p:set>
+                                    <p:animEffect transition="in" filter="wipe(left)">
+                                      <p:cBhvr>
+                                        <p:cTn id="38" dur="500"/>
+                                        <p:tgtEl>
+                                          <p:spTgt spid="52"/>
+                                        </p:tgtEl>
+                                      </p:cBhvr>
+                                    </p:animEffect>
+                                  </p:childTnLst>
+                                </p:cTn>
+                              </p:par>
+                            </p:childTnLst>
+                          </p:cTn>
+                        </p:par>
+                        <p:par>
+                          <p:cTn id="39" fill="hold">
+                            <p:stCondLst>
+                              <p:cond delay="3000"/>
+                            </p:stCondLst>
+                            <p:childTnLst>
+                              <p:par>
+                                <p:cTn id="40" presetID="22" presetClass="entr" presetSubtype="8" fill="hold" nodeType="afterEffect">
+                                  <p:stCondLst>
+                                    <p:cond delay="500"/>
+                                  </p:stCondLst>
+                                  <p:childTnLst>
+                                    <p:set>
+                                      <p:cBhvr>
+                                        <p:cTn id="41" dur="1" fill="hold">
+                                          <p:stCondLst>
+                                            <p:cond delay="0"/>
+                                          </p:stCondLst>
+                                        </p:cTn>
+                                        <p:tgtEl>
+                                          <p:spTgt spid="53"/>
+                                        </p:tgtEl>
+                                        <p:attrNameLst>
+                                          <p:attrName>style.visibility</p:attrName>
+                                        </p:attrNameLst>
+                                      </p:cBhvr>
+                                      <p:to>
+                                        <p:strVal val="visible"/>
+                                      </p:to>
+                                    </p:set>
+                                    <p:animEffect transition="in" filter="wipe(left)">
+                                      <p:cBhvr>
+                                        <p:cTn id="42" dur="500"/>
+                                        <p:tgtEl>
+                                          <p:spTgt spid="53"/>
+                                        </p:tgtEl>
+                                      </p:cBhvr>
+                                    </p:animEffect>
+                                  </p:childTnLst>
+                                </p:cTn>
+                              </p:par>
+                            </p:childTnLst>
+                          </p:cTn>
+                        </p:par>
+                        <p:par>
+                          <p:cTn id="43" fill="hold">
+                            <p:stCondLst>
+                              <p:cond delay="4000"/>
+                            </p:stCondLst>
+                            <p:childTnLst>
+                              <p:par>
+                                <p:cTn id="44" presetID="22" presetClass="entr" presetSubtype="4" fill="hold" nodeType="afterEffect">
+                                  <p:stCondLst>
+                                    <p:cond delay="500"/>
+                                  </p:stCondLst>
+                                  <p:childTnLst>
+                                    <p:set>
+                                      <p:cBhvr>
+                                        <p:cTn id="45" dur="1" fill="hold">
+                                          <p:stCondLst>
+                                            <p:cond delay="0"/>
+                                          </p:stCondLst>
+                                        </p:cTn>
+                                        <p:tgtEl>
+                                          <p:spTgt spid="55"/>
+                                        </p:tgtEl>
+                                        <p:attrNameLst>
+                                          <p:attrName>style.visibility</p:attrName>
+                                        </p:attrNameLst>
+                                      </p:cBhvr>
+                                      <p:to>
+                                        <p:strVal val="visible"/>
+                                      </p:to>
+                                    </p:set>
+                                    <p:animEffect transition="in" filter="wipe(down)">
+                                      <p:cBhvr>
+                                        <p:cTn id="46" dur="500"/>
+                                        <p:tgtEl>
+                                          <p:spTgt spid="55"/>
+                                        </p:tgtEl>
+                                      </p:cBhvr>
+                                    </p:animEffect>
+                                  </p:childTnLst>
+                                </p:cTn>
+                              </p:par>
+                            </p:childTnLst>
+                          </p:cTn>
+                        </p:par>
+                        <p:par>
+                          <p:cTn id="47" fill="hold">
+                            <p:stCondLst>
+                              <p:cond delay="5000"/>
+                            </p:stCondLst>
+                            <p:childTnLst>
+                              <p:par>
+                                <p:cTn id="48" presetID="22" presetClass="entr" presetSubtype="4" fill="hold" nodeType="afterEffect">
+                                  <p:stCondLst>
+                                    <p:cond delay="500"/>
+                                  </p:stCondLst>
+                                  <p:childTnLst>
+                                    <p:set>
+                                      <p:cBhvr>
+                                        <p:cTn id="49" dur="1" fill="hold">
+                                          <p:stCondLst>
+                                            <p:cond delay="0"/>
+                                          </p:stCondLst>
+                                        </p:cTn>
+                                        <p:tgtEl>
+                                          <p:spTgt spid="54"/>
+                                        </p:tgtEl>
+                                        <p:attrNameLst>
+                                          <p:attrName>style.visibility</p:attrName>
+                                        </p:attrNameLst>
+                                      </p:cBhvr>
+                                      <p:to>
+                                        <p:strVal val="visible"/>
+                                      </p:to>
+                                    </p:set>
+                                    <p:animEffect transition="in" filter="wipe(down)">
+                                      <p:cBhvr>
+                                        <p:cTn id="50" dur="500"/>
+                                        <p:tgtEl>
+                                          <p:spTgt spid="54"/>
+                                        </p:tgtEl>
+                                      </p:cBhvr>
+                                    </p:animEffect>
+                                  </p:childTnLst>
+                                </p:cTn>
+                              </p:par>
+                            </p:childTnLst>
+                          </p:cTn>
+                        </p:par>
+                      </p:childTnLst>
+                    </p:cTn>
+                  </p:par>
+                </p:childTnLst>
+              </p:cTn>
+              <p:prevCondLst>
+                <p:cond evt="onPrev" delay="0">
+                  <p:tgtEl>
+                    <p:sldTgt/>
+                  </p:tgtEl>
+                </p:cond>
+              </p:prevCondLst>
+              <p:nextCondLst>
+                <p:cond evt="onNext" delay="0">
+                  <p:tgtEl>
+                    <p:sldTgt/>
+                  </p:tgtEl>
+                </p:cond>
+              </p:nextCondLst>
+            </p:seq>
+          </p:childTnLst>
+        </p:cTn>
+      </p:par>
+    </p:tnLst>
+    <p:bldLst>
+      <p:bldP spid="2" grpId="0" build="p"/>
+      <p:bldP spid="10" grpId="0"/>
+      <p:bldP spid="29" grpId="0" animBg="1"/>
+    </p:bldLst>
+  </p:timing>
+</p:sld>
+</file>
+
+<file path=ppt/slides/slide6.xml><?xml version="1.0" encoding="utf-8"?>
 <p:sld xmlns:a="http://schemas.openxmlformats.org/drawingml/2006/main" xmlns:r="http://schemas.openxmlformats.org/officeDocument/2006/relationships" xmlns:p="http://schemas.openxmlformats.org/presentationml/2006/main">
   <p:cSld>
     <p:spTree>
@@ -8753,8 +9550,8 @@
           <a:lstStyle/>
           <a:p>
             <a:r>
-              <a:rPr lang="en-US" dirty="0"/>
-              <a:t>How Do I Self-Publish?</a:t>
+              <a:rPr lang="en-US" sz="4000" dirty="0"/>
+              <a:t>How Do I Make My Work Accessible?</a:t>
             </a:r>
           </a:p>
         </p:txBody>
@@ -8777,7 +9574,7 @@
         </p:nvSpPr>
         <p:spPr>
           <a:xfrm>
-            <a:off x="1115504" y="1492086"/>
+            <a:off x="1115504" y="1737170"/>
             <a:ext cx="10088944" cy="4195481"/>
           </a:xfrm>
         </p:spPr>
@@ -8787,20 +9584,9 @@
           </a:bodyPr>
           <a:lstStyle/>
           <a:p>
-            <a:r>
-              <a:rPr lang="en-US" sz="2400" dirty="0"/>
-              <a:t>Upload your project to the content server as often as you want to create a backup of your work (see </a:t>
-            </a:r>
-            <a:r>
-              <a:rPr lang="en-US" sz="2400" dirty="0">
-                <a:hlinkClick r:id="rId3"/>
-              </a:rPr>
-              <a:t>Uploading or Exporting Your Work</a:t>
-            </a:r>
-            <a:r>
-              <a:rPr lang="en-US" sz="2400" dirty="0"/>
-              <a:t>).</a:t>
-            </a:r>
+            <a:pPr marL="0" indent="0">
+              <a:buNone/>
+            </a:pPr>
             <a:br>
               <a:rPr lang="en-US" sz="2400" dirty="0"/>
             </a:br>
@@ -8822,37 +9608,15 @@
             </a:r>
           </a:p>
           <a:p>
-            <a:pPr lvl="1"/>
-            <a:r>
-              <a:rPr lang="en-US" sz="2400" dirty="0"/>
-              <a:t>For WACS: </a:t>
-            </a:r>
-            <a:r>
-              <a:rPr lang="en-US" b="1" dirty="0">
-                <a:hlinkClick r:id="rId4"/>
-              </a:rPr>
-              <a:t>https://wacs.bibletranslationtools.org/</a:t>
-            </a:r>
-            <a:r>
-              <a:rPr lang="en-US" i="1" dirty="0">
-                <a:hlinkClick r:id="rId4"/>
-              </a:rPr>
-              <a:t>username/project_code</a:t>
-            </a:r>
-            <a:r>
-              <a:rPr lang="en-US" sz="1400" i="1" dirty="0"/>
-              <a:t>.</a:t>
-            </a:r>
-          </a:p>
-          <a:p>
-            <a:pPr lvl="1"/>
-            <a:r>
-              <a:rPr lang="en-US" sz="2400" dirty="0"/>
-              <a:t>For DCS: </a:t>
-            </a:r>
-            <a:r>
-              <a:rPr lang="en-US" b="1" dirty="0">
-                <a:hlinkClick r:id="rId5">
+            <a:pPr marL="457200" lvl="1" indent="0">
+              <a:buNone/>
+            </a:pPr>
+            <a:r>
+              <a:rPr lang="en-US" sz="2000" b="1" dirty="0">
+                <a:solidFill>
+                  <a:srgbClr val="C4E46E"/>
+                </a:solidFill>
+                <a:hlinkClick r:id="rId3">
                   <a:extLst>
                     <a:ext uri="{A12FA001-AC4F-418D-AE19-62706E023703}">
                       <ahyp:hlinkClr xmlns:ahyp="http://schemas.microsoft.com/office/drawing/2018/hyperlinkcolor" val="tx"/>
@@ -8860,14 +9624,125 @@
                   </a:extLst>
                 </a:hlinkClick>
               </a:rPr>
-              <a:t>https://door43.org/u https://door43.org/u</a:t>
-            </a:r>
-            <a:r>
-              <a:rPr lang="en-US" b="1" dirty="0"/>
-              <a:t>/</a:t>
-            </a:r>
-            <a:r>
-              <a:rPr lang="en-US" i="1" dirty="0">
+              <a:t>https://</a:t>
+            </a:r>
+            <a:r>
+              <a:rPr lang="en-US" sz="2000" b="1" dirty="0">
+                <a:solidFill>
+                  <a:srgbClr val="FF0000"/>
+                </a:solidFill>
+                <a:hlinkClick r:id="rId3">
+                  <a:extLst>
+                    <a:ext uri="{A12FA001-AC4F-418D-AE19-62706E023703}">
+                      <ahyp:hlinkClr xmlns:ahyp="http://schemas.microsoft.com/office/drawing/2018/hyperlinkcolor" val="tx"/>
+                    </a:ext>
+                  </a:extLst>
+                </a:hlinkClick>
+              </a:rPr>
+              <a:t>content</a:t>
+            </a:r>
+            <a:r>
+              <a:rPr lang="en-US" sz="2000" b="1" dirty="0">
+                <a:solidFill>
+                  <a:srgbClr val="C4E46E"/>
+                </a:solidFill>
+                <a:hlinkClick r:id="rId3">
+                  <a:extLst>
+                    <a:ext uri="{A12FA001-AC4F-418D-AE19-62706E023703}">
+                      <ahyp:hlinkClr xmlns:ahyp="http://schemas.microsoft.com/office/drawing/2018/hyperlinkcolor" val="tx"/>
+                    </a:ext>
+                  </a:extLst>
+                </a:hlinkClick>
+              </a:rPr>
+              <a:t>.bibletranslationtools.org/</a:t>
+            </a:r>
+            <a:r>
+              <a:rPr lang="en-US" sz="2000" i="1" dirty="0">
+                <a:solidFill>
+                  <a:srgbClr val="C4E46E"/>
+                </a:solidFill>
+                <a:hlinkClick r:id="rId3">
+                  <a:extLst>
+                    <a:ext uri="{A12FA001-AC4F-418D-AE19-62706E023703}">
+                      <ahyp:hlinkClr xmlns:ahyp="http://schemas.microsoft.com/office/drawing/2018/hyperlinkcolor" val="tx"/>
+                    </a:ext>
+                  </a:extLst>
+                </a:hlinkClick>
+              </a:rPr>
+              <a:t>username/project_code</a:t>
+            </a:r>
+            <a:r>
+              <a:rPr lang="en-US" i="1" dirty="0"/>
+              <a:t>.</a:t>
+            </a:r>
+          </a:p>
+          <a:p>
+            <a:pPr lvl="1"/>
+            <a:r>
+              <a:rPr lang="en-US" sz="2200" dirty="0"/>
+              <a:t>For user-friendly content, click </a:t>
+            </a:r>
+            <a:r>
+              <a:rPr lang="en-US" sz="2200" b="1" dirty="0"/>
+              <a:t>See in Reader </a:t>
+            </a:r>
+          </a:p>
+          <a:p>
+            <a:pPr lvl="1"/>
+            <a:r>
+              <a:rPr lang="en-US" sz="2200" dirty="0"/>
+              <a:t>Or use the URL </a:t>
+            </a:r>
+            <a:r>
+              <a:rPr lang="en-US" sz="2000" b="1" dirty="0">
+                <a:solidFill>
+                  <a:srgbClr val="C4E46E"/>
+                </a:solidFill>
+                <a:hlinkClick r:id="rId4">
+                  <a:extLst>
+                    <a:ext uri="{A12FA001-AC4F-418D-AE19-62706E023703}">
+                      <ahyp:hlinkClr xmlns:ahyp="http://schemas.microsoft.com/office/drawing/2018/hyperlinkcolor" val="tx"/>
+                    </a:ext>
+                  </a:extLst>
+                </a:hlinkClick>
+              </a:rPr>
+              <a:t>https://</a:t>
+            </a:r>
+            <a:r>
+              <a:rPr lang="en-US" sz="2000" b="1" dirty="0">
+                <a:solidFill>
+                  <a:srgbClr val="FF0000"/>
+                </a:solidFill>
+                <a:hlinkClick r:id="rId4">
+                  <a:extLst>
+                    <a:ext uri="{A12FA001-AC4F-418D-AE19-62706E023703}">
+                      <ahyp:hlinkClr xmlns:ahyp="http://schemas.microsoft.com/office/drawing/2018/hyperlinkcolor" val="tx"/>
+                    </a:ext>
+                  </a:extLst>
+                </a:hlinkClick>
+              </a:rPr>
+              <a:t>read</a:t>
+            </a:r>
+            <a:r>
+              <a:rPr lang="en-US" sz="2000" b="1" dirty="0">
+                <a:solidFill>
+                  <a:srgbClr val="C4E46E"/>
+                </a:solidFill>
+                <a:hlinkClick r:id="rId4">
+                  <a:extLst>
+                    <a:ext uri="{A12FA001-AC4F-418D-AE19-62706E023703}">
+                      <ahyp:hlinkClr xmlns:ahyp="http://schemas.microsoft.com/office/drawing/2018/hyperlinkcolor" val="tx"/>
+                    </a:ext>
+                  </a:extLst>
+                </a:hlinkClick>
+              </a:rPr>
+              <a:t>.bibletranslationtools.org/</a:t>
+            </a:r>
+            <a:r>
+              <a:rPr lang="en-US" sz="2000" i="1" dirty="0">
+                <a:solidFill>
+                  <a:srgbClr val="C4E46E"/>
+                </a:solidFill>
                 <a:hlinkClick r:id="rId4">
                   <a:extLst>
                     <a:ext uri="{A12FA001-AC4F-418D-AE19-62706E023703}">
@@ -8879,29 +9754,22 @@
               <a:t>username/project_code</a:t>
             </a:r>
             <a:r>
-              <a:rPr lang="en-US" i="1" dirty="0"/>
+              <a:rPr lang="en-US" sz="2400" dirty="0">
+                <a:solidFill>
+                  <a:srgbClr val="C4E46E"/>
+                </a:solidFill>
+              </a:rPr>
+              <a:t>)</a:t>
+            </a:r>
+            <a:r>
+              <a:rPr lang="en-US" sz="2400" i="1" dirty="0"/>
               <a:t>.</a:t>
             </a:r>
-            <a:endParaRPr lang="en-US" sz="2400" i="1" dirty="0"/>
-          </a:p>
-          <a:p>
-            <a:r>
-              <a:rPr lang="en-US" sz="2400" dirty="0"/>
-              <a:t>See </a:t>
-            </a:r>
-            <a:r>
-              <a:rPr lang="en-US" sz="2400" dirty="0">
-                <a:hlinkClick r:id="rId6"/>
-              </a:rPr>
-              <a:t>Uploading, Exporting, and Importing a Project</a:t>
-            </a:r>
-            <a:br>
-              <a:rPr lang="en-US" sz="2400" i="1" dirty="0"/>
-            </a:br>
-            <a:r>
-              <a:rPr lang="en-US" sz="2400" i="1" dirty="0"/>
-              <a:t>f</a:t>
-            </a:r>
+            <a:endParaRPr lang="en-US" sz="2000" i="1" dirty="0"/>
+          </a:p>
+          <a:p>
+            <a:pPr lvl="1"/>
+            <a:endParaRPr lang="en-US" sz="2200" dirty="0"/>
           </a:p>
         </p:txBody>
       </p:sp>
@@ -8919,7 +9787,7 @@
         </p:nvGrpSpPr>
         <p:grpSpPr>
           <a:xfrm>
-            <a:off x="4115252" y="2415819"/>
+            <a:off x="6958936" y="1742579"/>
             <a:ext cx="3961496" cy="1532304"/>
             <a:chOff x="5949271" y="2491579"/>
             <a:chExt cx="4453619" cy="1692988"/>
@@ -8940,7 +9808,7 @@
             <p:nvPr/>
           </p:nvPicPr>
           <p:blipFill>
-            <a:blip r:embed="rId7">
+            <a:blip r:embed="rId5">
               <a:extLst>
                 <a:ext uri="{28A0092B-C50C-407E-A947-70E740481C1C}">
                   <a14:useLocalDpi xmlns:a14="http://schemas.microsoft.com/office/drawing/2010/main" val="0"/>
@@ -8976,7 +9844,7 @@
             <p:nvPr/>
           </p:nvPicPr>
           <p:blipFill>
-            <a:blip r:embed="rId8">
+            <a:blip r:embed="rId6">
               <a:extLst>
                 <a:ext uri="{28A0092B-C50C-407E-A947-70E740481C1C}">
                   <a14:useLocalDpi xmlns:a14="http://schemas.microsoft.com/office/drawing/2010/main" val="0"/>
@@ -9044,6 +9912,258 @@
           </p:txBody>
         </p:sp>
       </p:grpSp>
+      <p:sp>
+        <p:nvSpPr>
+          <p:cNvPr id="12" name="Content Placeholder 2">
+            <a:extLst>
+              <a:ext uri="{FF2B5EF4-FFF2-40B4-BE49-F238E27FC236}">
+                <a16:creationId xmlns:a16="http://schemas.microsoft.com/office/drawing/2014/main" id="{37854721-010A-4EA3-B82A-A119A1CAA71F}"/>
+              </a:ext>
+            </a:extLst>
+          </p:cNvPr>
+          <p:cNvSpPr txBox="1">
+            <a:spLocks/>
+          </p:cNvSpPr>
+          <p:nvPr/>
+        </p:nvSpPr>
+        <p:spPr>
+          <a:xfrm>
+            <a:off x="1115504" y="1737171"/>
+            <a:ext cx="5446070" cy="4195481"/>
+          </a:xfrm>
+          <a:prstGeom prst="rect">
+            <a:avLst/>
+          </a:prstGeom>
+        </p:spPr>
+        <p:txBody>
+          <a:bodyPr vert="horz" lIns="91440" tIns="45720" rIns="91440" bIns="45720" rtlCol="0">
+            <a:noAutofit/>
+          </a:bodyPr>
+          <a:lstStyle>
+            <a:lvl1pPr marL="342900" indent="-342900" algn="l" defTabSz="457200" rtl="0" eaLnBrk="1" latinLnBrk="0" hangingPunct="1">
+              <a:spcBef>
+                <a:spcPts val="1000"/>
+              </a:spcBef>
+              <a:spcAft>
+                <a:spcPts val="0"/>
+              </a:spcAft>
+              <a:buClr>
+                <a:srgbClr val="28C28C"/>
+              </a:buClr>
+              <a:buSzPct val="80000"/>
+              <a:buFont typeface="Wingdings 3" charset="2"/>
+              <a:buChar char=""/>
+              <a:defRPr sz="2000" b="0" i="0" kern="1200">
+                <a:solidFill>
+                  <a:schemeClr val="tx1"/>
+                </a:solidFill>
+                <a:latin typeface="+mj-lt"/>
+                <a:ea typeface="+mj-ea"/>
+                <a:cs typeface="+mj-cs"/>
+              </a:defRPr>
+            </a:lvl1pPr>
+            <a:lvl2pPr marL="742950" indent="-285750" algn="l" defTabSz="457200" rtl="0" eaLnBrk="1" latinLnBrk="0" hangingPunct="1">
+              <a:spcBef>
+                <a:spcPts val="1000"/>
+              </a:spcBef>
+              <a:spcAft>
+                <a:spcPts val="0"/>
+              </a:spcAft>
+              <a:buClr>
+                <a:srgbClr val="28C28C"/>
+              </a:buClr>
+              <a:buSzPct val="80000"/>
+              <a:buFont typeface="Wingdings 3" charset="2"/>
+              <a:buChar char=""/>
+              <a:defRPr sz="1800" b="0" i="0" kern="1200">
+                <a:solidFill>
+                  <a:schemeClr val="tx1"/>
+                </a:solidFill>
+                <a:latin typeface="+mj-lt"/>
+                <a:ea typeface="+mj-ea"/>
+                <a:cs typeface="+mj-cs"/>
+              </a:defRPr>
+            </a:lvl2pPr>
+            <a:lvl3pPr marL="1143000" indent="-228600" algn="l" defTabSz="457200" rtl="0" eaLnBrk="1" latinLnBrk="0" hangingPunct="1">
+              <a:spcBef>
+                <a:spcPts val="1000"/>
+              </a:spcBef>
+              <a:spcAft>
+                <a:spcPts val="0"/>
+              </a:spcAft>
+              <a:buClr>
+                <a:srgbClr val="28C28C"/>
+              </a:buClr>
+              <a:buSzPct val="80000"/>
+              <a:buFont typeface="Wingdings 3" charset="2"/>
+              <a:buChar char=""/>
+              <a:defRPr sz="1600" b="0" i="0" kern="1200">
+                <a:solidFill>
+                  <a:schemeClr val="tx1"/>
+                </a:solidFill>
+                <a:latin typeface="+mj-lt"/>
+                <a:ea typeface="+mj-ea"/>
+                <a:cs typeface="+mj-cs"/>
+              </a:defRPr>
+            </a:lvl3pPr>
+            <a:lvl4pPr marL="1600200" indent="-228600" algn="l" defTabSz="457200" rtl="0" eaLnBrk="1" latinLnBrk="0" hangingPunct="1">
+              <a:spcBef>
+                <a:spcPts val="1000"/>
+              </a:spcBef>
+              <a:spcAft>
+                <a:spcPts val="0"/>
+              </a:spcAft>
+              <a:buClr>
+                <a:srgbClr val="28C28C"/>
+              </a:buClr>
+              <a:buSzPct val="80000"/>
+              <a:buFont typeface="Wingdings 3" charset="2"/>
+              <a:buChar char=""/>
+              <a:defRPr sz="1400" b="0" i="0" kern="1200">
+                <a:solidFill>
+                  <a:schemeClr val="tx1"/>
+                </a:solidFill>
+                <a:latin typeface="+mj-lt"/>
+                <a:ea typeface="+mj-ea"/>
+                <a:cs typeface="+mj-cs"/>
+              </a:defRPr>
+            </a:lvl4pPr>
+            <a:lvl5pPr marL="2057400" indent="-228600" algn="l" defTabSz="457200" rtl="0" eaLnBrk="1" latinLnBrk="0" hangingPunct="1">
+              <a:spcBef>
+                <a:spcPts val="1000"/>
+              </a:spcBef>
+              <a:spcAft>
+                <a:spcPts val="0"/>
+              </a:spcAft>
+              <a:buClr>
+                <a:srgbClr val="28C28C"/>
+              </a:buClr>
+              <a:buSzPct val="80000"/>
+              <a:buFont typeface="Wingdings 3" charset="2"/>
+              <a:buChar char=""/>
+              <a:defRPr sz="1400" b="0" i="0" kern="1200">
+                <a:solidFill>
+                  <a:schemeClr val="tx1"/>
+                </a:solidFill>
+                <a:latin typeface="+mj-lt"/>
+                <a:ea typeface="+mj-ea"/>
+                <a:cs typeface="+mj-cs"/>
+              </a:defRPr>
+            </a:lvl5pPr>
+            <a:lvl6pPr marL="2514600" indent="-228600" algn="l" defTabSz="457200" rtl="0" eaLnBrk="1" latinLnBrk="0" hangingPunct="1">
+              <a:spcBef>
+                <a:spcPts val="1000"/>
+              </a:spcBef>
+              <a:spcAft>
+                <a:spcPts val="0"/>
+              </a:spcAft>
+              <a:buClr>
+                <a:schemeClr val="accent1"/>
+              </a:buClr>
+              <a:buSzPct val="80000"/>
+              <a:buFont typeface="Wingdings 3" charset="2"/>
+              <a:buChar char=""/>
+              <a:defRPr sz="1400" b="0" i="0" kern="1200">
+                <a:solidFill>
+                  <a:schemeClr val="tx1"/>
+                </a:solidFill>
+                <a:latin typeface="+mj-lt"/>
+                <a:ea typeface="+mj-ea"/>
+                <a:cs typeface="+mj-cs"/>
+              </a:defRPr>
+            </a:lvl6pPr>
+            <a:lvl7pPr marL="2971800" indent="-228600" algn="l" defTabSz="457200" rtl="0" eaLnBrk="1" latinLnBrk="0" hangingPunct="1">
+              <a:spcBef>
+                <a:spcPts val="1000"/>
+              </a:spcBef>
+              <a:spcAft>
+                <a:spcPts val="0"/>
+              </a:spcAft>
+              <a:buClr>
+                <a:schemeClr val="accent1"/>
+              </a:buClr>
+              <a:buSzPct val="80000"/>
+              <a:buFont typeface="Wingdings 3" charset="2"/>
+              <a:buChar char=""/>
+              <a:defRPr sz="1400" b="0" i="0" kern="1200">
+                <a:solidFill>
+                  <a:schemeClr val="tx1"/>
+                </a:solidFill>
+                <a:latin typeface="+mj-lt"/>
+                <a:ea typeface="+mj-ea"/>
+                <a:cs typeface="+mj-cs"/>
+              </a:defRPr>
+            </a:lvl7pPr>
+            <a:lvl8pPr marL="3429000" indent="-228600" algn="l" defTabSz="457200" rtl="0" eaLnBrk="1" latinLnBrk="0" hangingPunct="1">
+              <a:spcBef>
+                <a:spcPts val="1000"/>
+              </a:spcBef>
+              <a:spcAft>
+                <a:spcPts val="0"/>
+              </a:spcAft>
+              <a:buClr>
+                <a:schemeClr val="accent1"/>
+              </a:buClr>
+              <a:buSzPct val="80000"/>
+              <a:buFont typeface="Wingdings 3" charset="2"/>
+              <a:buChar char=""/>
+              <a:defRPr sz="1400" b="0" i="0" kern="1200">
+                <a:solidFill>
+                  <a:schemeClr val="tx1"/>
+                </a:solidFill>
+                <a:latin typeface="+mj-lt"/>
+                <a:ea typeface="+mj-ea"/>
+                <a:cs typeface="+mj-cs"/>
+              </a:defRPr>
+            </a:lvl8pPr>
+            <a:lvl9pPr marL="3886200" indent="-228600" algn="l" defTabSz="457200" rtl="0" eaLnBrk="1" latinLnBrk="0" hangingPunct="1">
+              <a:spcBef>
+                <a:spcPts val="1000"/>
+              </a:spcBef>
+              <a:spcAft>
+                <a:spcPts val="0"/>
+              </a:spcAft>
+              <a:buClr>
+                <a:schemeClr val="accent1"/>
+              </a:buClr>
+              <a:buSzPct val="80000"/>
+              <a:buFont typeface="Wingdings 3" charset="2"/>
+              <a:buChar char=""/>
+              <a:defRPr sz="1400" b="0" i="0" kern="1200">
+                <a:solidFill>
+                  <a:schemeClr val="tx1"/>
+                </a:solidFill>
+                <a:latin typeface="+mj-lt"/>
+                <a:ea typeface="+mj-ea"/>
+                <a:cs typeface="+mj-cs"/>
+              </a:defRPr>
+            </a:lvl9pPr>
+          </a:lstStyle>
+          <a:p>
+            <a:r>
+              <a:rPr lang="en-US" sz="2400" dirty="0"/>
+              <a:t>Upload your project to the WA content server (WACS) as often as you want to create a backup of your work (see </a:t>
+            </a:r>
+            <a:r>
+              <a:rPr lang="en-US" sz="2400" dirty="0">
+                <a:hlinkClick r:id="rId7"/>
+              </a:rPr>
+              <a:t>Uploading or Exporting Your Work</a:t>
+            </a:r>
+            <a:r>
+              <a:rPr lang="en-US" sz="2400" dirty="0"/>
+              <a:t>).</a:t>
+            </a:r>
+            <a:br>
+              <a:rPr lang="en-US" sz="2400" dirty="0"/>
+            </a:br>
+            <a:br>
+              <a:rPr lang="en-US" sz="2400" dirty="0"/>
+            </a:br>
+            <a:endParaRPr lang="en-US" sz="2200" dirty="0"/>
+          </a:p>
+        </p:txBody>
+      </p:sp>
     </p:spTree>
     <p:extLst>
       <p:ext uri="{BB962C8B-B14F-4D97-AF65-F5344CB8AC3E}">
@@ -9202,7 +10322,7 @@
                                           </p:stCondLst>
                                         </p:cTn>
                                         <p:tgtEl>
-                                          <p:spTgt spid="3">
+                                          <p:spTgt spid="12">
                                             <p:txEl>
                                               <p:pRg st="0" end="0"/>
                                             </p:txEl>
@@ -9220,7 +10340,7 @@
                                       <p:cBhvr>
                                         <p:cTn id="14" dur="500"/>
                                         <p:tgtEl>
-                                          <p:spTgt spid="3">
+                                          <p:spTgt spid="12">
                                             <p:txEl>
                                               <p:pRg st="0" end="0"/>
                                             </p:txEl>
@@ -9241,7 +10361,7 @@
                             </p:stCondLst>
                             <p:childTnLst>
                               <p:par>
-                                <p:cTn id="16" presetID="16" presetClass="entr" presetSubtype="21" fill="hold" nodeType="afterEffect">
+                                <p:cTn id="16" presetID="22" presetClass="entr" presetSubtype="8" fill="hold" nodeType="afterEffect">
                                   <p:stCondLst>
                                     <p:cond delay="0"/>
                                   </p:stCondLst>
@@ -9264,7 +10384,7 @@
                                         <p:strVal val="visible"/>
                                       </p:to>
                                     </p:set>
-                                    <p:animEffect transition="in" filter="barn(inVertical)">
+                                    <p:animEffect transition="in" filter="wipe(left)">
                                       <p:cBhvr>
                                         <p:cTn id="18" dur="500"/>
                                         <p:tgtEl>
@@ -9422,33 +10542,15 @@
                                   </p:childTnLst>
                                 </p:cTn>
                               </p:par>
-                            </p:childTnLst>
-                          </p:cTn>
-                        </p:par>
-                      </p:childTnLst>
-                    </p:cTn>
-                  </p:par>
-                  <p:par>
-                    <p:cTn id="30" fill="hold">
-                      <p:stCondLst>
-                        <p:cond delay="indefinite"/>
-                      </p:stCondLst>
-                      <p:childTnLst>
-                        <p:par>
-                          <p:cTn id="31" fill="hold">
-                            <p:stCondLst>
-                              <p:cond delay="0"/>
-                            </p:stCondLst>
-                            <p:childTnLst>
                               <p:par>
-                                <p:cTn id="32" presetID="22" presetClass="entr" presetSubtype="8" fill="hold" grpId="0" nodeType="clickEffect">
+                                <p:cTn id="30" presetID="22" presetClass="entr" presetSubtype="8" fill="hold" grpId="0" nodeType="withEffect">
                                   <p:stCondLst>
                                     <p:cond delay="0"/>
                                   </p:stCondLst>
                                   <p:childTnLst>
                                     <p:set>
                                       <p:cBhvr>
-                                        <p:cTn id="33" dur="1" fill="hold">
+                                        <p:cTn id="31" dur="1" fill="hold">
                                           <p:stCondLst>
                                             <p:cond delay="0"/>
                                           </p:stCondLst>
@@ -9470,7 +10572,7 @@
                                     </p:set>
                                     <p:animEffect transition="in" filter="wipe(left)">
                                       <p:cBhvr>
-                                        <p:cTn id="34" dur="500"/>
+                                        <p:cTn id="32" dur="500"/>
                                         <p:tgtEl>
                                           <p:spTgt spid="3">
                                             <p:txEl>
@@ -9513,12 +10615,13 @@
     <p:bldLst>
       <p:bldP spid="2" grpId="0"/>
       <p:bldP spid="3" grpId="0" uiExpand="1" build="p"/>
+      <p:bldP spid="12" grpId="0" uiExpand="1" build="p"/>
     </p:bldLst>
   </p:timing>
 </p:sld>
 </file>
 
-<file path=ppt/slides/slide6.xml><?xml version="1.0" encoding="utf-8"?>
+<file path=ppt/slides/slide7.xml><?xml version="1.0" encoding="utf-8"?>
 <p:sld xmlns:a="http://schemas.openxmlformats.org/drawingml/2006/main" xmlns:r="http://schemas.openxmlformats.org/officeDocument/2006/relationships" xmlns:p="http://schemas.openxmlformats.org/presentationml/2006/main">
   <p:cSld>
     <p:spTree>
@@ -9561,7 +10664,7 @@
             <a:pPr lvl="0"/>
             <a:r>
               <a:rPr lang="en-US" dirty="0"/>
-              <a:t>Viewing Self-Published Projects</a:t>
+              <a:t>Viewing Accessible Projects</a:t>
             </a:r>
           </a:p>
         </p:txBody>
@@ -9582,10 +10685,15 @@
             <p:ph idx="1"/>
           </p:nvPr>
         </p:nvSpPr>
-        <p:spPr/>
+        <p:spPr>
+          <a:xfrm>
+            <a:off x="791813" y="1530404"/>
+            <a:ext cx="4556659" cy="4195481"/>
+          </a:xfrm>
+        </p:spPr>
         <p:txBody>
           <a:bodyPr>
-            <a:normAutofit lnSpcReduction="10000"/>
+            <a:normAutofit/>
           </a:bodyPr>
           <a:lstStyle/>
           <a:p>
@@ -9610,7 +10718,7 @@
                 <a:ea typeface="DengXian" panose="02010600030101010101" pitchFamily="2" charset="-122"/>
                 <a:cs typeface="Calibri" panose="020F0502020204030204" pitchFamily="34" charset="0"/>
               </a:rPr>
-              <a:t>See the web version of your project with default formatting</a:t>
+              <a:t>See the web version of your project</a:t>
             </a:r>
           </a:p>
           <a:p>
@@ -9621,7 +10729,7 @@
                 <a:ea typeface="DengXian" panose="02010600030101010101" pitchFamily="2" charset="-122"/>
                 <a:cs typeface="Calibri" panose="020F0502020204030204" pitchFamily="34" charset="0"/>
               </a:rPr>
-              <a:t>Download documents of </a:t>
+              <a:t>Download a USFM</a:t>
             </a:r>
             <a:br>
               <a:rPr lang="en-US" sz="2800" dirty="0">
@@ -9636,7 +10744,7 @@
                 <a:ea typeface="DengXian" panose="02010600030101010101" pitchFamily="2" charset="-122"/>
                 <a:cs typeface="Calibri" panose="020F0502020204030204" pitchFamily="34" charset="0"/>
               </a:rPr>
-              <a:t>your project (like a PDF)</a:t>
+              <a:t>file of your project</a:t>
             </a:r>
           </a:p>
           <a:p>
@@ -9647,67 +10755,17 @@
                 <a:ea typeface="DengXian" panose="02010600030101010101" pitchFamily="2" charset="-122"/>
                 <a:cs typeface="Calibri" panose="020F0502020204030204" pitchFamily="34" charset="0"/>
               </a:rPr>
-              <a:t>Get the link to the USFM</a:t>
-            </a:r>
-            <a:br>
-              <a:rPr lang="en-US" sz="2800" dirty="0">
-                <a:latin typeface="Calibri" panose="020F0502020204030204" pitchFamily="34" charset="0"/>
-                <a:ea typeface="DengXian" panose="02010600030101010101" pitchFamily="2" charset="-122"/>
-                <a:cs typeface="Calibri" panose="020F0502020204030204" pitchFamily="34" charset="0"/>
-              </a:rPr>
-            </a:br>
-            <a:r>
-              <a:rPr lang="en-US" sz="2800" dirty="0">
-                <a:latin typeface="Calibri" panose="020F0502020204030204" pitchFamily="34" charset="0"/>
-                <a:ea typeface="DengXian" panose="02010600030101010101" pitchFamily="2" charset="-122"/>
-                <a:cs typeface="Calibri" panose="020F0502020204030204" pitchFamily="34" charset="0"/>
-              </a:rPr>
-              <a:t>file for your project</a:t>
-            </a:r>
-          </a:p>
-          <a:p>
-            <a:pPr lvl="0"/>
-            <a:r>
-              <a:rPr lang="en-US" sz="2800" dirty="0">
-                <a:latin typeface="Calibri" panose="020F0502020204030204" pitchFamily="34" charset="0"/>
-                <a:ea typeface="DengXian" panose="02010600030101010101" pitchFamily="2" charset="-122"/>
-                <a:cs typeface="Calibri" panose="020F0502020204030204" pitchFamily="34" charset="0"/>
-              </a:rPr>
-              <a:t>Interact with others about </a:t>
-            </a:r>
-            <a:br>
-              <a:rPr lang="en-US" sz="2800" dirty="0">
-                <a:latin typeface="Calibri" panose="020F0502020204030204" pitchFamily="34" charset="0"/>
-                <a:ea typeface="DengXian" panose="02010600030101010101" pitchFamily="2" charset="-122"/>
-                <a:cs typeface="Calibri" panose="020F0502020204030204" pitchFamily="34" charset="0"/>
-              </a:rPr>
-            </a:br>
-            <a:r>
-              <a:rPr lang="en-US" sz="2800" dirty="0">
-                <a:latin typeface="Calibri" panose="020F0502020204030204" pitchFamily="34" charset="0"/>
-                <a:ea typeface="DengXian" panose="02010600030101010101" pitchFamily="2" charset="-122"/>
-                <a:cs typeface="Calibri" panose="020F0502020204030204" pitchFamily="34" charset="0"/>
-              </a:rPr>
-              <a:t>your project</a:t>
-            </a:r>
-            <a:endParaRPr lang="en-US" sz="2800" dirty="0">
-              <a:latin typeface="Calibri" panose="020F0502020204030204" pitchFamily="34" charset="0"/>
-              <a:ea typeface="DengXian" panose="02010600030101010101" pitchFamily="2" charset="-122"/>
-              <a:cs typeface="Arial" panose="020B0604020202020204" pitchFamily="34" charset="0"/>
-            </a:endParaRPr>
-          </a:p>
-          <a:p>
-            <a:pPr lvl="1"/>
-            <a:endParaRPr lang="en-US" dirty="0"/>
+              <a:t>Print your translation</a:t>
+            </a:r>
           </a:p>
         </p:txBody>
       </p:sp>
       <p:pic>
         <p:nvPicPr>
-          <p:cNvPr id="5" name="Picture 4">
+          <p:cNvPr id="4" name="Picture 3">
             <a:extLst>
               <a:ext uri="{FF2B5EF4-FFF2-40B4-BE49-F238E27FC236}">
-                <a16:creationId xmlns:a16="http://schemas.microsoft.com/office/drawing/2014/main" id="{8D26F446-75C1-44F2-B773-2FB8F2EF5364}"/>
+                <a16:creationId xmlns:a16="http://schemas.microsoft.com/office/drawing/2014/main" id="{9D315793-DCCE-4DF4-9C2A-70C7EA15D00F}"/>
               </a:ext>
             </a:extLst>
           </p:cNvPr>
@@ -9724,8 +10782,8 @@
         </p:blipFill>
         <p:spPr>
           <a:xfrm>
-            <a:off x="6096000" y="3258133"/>
-            <a:ext cx="5553351" cy="2990266"/>
+            <a:off x="5479104" y="1530404"/>
+            <a:ext cx="5994781" cy="3451746"/>
           </a:xfrm>
           <a:prstGeom prst="rect">
             <a:avLst/>
@@ -9757,275 +10815,6 @@
 </p:sld>
 </file>
 
-<file path=ppt/slides/slide7.xml><?xml version="1.0" encoding="utf-8"?>
-<p:sld xmlns:a="http://schemas.openxmlformats.org/drawingml/2006/main" xmlns:r="http://schemas.openxmlformats.org/officeDocument/2006/relationships" xmlns:p="http://schemas.openxmlformats.org/presentationml/2006/main">
-  <p:cSld>
-    <p:spTree>
-      <p:nvGrpSpPr>
-        <p:cNvPr id="1" name=""/>
-        <p:cNvGrpSpPr/>
-        <p:nvPr/>
-      </p:nvGrpSpPr>
-      <p:grpSpPr>
-        <a:xfrm>
-          <a:off x="0" y="0"/>
-          <a:ext cx="0" cy="0"/>
-          <a:chOff x="0" y="0"/>
-          <a:chExt cx="0" cy="0"/>
-        </a:xfrm>
-      </p:grpSpPr>
-      <p:sp>
-        <p:nvSpPr>
-          <p:cNvPr id="7" name="Content Placeholder 6">
-            <a:extLst>
-              <a:ext uri="{FF2B5EF4-FFF2-40B4-BE49-F238E27FC236}">
-                <a16:creationId xmlns:a16="http://schemas.microsoft.com/office/drawing/2014/main" id="{FF2C9114-7CF4-45FA-9177-03D91D154623}"/>
-              </a:ext>
-            </a:extLst>
-          </p:cNvPr>
-          <p:cNvSpPr>
-            <a:spLocks noGrp="1"/>
-          </p:cNvSpPr>
-          <p:nvPr>
-            <p:ph idx="1"/>
-          </p:nvPr>
-        </p:nvSpPr>
-        <p:spPr/>
-        <p:txBody>
-          <a:bodyPr/>
-          <a:lstStyle/>
-          <a:p>
-            <a:r>
-              <a:rPr lang="en-US" sz="2800" dirty="0"/>
-              <a:t>Publishing is a way to make your work available to others.</a:t>
-            </a:r>
-          </a:p>
-          <a:p>
-            <a:r>
-              <a:rPr lang="en-US" sz="2800" dirty="0"/>
-              <a:t>Two types:</a:t>
-            </a:r>
-          </a:p>
-          <a:p>
-            <a:pPr lvl="1"/>
-            <a:r>
-              <a:rPr lang="en-US" sz="2400" dirty="0"/>
-              <a:t>Self-publishing</a:t>
-            </a:r>
-          </a:p>
-          <a:p>
-            <a:pPr lvl="1"/>
-            <a:r>
-              <a:rPr lang="en-US" sz="2400" dirty="0"/>
-              <a:t>Source text publishing (only for Gateway Languages)</a:t>
-            </a:r>
-          </a:p>
-        </p:txBody>
-      </p:sp>
-      <p:sp>
-        <p:nvSpPr>
-          <p:cNvPr id="2" name="Rectangle: Rounded Corners 1">
-            <a:extLst>
-              <a:ext uri="{FF2B5EF4-FFF2-40B4-BE49-F238E27FC236}">
-                <a16:creationId xmlns:a16="http://schemas.microsoft.com/office/drawing/2014/main" id="{C13169EA-876E-496A-97F9-4D1BD889A93D}"/>
-              </a:ext>
-            </a:extLst>
-          </p:cNvPr>
-          <p:cNvSpPr/>
-          <p:nvPr/>
-        </p:nvSpPr>
-        <p:spPr>
-          <a:xfrm>
-            <a:off x="1858787" y="4009697"/>
-            <a:ext cx="7884303" cy="624114"/>
-          </a:xfrm>
-          <a:prstGeom prst="roundRect">
-            <a:avLst/>
-          </a:prstGeom>
-          <a:gradFill>
-            <a:gsLst>
-              <a:gs pos="0">
-                <a:schemeClr val="accent1">
-                  <a:tint val="64000"/>
-                  <a:lumMod val="118000"/>
-                  <a:alpha val="0"/>
-                </a:schemeClr>
-              </a:gs>
-              <a:gs pos="100000">
-                <a:schemeClr val="accent1">
-                  <a:tint val="92000"/>
-                  <a:alpha val="100000"/>
-                  <a:lumMod val="110000"/>
-                </a:schemeClr>
-              </a:gs>
-            </a:gsLst>
-          </a:gradFill>
-        </p:spPr>
-        <p:style>
-          <a:lnRef idx="1">
-            <a:schemeClr val="accent1"/>
-          </a:lnRef>
-          <a:fillRef idx="2">
-            <a:schemeClr val="accent1"/>
-          </a:fillRef>
-          <a:effectRef idx="1">
-            <a:schemeClr val="accent1"/>
-          </a:effectRef>
-          <a:fontRef idx="minor">
-            <a:schemeClr val="dk1"/>
-          </a:fontRef>
-        </p:style>
-        <p:txBody>
-          <a:bodyPr rtlCol="0" anchor="ctr"/>
-          <a:lstStyle/>
-          <a:p>
-            <a:pPr algn="ctr"/>
-            <a:endParaRPr lang="en-US"/>
-          </a:p>
-        </p:txBody>
-      </p:sp>
-      <p:sp>
-        <p:nvSpPr>
-          <p:cNvPr id="5" name="Title 4">
-            <a:extLst>
-              <a:ext uri="{FF2B5EF4-FFF2-40B4-BE49-F238E27FC236}">
-                <a16:creationId xmlns:a16="http://schemas.microsoft.com/office/drawing/2014/main" id="{0CE6B759-241F-4E8A-9E7A-D01393BD68F3}"/>
-              </a:ext>
-            </a:extLst>
-          </p:cNvPr>
-          <p:cNvSpPr>
-            <a:spLocks noGrp="1"/>
-          </p:cNvSpPr>
-          <p:nvPr>
-            <p:ph type="title"/>
-          </p:nvPr>
-        </p:nvSpPr>
-        <p:spPr/>
-        <p:txBody>
-          <a:bodyPr/>
-          <a:lstStyle/>
-          <a:p>
-            <a:r>
-              <a:rPr lang="en-US" dirty="0"/>
-              <a:t>What Is Publishing?</a:t>
-            </a:r>
-          </a:p>
-        </p:txBody>
-      </p:sp>
-    </p:spTree>
-    <p:extLst>
-      <p:ext uri="{BB962C8B-B14F-4D97-AF65-F5344CB8AC3E}">
-        <p14:creationId xmlns:p14="http://schemas.microsoft.com/office/powerpoint/2010/main" val="2543372400"/>
-      </p:ext>
-    </p:extLst>
-  </p:cSld>
-  <p:clrMapOvr>
-    <a:masterClrMapping/>
-  </p:clrMapOvr>
-  <mc:AlternateContent xmlns:mc="http://schemas.openxmlformats.org/markup-compatibility/2006" xmlns:p14="http://schemas.microsoft.com/office/powerpoint/2010/main">
-    <mc:Choice Requires="p14">
-      <p:transition spd="med" p14:dur="700">
-        <p:fade/>
-      </p:transition>
-    </mc:Choice>
-    <mc:Fallback xmlns="">
-      <p:transition spd="med">
-        <p:fade/>
-      </p:transition>
-    </mc:Fallback>
-  </mc:AlternateContent>
-  <p:timing>
-    <p:tnLst>
-      <p:par>
-        <p:cTn id="1" dur="indefinite" restart="never" nodeType="tmRoot">
-          <p:childTnLst>
-            <p:seq concurrent="1" nextAc="seek">
-              <p:cTn id="2" dur="indefinite" nodeType="mainSeq">
-                <p:childTnLst>
-                  <p:par>
-                    <p:cTn id="3" fill="hold">
-                      <p:stCondLst>
-                        <p:cond delay="indefinite"/>
-                        <p:cond evt="onBegin" delay="0">
-                          <p:tn val="2"/>
-                        </p:cond>
-                      </p:stCondLst>
-                      <p:childTnLst>
-                        <p:par>
-                          <p:cTn id="4" fill="hold">
-                            <p:stCondLst>
-                              <p:cond delay="0"/>
-                            </p:stCondLst>
-                            <p:childTnLst>
-                              <p:par>
-                                <p:cTn id="5" presetID="22" presetClass="entr" presetSubtype="8" fill="hold" grpId="0" nodeType="afterEffect">
-                                  <p:stCondLst>
-                                    <p:cond delay="0"/>
-                                  </p:stCondLst>
-                                  <p:childTnLst>
-                                    <p:set>
-                                      <p:cBhvr>
-                                        <p:cTn id="6" dur="1" fill="hold">
-                                          <p:stCondLst>
-                                            <p:cond delay="0"/>
-                                          </p:stCondLst>
-                                        </p:cTn>
-                                        <p:tgtEl>
-                                          <p:spTgt spid="2"/>
-                                        </p:tgtEl>
-                                        <p:attrNameLst>
-                                          <p:attrName>style.visibility</p:attrName>
-                                        </p:attrNameLst>
-                                      </p:cBhvr>
-                                      <p:to>
-                                        <p:strVal val="visible"/>
-                                      </p:to>
-                                    </p:set>
-                                    <p:animEffect transition="in" filter="wipe(left)">
-                                      <p:cBhvr>
-                                        <p:cTn id="7" dur="2000"/>
-                                        <p:tgtEl>
-                                          <p:spTgt spid="2"/>
-                                        </p:tgtEl>
-                                      </p:cBhvr>
-                                    </p:animEffect>
-                                  </p:childTnLst>
-                                </p:cTn>
-                              </p:par>
-                            </p:childTnLst>
-                          </p:cTn>
-                        </p:par>
-                      </p:childTnLst>
-                    </p:cTn>
-                  </p:par>
-                </p:childTnLst>
-              </p:cTn>
-              <p:prevCondLst>
-                <p:cond evt="onPrev" delay="0">
-                  <p:tgtEl>
-                    <p:sldTgt/>
-                  </p:tgtEl>
-                </p:cond>
-              </p:prevCondLst>
-              <p:nextCondLst>
-                <p:cond evt="onNext" delay="0">
-                  <p:tgtEl>
-                    <p:sldTgt/>
-                  </p:tgtEl>
-                </p:cond>
-              </p:nextCondLst>
-            </p:seq>
-          </p:childTnLst>
-        </p:cTn>
-      </p:par>
-    </p:tnLst>
-    <p:bldLst>
-      <p:bldP spid="2" grpId="0" animBg="1"/>
-    </p:bldLst>
-  </p:timing>
-</p:sld>
-</file>
-
 <file path=ppt/slides/slide8.xml><?xml version="1.0" encoding="utf-8"?>
 <p:sld xmlns:a="http://schemas.openxmlformats.org/drawingml/2006/main" xmlns:r="http://schemas.openxmlformats.org/officeDocument/2006/relationships" xmlns:p="http://schemas.openxmlformats.org/presentationml/2006/main">
   <p:cSld>
@@ -10045,295 +10834,10 @@
       </p:grpSpPr>
       <p:sp>
         <p:nvSpPr>
-          <p:cNvPr id="4" name="Content Placeholder 2">
-            <a:extLst>
-              <a:ext uri="{FF2B5EF4-FFF2-40B4-BE49-F238E27FC236}">
-                <a16:creationId xmlns:a16="http://schemas.microsoft.com/office/drawing/2014/main" id="{0DBA7DF5-D4DF-4624-8497-77378CBC0767}"/>
-              </a:ext>
-            </a:extLst>
-          </p:cNvPr>
-          <p:cNvSpPr txBox="1">
-            <a:spLocks/>
-          </p:cNvSpPr>
-          <p:nvPr/>
-        </p:nvSpPr>
-        <p:spPr>
-          <a:xfrm>
-            <a:off x="1484310" y="1423447"/>
-            <a:ext cx="10018713" cy="4367753"/>
-          </a:xfrm>
-          <a:prstGeom prst="rect">
-            <a:avLst/>
-          </a:prstGeom>
-        </p:spPr>
-        <p:txBody>
-          <a:bodyPr vert="horz" lIns="91440" tIns="45720" rIns="91440" bIns="45720" rtlCol="0" anchor="t" anchorCtr="0">
-            <a:noAutofit/>
-          </a:bodyPr>
-          <a:lstStyle>
-            <a:lvl1pPr marL="285750" indent="-285750" algn="l" defTabSz="457200" rtl="0" eaLnBrk="1" latinLnBrk="0" hangingPunct="1">
-              <a:spcBef>
-                <a:spcPct val="20000"/>
-              </a:spcBef>
-              <a:spcAft>
-                <a:spcPts val="600"/>
-              </a:spcAft>
-              <a:buClr>
-                <a:schemeClr val="accent1">
-                  <a:lumMod val="75000"/>
-                </a:schemeClr>
-              </a:buClr>
-              <a:buSzPct val="145000"/>
-              <a:buFont typeface="Arial"/>
-              <a:buChar char="•"/>
-              <a:defRPr sz="2400" kern="1200" cap="none">
-                <a:solidFill>
-                  <a:schemeClr val="tx1"/>
-                </a:solidFill>
-                <a:effectLst/>
-                <a:latin typeface="+mn-lt"/>
-                <a:ea typeface="+mn-ea"/>
-                <a:cs typeface="+mn-cs"/>
-              </a:defRPr>
-            </a:lvl1pPr>
-            <a:lvl2pPr marL="742950" indent="-285750" algn="l" defTabSz="457200" rtl="0" eaLnBrk="1" latinLnBrk="0" hangingPunct="1">
-              <a:spcBef>
-                <a:spcPct val="20000"/>
-              </a:spcBef>
-              <a:spcAft>
-                <a:spcPts val="600"/>
-              </a:spcAft>
-              <a:buClr>
-                <a:schemeClr val="accent1">
-                  <a:lumMod val="75000"/>
-                </a:schemeClr>
-              </a:buClr>
-              <a:buSzPct val="145000"/>
-              <a:buFont typeface="Arial"/>
-              <a:buChar char="•"/>
-              <a:defRPr sz="2000" kern="1200" cap="none">
-                <a:solidFill>
-                  <a:schemeClr val="tx1"/>
-                </a:solidFill>
-                <a:effectLst/>
-                <a:latin typeface="+mn-lt"/>
-                <a:ea typeface="+mn-ea"/>
-                <a:cs typeface="+mn-cs"/>
-              </a:defRPr>
-            </a:lvl2pPr>
-            <a:lvl3pPr marL="1200150" indent="-285750" algn="l" defTabSz="457200" rtl="0" eaLnBrk="1" latinLnBrk="0" hangingPunct="1">
-              <a:spcBef>
-                <a:spcPct val="20000"/>
-              </a:spcBef>
-              <a:spcAft>
-                <a:spcPts val="600"/>
-              </a:spcAft>
-              <a:buClr>
-                <a:schemeClr val="accent1">
-                  <a:lumMod val="75000"/>
-                </a:schemeClr>
-              </a:buClr>
-              <a:buSzPct val="145000"/>
-              <a:buFont typeface="Arial"/>
-              <a:buChar char="•"/>
-              <a:defRPr sz="1800" kern="1200" cap="none">
-                <a:solidFill>
-                  <a:schemeClr val="tx1"/>
-                </a:solidFill>
-                <a:effectLst/>
-                <a:latin typeface="+mn-lt"/>
-                <a:ea typeface="+mn-ea"/>
-                <a:cs typeface="+mn-cs"/>
-              </a:defRPr>
-            </a:lvl3pPr>
-            <a:lvl4pPr marL="1543050" indent="-171450" algn="l" defTabSz="457200" rtl="0" eaLnBrk="1" latinLnBrk="0" hangingPunct="1">
-              <a:spcBef>
-                <a:spcPct val="20000"/>
-              </a:spcBef>
-              <a:spcAft>
-                <a:spcPts val="600"/>
-              </a:spcAft>
-              <a:buClr>
-                <a:schemeClr val="accent1">
-                  <a:lumMod val="75000"/>
-                </a:schemeClr>
-              </a:buClr>
-              <a:buSzPct val="145000"/>
-              <a:buFont typeface="Arial"/>
-              <a:buChar char="•"/>
-              <a:defRPr sz="1600" kern="1200" cap="none">
-                <a:solidFill>
-                  <a:schemeClr val="tx1"/>
-                </a:solidFill>
-                <a:effectLst/>
-                <a:latin typeface="+mn-lt"/>
-                <a:ea typeface="+mn-ea"/>
-                <a:cs typeface="+mn-cs"/>
-              </a:defRPr>
-            </a:lvl4pPr>
-            <a:lvl5pPr marL="2000250" indent="-171450" algn="l" defTabSz="457200" rtl="0" eaLnBrk="1" latinLnBrk="0" hangingPunct="1">
-              <a:spcBef>
-                <a:spcPct val="20000"/>
-              </a:spcBef>
-              <a:spcAft>
-                <a:spcPts val="600"/>
-              </a:spcAft>
-              <a:buClr>
-                <a:schemeClr val="accent1">
-                  <a:lumMod val="75000"/>
-                </a:schemeClr>
-              </a:buClr>
-              <a:buSzPct val="145000"/>
-              <a:buFont typeface="Arial"/>
-              <a:buChar char="•"/>
-              <a:defRPr sz="1400" kern="1200" cap="none">
-                <a:solidFill>
-                  <a:schemeClr val="tx1"/>
-                </a:solidFill>
-                <a:effectLst/>
-                <a:latin typeface="+mn-lt"/>
-                <a:ea typeface="+mn-ea"/>
-                <a:cs typeface="+mn-cs"/>
-              </a:defRPr>
-            </a:lvl5pPr>
-            <a:lvl6pPr marL="2514600" indent="-228600" algn="l" defTabSz="457200" rtl="0" eaLnBrk="1" latinLnBrk="0" hangingPunct="1">
-              <a:spcBef>
-                <a:spcPct val="20000"/>
-              </a:spcBef>
-              <a:spcAft>
-                <a:spcPts val="600"/>
-              </a:spcAft>
-              <a:buClr>
-                <a:schemeClr val="accent1">
-                  <a:lumMod val="75000"/>
-                </a:schemeClr>
-              </a:buClr>
-              <a:buSzPct val="145000"/>
-              <a:buFont typeface="Arial"/>
-              <a:buChar char="•"/>
-              <a:defRPr sz="1400" kern="1200" cap="none">
-                <a:solidFill>
-                  <a:schemeClr val="tx1"/>
-                </a:solidFill>
-                <a:effectLst/>
-                <a:latin typeface="+mn-lt"/>
-                <a:ea typeface="+mn-ea"/>
-                <a:cs typeface="+mn-cs"/>
-              </a:defRPr>
-            </a:lvl6pPr>
-            <a:lvl7pPr marL="2971800" indent="-228600" algn="l" defTabSz="457200" rtl="0" eaLnBrk="1" latinLnBrk="0" hangingPunct="1">
-              <a:spcBef>
-                <a:spcPct val="20000"/>
-              </a:spcBef>
-              <a:spcAft>
-                <a:spcPts val="600"/>
-              </a:spcAft>
-              <a:buClr>
-                <a:schemeClr val="accent1">
-                  <a:lumMod val="75000"/>
-                </a:schemeClr>
-              </a:buClr>
-              <a:buSzPct val="145000"/>
-              <a:buFont typeface="Arial"/>
-              <a:buChar char="•"/>
-              <a:defRPr sz="1400" kern="1200" cap="none">
-                <a:solidFill>
-                  <a:schemeClr val="tx1"/>
-                </a:solidFill>
-                <a:effectLst/>
-                <a:latin typeface="+mn-lt"/>
-                <a:ea typeface="+mn-ea"/>
-                <a:cs typeface="+mn-cs"/>
-              </a:defRPr>
-            </a:lvl7pPr>
-            <a:lvl8pPr marL="3429000" indent="-228600" algn="l" defTabSz="457200" rtl="0" eaLnBrk="1" latinLnBrk="0" hangingPunct="1">
-              <a:spcBef>
-                <a:spcPct val="20000"/>
-              </a:spcBef>
-              <a:spcAft>
-                <a:spcPts val="600"/>
-              </a:spcAft>
-              <a:buClr>
-                <a:schemeClr val="accent1">
-                  <a:lumMod val="75000"/>
-                </a:schemeClr>
-              </a:buClr>
-              <a:buSzPct val="145000"/>
-              <a:buFont typeface="Arial"/>
-              <a:buChar char="•"/>
-              <a:defRPr sz="1400" kern="1200" cap="none">
-                <a:solidFill>
-                  <a:schemeClr val="tx1"/>
-                </a:solidFill>
-                <a:effectLst/>
-                <a:latin typeface="+mn-lt"/>
-                <a:ea typeface="+mn-ea"/>
-                <a:cs typeface="+mn-cs"/>
-              </a:defRPr>
-            </a:lvl8pPr>
-            <a:lvl9pPr marL="3886200" indent="-228600" algn="l" defTabSz="457200" rtl="0" eaLnBrk="1" latinLnBrk="0" hangingPunct="1">
-              <a:spcBef>
-                <a:spcPct val="20000"/>
-              </a:spcBef>
-              <a:spcAft>
-                <a:spcPts val="600"/>
-              </a:spcAft>
-              <a:buClr>
-                <a:schemeClr val="accent1">
-                  <a:lumMod val="75000"/>
-                </a:schemeClr>
-              </a:buClr>
-              <a:buSzPct val="145000"/>
-              <a:buFont typeface="Arial"/>
-              <a:buChar char="•"/>
-              <a:defRPr sz="1400" kern="1200" cap="none">
-                <a:solidFill>
-                  <a:schemeClr val="tx1"/>
-                </a:solidFill>
-                <a:effectLst/>
-                <a:latin typeface="+mn-lt"/>
-                <a:ea typeface="+mn-ea"/>
-                <a:cs typeface="+mn-cs"/>
-              </a:defRPr>
-            </a:lvl9pPr>
-          </a:lstStyle>
-          <a:p>
-            <a:pPr marL="0" indent="0">
-              <a:buNone/>
-            </a:pPr>
-            <a:r>
-              <a:rPr lang="en-US" sz="2800" dirty="0"/>
-              <a:t>To publish the source text for a Gateway Language you must:</a:t>
-            </a:r>
-          </a:p>
-          <a:p>
-            <a:pPr marL="514350" indent="-514350">
-              <a:buFont typeface="+mj-lt"/>
-              <a:buAutoNum type="arabicPeriod"/>
-            </a:pPr>
-            <a:r>
-              <a:rPr lang="en-US" sz="2800" dirty="0"/>
-              <a:t>Meet the prerequisites</a:t>
-            </a:r>
-          </a:p>
-          <a:p>
-            <a:pPr marL="514350" indent="-514350">
-              <a:buFont typeface="+mj-lt"/>
-              <a:buAutoNum type="arabicPeriod"/>
-            </a:pPr>
-            <a:r>
-              <a:rPr lang="en-US" sz="2800" dirty="0"/>
-              <a:t>Submit Source Text Request Form</a:t>
-            </a:r>
-          </a:p>
-        </p:txBody>
-      </p:sp>
-      <p:sp>
-        <p:nvSpPr>
           <p:cNvPr id="2" name="Title 1">
             <a:extLst>
               <a:ext uri="{FF2B5EF4-FFF2-40B4-BE49-F238E27FC236}">
-                <a16:creationId xmlns:a16="http://schemas.microsoft.com/office/drawing/2014/main" id="{C65C7369-CC71-4D0B-ACC8-3341E1EEDFAE}"/>
+                <a16:creationId xmlns:a16="http://schemas.microsoft.com/office/drawing/2014/main" id="{41E89B76-491D-4376-A986-0496E00BBBB9}"/>
               </a:ext>
             </a:extLst>
           </p:cNvPr>
@@ -10351,15 +10855,97 @@
           <a:p>
             <a:r>
               <a:rPr lang="en-US" dirty="0"/>
-              <a:t>How Do I Publish Source Text?</a:t>
+              <a:t>What Did You Learn?</a:t>
             </a:r>
           </a:p>
         </p:txBody>
       </p:sp>
+      <p:sp>
+        <p:nvSpPr>
+          <p:cNvPr id="3" name="Content Placeholder 2">
+            <a:extLst>
+              <a:ext uri="{FF2B5EF4-FFF2-40B4-BE49-F238E27FC236}">
+                <a16:creationId xmlns:a16="http://schemas.microsoft.com/office/drawing/2014/main" id="{E6B91E74-C58F-4BD6-B724-A5405BF8514D}"/>
+              </a:ext>
+            </a:extLst>
+          </p:cNvPr>
+          <p:cNvSpPr>
+            <a:spLocks noGrp="1"/>
+          </p:cNvSpPr>
+          <p:nvPr>
+            <p:ph idx="1"/>
+          </p:nvPr>
+        </p:nvSpPr>
+        <p:spPr/>
+        <p:txBody>
+          <a:bodyPr>
+            <a:normAutofit/>
+          </a:bodyPr>
+          <a:lstStyle/>
+          <a:p>
+            <a:pPr marL="0" indent="0">
+              <a:buNone/>
+            </a:pPr>
+            <a:r>
+              <a:rPr lang="en-US" sz="2800" dirty="0"/>
+              <a:t>In this presentation you learned to:</a:t>
+            </a:r>
+          </a:p>
+          <a:p>
+            <a:r>
+              <a:rPr lang="en-US" sz="2400" dirty="0"/>
+              <a:t>Define accessibility as it pertains to Bible </a:t>
+            </a:r>
+            <a:br>
+              <a:rPr lang="en-US" sz="2400" dirty="0"/>
+            </a:br>
+            <a:r>
+              <a:rPr lang="en-US" sz="2400" dirty="0"/>
+              <a:t>translation</a:t>
+            </a:r>
+          </a:p>
+          <a:p>
+            <a:r>
+              <a:rPr lang="en-US" sz="2400" dirty="0"/>
+              <a:t>Make your translation accessible to others</a:t>
+            </a:r>
+          </a:p>
+        </p:txBody>
+      </p:sp>
+      <p:pic>
+        <p:nvPicPr>
+          <p:cNvPr id="6" name="Picture 5" descr="A close up of a computer&#10;&#10;Description automatically generated">
+            <a:extLst>
+              <a:ext uri="{FF2B5EF4-FFF2-40B4-BE49-F238E27FC236}">
+                <a16:creationId xmlns:a16="http://schemas.microsoft.com/office/drawing/2014/main" id="{F5078030-ED87-4FF3-A113-49912FDBE129}"/>
+              </a:ext>
+            </a:extLst>
+          </p:cNvPr>
+          <p:cNvPicPr>
+            <a:picLocks noChangeAspect="1"/>
+          </p:cNvPicPr>
+          <p:nvPr/>
+        </p:nvPicPr>
+        <p:blipFill>
+          <a:blip r:embed="rId3"/>
+          <a:stretch>
+            <a:fillRect/>
+          </a:stretch>
+        </p:blipFill>
+        <p:spPr>
+          <a:xfrm>
+            <a:off x="7957823" y="1753070"/>
+            <a:ext cx="3838575" cy="3857625"/>
+          </a:xfrm>
+          <a:prstGeom prst="rect">
+            <a:avLst/>
+          </a:prstGeom>
+        </p:spPr>
+      </p:pic>
     </p:spTree>
     <p:extLst>
       <p:ext uri="{BB962C8B-B14F-4D97-AF65-F5344CB8AC3E}">
-        <p14:creationId xmlns:p14="http://schemas.microsoft.com/office/powerpoint/2010/main" val="2678941381"/>
+        <p14:creationId xmlns:p14="http://schemas.microsoft.com/office/powerpoint/2010/main" val="2571040690"/>
       </p:ext>
     </p:extLst>
   </p:cSld>
@@ -10378,1033 +10964,6 @@
       </p:transition>
     </mc:Fallback>
   </mc:AlternateContent>
-</p:sld>
-</file>
-
-<file path=ppt/slides/slide9.xml><?xml version="1.0" encoding="utf-8"?>
-<p:sld xmlns:a="http://schemas.openxmlformats.org/drawingml/2006/main" xmlns:r="http://schemas.openxmlformats.org/officeDocument/2006/relationships" xmlns:p="http://schemas.openxmlformats.org/presentationml/2006/main">
-  <p:cSld>
-    <p:spTree>
-      <p:nvGrpSpPr>
-        <p:cNvPr id="1" name=""/>
-        <p:cNvGrpSpPr/>
-        <p:nvPr/>
-      </p:nvGrpSpPr>
-      <p:grpSpPr>
-        <a:xfrm>
-          <a:off x="0" y="0"/>
-          <a:ext cx="0" cy="0"/>
-          <a:chOff x="0" y="0"/>
-          <a:chExt cx="0" cy="0"/>
-        </a:xfrm>
-      </p:grpSpPr>
-      <p:sp>
-        <p:nvSpPr>
-          <p:cNvPr id="4" name="Content Placeholder 2">
-            <a:extLst>
-              <a:ext uri="{FF2B5EF4-FFF2-40B4-BE49-F238E27FC236}">
-                <a16:creationId xmlns:a16="http://schemas.microsoft.com/office/drawing/2014/main" id="{0DBA7DF5-D4DF-4624-8497-77378CBC0767}"/>
-              </a:ext>
-            </a:extLst>
-          </p:cNvPr>
-          <p:cNvSpPr txBox="1">
-            <a:spLocks/>
-          </p:cNvSpPr>
-          <p:nvPr/>
-        </p:nvSpPr>
-        <p:spPr>
-          <a:xfrm>
-            <a:off x="1261754" y="1207724"/>
-            <a:ext cx="10211821" cy="5513832"/>
-          </a:xfrm>
-          <a:prstGeom prst="rect">
-            <a:avLst/>
-          </a:prstGeom>
-        </p:spPr>
-        <p:txBody>
-          <a:bodyPr vert="horz" lIns="91440" tIns="45720" rIns="91440" bIns="45720" rtlCol="0" anchor="t" anchorCtr="0">
-            <a:noAutofit/>
-          </a:bodyPr>
-          <a:lstStyle>
-            <a:lvl1pPr marL="285750" indent="-285750" algn="l" defTabSz="457200" rtl="0" eaLnBrk="1" latinLnBrk="0" hangingPunct="1">
-              <a:spcBef>
-                <a:spcPct val="20000"/>
-              </a:spcBef>
-              <a:spcAft>
-                <a:spcPts val="600"/>
-              </a:spcAft>
-              <a:buClr>
-                <a:schemeClr val="accent1">
-                  <a:lumMod val="75000"/>
-                </a:schemeClr>
-              </a:buClr>
-              <a:buSzPct val="145000"/>
-              <a:buFont typeface="Arial"/>
-              <a:buChar char="•"/>
-              <a:defRPr sz="2400" kern="1200" cap="none">
-                <a:solidFill>
-                  <a:schemeClr val="tx1"/>
-                </a:solidFill>
-                <a:effectLst/>
-                <a:latin typeface="+mn-lt"/>
-                <a:ea typeface="+mn-ea"/>
-                <a:cs typeface="+mn-cs"/>
-              </a:defRPr>
-            </a:lvl1pPr>
-            <a:lvl2pPr marL="742950" indent="-285750" algn="l" defTabSz="457200" rtl="0" eaLnBrk="1" latinLnBrk="0" hangingPunct="1">
-              <a:spcBef>
-                <a:spcPct val="20000"/>
-              </a:spcBef>
-              <a:spcAft>
-                <a:spcPts val="600"/>
-              </a:spcAft>
-              <a:buClr>
-                <a:schemeClr val="accent1">
-                  <a:lumMod val="75000"/>
-                </a:schemeClr>
-              </a:buClr>
-              <a:buSzPct val="145000"/>
-              <a:buFont typeface="Arial"/>
-              <a:buChar char="•"/>
-              <a:defRPr sz="2000" kern="1200" cap="none">
-                <a:solidFill>
-                  <a:schemeClr val="tx1"/>
-                </a:solidFill>
-                <a:effectLst/>
-                <a:latin typeface="+mn-lt"/>
-                <a:ea typeface="+mn-ea"/>
-                <a:cs typeface="+mn-cs"/>
-              </a:defRPr>
-            </a:lvl2pPr>
-            <a:lvl3pPr marL="1200150" indent="-285750" algn="l" defTabSz="457200" rtl="0" eaLnBrk="1" latinLnBrk="0" hangingPunct="1">
-              <a:spcBef>
-                <a:spcPct val="20000"/>
-              </a:spcBef>
-              <a:spcAft>
-                <a:spcPts val="600"/>
-              </a:spcAft>
-              <a:buClr>
-                <a:schemeClr val="accent1">
-                  <a:lumMod val="75000"/>
-                </a:schemeClr>
-              </a:buClr>
-              <a:buSzPct val="145000"/>
-              <a:buFont typeface="Arial"/>
-              <a:buChar char="•"/>
-              <a:defRPr sz="1800" kern="1200" cap="none">
-                <a:solidFill>
-                  <a:schemeClr val="tx1"/>
-                </a:solidFill>
-                <a:effectLst/>
-                <a:latin typeface="+mn-lt"/>
-                <a:ea typeface="+mn-ea"/>
-                <a:cs typeface="+mn-cs"/>
-              </a:defRPr>
-            </a:lvl3pPr>
-            <a:lvl4pPr marL="1543050" indent="-171450" algn="l" defTabSz="457200" rtl="0" eaLnBrk="1" latinLnBrk="0" hangingPunct="1">
-              <a:spcBef>
-                <a:spcPct val="20000"/>
-              </a:spcBef>
-              <a:spcAft>
-                <a:spcPts val="600"/>
-              </a:spcAft>
-              <a:buClr>
-                <a:schemeClr val="accent1">
-                  <a:lumMod val="75000"/>
-                </a:schemeClr>
-              </a:buClr>
-              <a:buSzPct val="145000"/>
-              <a:buFont typeface="Arial"/>
-              <a:buChar char="•"/>
-              <a:defRPr sz="1600" kern="1200" cap="none">
-                <a:solidFill>
-                  <a:schemeClr val="tx1"/>
-                </a:solidFill>
-                <a:effectLst/>
-                <a:latin typeface="+mn-lt"/>
-                <a:ea typeface="+mn-ea"/>
-                <a:cs typeface="+mn-cs"/>
-              </a:defRPr>
-            </a:lvl4pPr>
-            <a:lvl5pPr marL="2000250" indent="-171450" algn="l" defTabSz="457200" rtl="0" eaLnBrk="1" latinLnBrk="0" hangingPunct="1">
-              <a:spcBef>
-                <a:spcPct val="20000"/>
-              </a:spcBef>
-              <a:spcAft>
-                <a:spcPts val="600"/>
-              </a:spcAft>
-              <a:buClr>
-                <a:schemeClr val="accent1">
-                  <a:lumMod val="75000"/>
-                </a:schemeClr>
-              </a:buClr>
-              <a:buSzPct val="145000"/>
-              <a:buFont typeface="Arial"/>
-              <a:buChar char="•"/>
-              <a:defRPr sz="1400" kern="1200" cap="none">
-                <a:solidFill>
-                  <a:schemeClr val="tx1"/>
-                </a:solidFill>
-                <a:effectLst/>
-                <a:latin typeface="+mn-lt"/>
-                <a:ea typeface="+mn-ea"/>
-                <a:cs typeface="+mn-cs"/>
-              </a:defRPr>
-            </a:lvl5pPr>
-            <a:lvl6pPr marL="2514600" indent="-228600" algn="l" defTabSz="457200" rtl="0" eaLnBrk="1" latinLnBrk="0" hangingPunct="1">
-              <a:spcBef>
-                <a:spcPct val="20000"/>
-              </a:spcBef>
-              <a:spcAft>
-                <a:spcPts val="600"/>
-              </a:spcAft>
-              <a:buClr>
-                <a:schemeClr val="accent1">
-                  <a:lumMod val="75000"/>
-                </a:schemeClr>
-              </a:buClr>
-              <a:buSzPct val="145000"/>
-              <a:buFont typeface="Arial"/>
-              <a:buChar char="•"/>
-              <a:defRPr sz="1400" kern="1200" cap="none">
-                <a:solidFill>
-                  <a:schemeClr val="tx1"/>
-                </a:solidFill>
-                <a:effectLst/>
-                <a:latin typeface="+mn-lt"/>
-                <a:ea typeface="+mn-ea"/>
-                <a:cs typeface="+mn-cs"/>
-              </a:defRPr>
-            </a:lvl6pPr>
-            <a:lvl7pPr marL="2971800" indent="-228600" algn="l" defTabSz="457200" rtl="0" eaLnBrk="1" latinLnBrk="0" hangingPunct="1">
-              <a:spcBef>
-                <a:spcPct val="20000"/>
-              </a:spcBef>
-              <a:spcAft>
-                <a:spcPts val="600"/>
-              </a:spcAft>
-              <a:buClr>
-                <a:schemeClr val="accent1">
-                  <a:lumMod val="75000"/>
-                </a:schemeClr>
-              </a:buClr>
-              <a:buSzPct val="145000"/>
-              <a:buFont typeface="Arial"/>
-              <a:buChar char="•"/>
-              <a:defRPr sz="1400" kern="1200" cap="none">
-                <a:solidFill>
-                  <a:schemeClr val="tx1"/>
-                </a:solidFill>
-                <a:effectLst/>
-                <a:latin typeface="+mn-lt"/>
-                <a:ea typeface="+mn-ea"/>
-                <a:cs typeface="+mn-cs"/>
-              </a:defRPr>
-            </a:lvl7pPr>
-            <a:lvl8pPr marL="3429000" indent="-228600" algn="l" defTabSz="457200" rtl="0" eaLnBrk="1" latinLnBrk="0" hangingPunct="1">
-              <a:spcBef>
-                <a:spcPct val="20000"/>
-              </a:spcBef>
-              <a:spcAft>
-                <a:spcPts val="600"/>
-              </a:spcAft>
-              <a:buClr>
-                <a:schemeClr val="accent1">
-                  <a:lumMod val="75000"/>
-                </a:schemeClr>
-              </a:buClr>
-              <a:buSzPct val="145000"/>
-              <a:buFont typeface="Arial"/>
-              <a:buChar char="•"/>
-              <a:defRPr sz="1400" kern="1200" cap="none">
-                <a:solidFill>
-                  <a:schemeClr val="tx1"/>
-                </a:solidFill>
-                <a:effectLst/>
-                <a:latin typeface="+mn-lt"/>
-                <a:ea typeface="+mn-ea"/>
-                <a:cs typeface="+mn-cs"/>
-              </a:defRPr>
-            </a:lvl8pPr>
-            <a:lvl9pPr marL="3886200" indent="-228600" algn="l" defTabSz="457200" rtl="0" eaLnBrk="1" latinLnBrk="0" hangingPunct="1">
-              <a:spcBef>
-                <a:spcPct val="20000"/>
-              </a:spcBef>
-              <a:spcAft>
-                <a:spcPts val="600"/>
-              </a:spcAft>
-              <a:buClr>
-                <a:schemeClr val="accent1">
-                  <a:lumMod val="75000"/>
-                </a:schemeClr>
-              </a:buClr>
-              <a:buSzPct val="145000"/>
-              <a:buFont typeface="Arial"/>
-              <a:buChar char="•"/>
-              <a:defRPr sz="1400" kern="1200" cap="none">
-                <a:solidFill>
-                  <a:schemeClr val="tx1"/>
-                </a:solidFill>
-                <a:effectLst/>
-                <a:latin typeface="+mn-lt"/>
-                <a:ea typeface="+mn-ea"/>
-                <a:cs typeface="+mn-cs"/>
-              </a:defRPr>
-            </a:lvl9pPr>
-          </a:lstStyle>
-          <a:p>
-            <a:pPr marL="0" indent="0">
-              <a:buNone/>
-            </a:pPr>
-            <a:r>
-              <a:rPr lang="en-US" sz="2600" dirty="0"/>
-              <a:t>The source text must meet all of the following:</a:t>
-            </a:r>
-          </a:p>
-          <a:p>
-            <a:r>
-              <a:rPr lang="en-US" sz="2600" dirty="0"/>
-              <a:t>Whole resource: Entire book or all of Open Bible Stories</a:t>
-            </a:r>
-          </a:p>
-          <a:p>
-            <a:r>
-              <a:rPr lang="en-US" sz="2600" dirty="0"/>
-              <a:t>Appropriate </a:t>
-            </a:r>
-            <a:r>
-              <a:rPr lang="en-US" sz="2600" dirty="0">
-                <a:hlinkClick r:id="rId2"/>
-              </a:rPr>
-              <a:t>checking level</a:t>
-            </a:r>
-            <a:r>
-              <a:rPr lang="en-US" sz="2600" dirty="0"/>
-              <a:t>: Level 3 for Bible translations</a:t>
-            </a:r>
-          </a:p>
-          <a:p>
-            <a:r>
-              <a:rPr lang="en-US" sz="2600" dirty="0"/>
-              <a:t>Uploaded to Door43: Merge content if done on multiple devices</a:t>
-            </a:r>
-          </a:p>
-          <a:p>
-            <a:r>
-              <a:rPr lang="en-US" sz="2600" dirty="0"/>
-              <a:t>All contributors listed by either name or pseudonym</a:t>
-            </a:r>
-          </a:p>
-          <a:p>
-            <a:r>
-              <a:rPr lang="en-US" sz="2600" dirty="0"/>
-              <a:t>Agreements: Document agreements by all contributors to License, Statement of Faith, and Translation Guidelines; </a:t>
-            </a:r>
-          </a:p>
-          <a:p>
-            <a:pPr marL="0" indent="0">
-              <a:spcAft>
-                <a:spcPts val="0"/>
-              </a:spcAft>
-              <a:buNone/>
-            </a:pPr>
-            <a:r>
-              <a:rPr lang="en-US" sz="2600" dirty="0"/>
-              <a:t>     </a:t>
-            </a:r>
-            <a:r>
-              <a:rPr lang="en-US" sz="2400" dirty="0"/>
-              <a:t>May be done by having them:</a:t>
-            </a:r>
-          </a:p>
-          <a:p>
-            <a:pPr marL="914400" lvl="2" indent="0">
-              <a:spcBef>
-                <a:spcPts val="0"/>
-              </a:spcBef>
-              <a:spcAft>
-                <a:spcPts val="0"/>
-              </a:spcAft>
-              <a:buNone/>
-            </a:pPr>
-            <a:r>
-              <a:rPr lang="en-US" sz="2400" dirty="0"/>
-              <a:t>Create Door43 accounts</a:t>
-            </a:r>
-            <a:endParaRPr lang="en-US" sz="2000" dirty="0"/>
-          </a:p>
-          <a:p>
-            <a:pPr lvl="1"/>
-            <a:endParaRPr lang="en-US" sz="2400" dirty="0"/>
-          </a:p>
-        </p:txBody>
-      </p:sp>
-      <p:sp>
-        <p:nvSpPr>
-          <p:cNvPr id="2" name="Title 1">
-            <a:extLst>
-              <a:ext uri="{FF2B5EF4-FFF2-40B4-BE49-F238E27FC236}">
-                <a16:creationId xmlns:a16="http://schemas.microsoft.com/office/drawing/2014/main" id="{C65C7369-CC71-4D0B-ACC8-3341E1EEDFAE}"/>
-              </a:ext>
-            </a:extLst>
-          </p:cNvPr>
-          <p:cNvSpPr>
-            <a:spLocks noGrp="1"/>
-          </p:cNvSpPr>
-          <p:nvPr>
-            <p:ph type="title"/>
-          </p:nvPr>
-        </p:nvSpPr>
-        <p:spPr/>
-        <p:txBody>
-          <a:bodyPr/>
-          <a:lstStyle/>
-          <a:p>
-            <a:r>
-              <a:rPr lang="en-US" sz="3600" dirty="0"/>
-              <a:t>Prerequisites for Publishing Source Text</a:t>
-            </a:r>
-          </a:p>
-        </p:txBody>
-      </p:sp>
-      <p:sp>
-        <p:nvSpPr>
-          <p:cNvPr id="3" name="TextBox 2">
-            <a:extLst>
-              <a:ext uri="{FF2B5EF4-FFF2-40B4-BE49-F238E27FC236}">
-                <a16:creationId xmlns:a16="http://schemas.microsoft.com/office/drawing/2014/main" id="{038928D7-3651-493C-A7B4-933980ECE60C}"/>
-              </a:ext>
-            </a:extLst>
-          </p:cNvPr>
-          <p:cNvSpPr txBox="1"/>
-          <p:nvPr/>
-        </p:nvSpPr>
-        <p:spPr>
-          <a:xfrm>
-            <a:off x="2238702" y="5726287"/>
-            <a:ext cx="8090411" cy="1200329"/>
-          </a:xfrm>
-          <a:prstGeom prst="rect">
-            <a:avLst/>
-          </a:prstGeom>
-          <a:noFill/>
-        </p:spPr>
-        <p:txBody>
-          <a:bodyPr wrap="square" rtlCol="0">
-            <a:spAutoFit/>
-          </a:bodyPr>
-          <a:lstStyle/>
-          <a:p>
-            <a:r>
-              <a:rPr lang="en-US" sz="2400" dirty="0"/>
-              <a:t>                                            OR  physically sign </a:t>
-            </a:r>
-            <a:r>
-              <a:rPr lang="en-US" sz="2400" dirty="0">
-                <a:hlinkClick r:id="rId3"/>
-              </a:rPr>
-              <a:t>documents</a:t>
-            </a:r>
-            <a:r>
-              <a:rPr lang="en-US" sz="2400" dirty="0"/>
-              <a:t> and digitize them (scan or photo)</a:t>
-            </a:r>
-          </a:p>
-          <a:p>
-            <a:endParaRPr lang="en-US" sz="2400" dirty="0"/>
-          </a:p>
-        </p:txBody>
-      </p:sp>
-    </p:spTree>
-    <p:extLst>
-      <p:ext uri="{BB962C8B-B14F-4D97-AF65-F5344CB8AC3E}">
-        <p14:creationId xmlns:p14="http://schemas.microsoft.com/office/powerpoint/2010/main" val="2722739917"/>
-      </p:ext>
-    </p:extLst>
-  </p:cSld>
-  <p:clrMapOvr>
-    <a:masterClrMapping/>
-  </p:clrMapOvr>
-  <mc:AlternateContent xmlns:mc="http://schemas.openxmlformats.org/markup-compatibility/2006" xmlns:p14="http://schemas.microsoft.com/office/powerpoint/2010/main">
-    <mc:Choice Requires="p14">
-      <p:transition spd="med" p14:dur="700">
-        <p:fade/>
-      </p:transition>
-    </mc:Choice>
-    <mc:Fallback xmlns="">
-      <p:transition spd="med">
-        <p:fade/>
-      </p:transition>
-    </mc:Fallback>
-  </mc:AlternateContent>
-  <p:timing>
-    <p:tnLst>
-      <p:par>
-        <p:cTn id="1" dur="indefinite" restart="never" nodeType="tmRoot">
-          <p:childTnLst>
-            <p:seq concurrent="1" nextAc="seek">
-              <p:cTn id="2" dur="indefinite" nodeType="mainSeq">
-                <p:childTnLst>
-                  <p:par>
-                    <p:cTn id="3" fill="hold">
-                      <p:stCondLst>
-                        <p:cond delay="indefinite"/>
-                        <p:cond evt="onBegin" delay="0">
-                          <p:tn val="2"/>
-                        </p:cond>
-                      </p:stCondLst>
-                      <p:childTnLst>
-                        <p:par>
-                          <p:cTn id="4" fill="hold">
-                            <p:stCondLst>
-                              <p:cond delay="0"/>
-                            </p:stCondLst>
-                            <p:childTnLst>
-                              <p:par>
-                                <p:cTn id="5" presetID="22" presetClass="entr" presetSubtype="8" fill="hold" grpId="0" nodeType="afterEffect">
-                                  <p:stCondLst>
-                                    <p:cond delay="0"/>
-                                  </p:stCondLst>
-                                  <p:childTnLst>
-                                    <p:set>
-                                      <p:cBhvr>
-                                        <p:cTn id="6" dur="1" fill="hold">
-                                          <p:stCondLst>
-                                            <p:cond delay="0"/>
-                                          </p:stCondLst>
-                                        </p:cTn>
-                                        <p:tgtEl>
-                                          <p:spTgt spid="4">
-                                            <p:txEl>
-                                              <p:pRg st="0" end="0"/>
-                                            </p:txEl>
-                                          </p:spTgt>
-                                        </p:tgtEl>
-                                        <p:attrNameLst>
-                                          <p:attrName>style.visibility</p:attrName>
-                                        </p:attrNameLst>
-                                      </p:cBhvr>
-                                      <p:to>
-                                        <p:strVal val="visible"/>
-                                      </p:to>
-                                    </p:set>
-                                    <p:animEffect transition="in" filter="wipe(left)">
-                                      <p:cBhvr>
-                                        <p:cTn id="7" dur="500"/>
-                                        <p:tgtEl>
-                                          <p:spTgt spid="4">
-                                            <p:txEl>
-                                              <p:pRg st="0" end="0"/>
-                                            </p:txEl>
-                                          </p:spTgt>
-                                        </p:tgtEl>
-                                      </p:cBhvr>
-                                    </p:animEffect>
-                                  </p:childTnLst>
-                                </p:cTn>
-                              </p:par>
-                            </p:childTnLst>
-                          </p:cTn>
-                        </p:par>
-                      </p:childTnLst>
-                    </p:cTn>
-                  </p:par>
-                  <p:par>
-                    <p:cTn id="8" fill="hold">
-                      <p:stCondLst>
-                        <p:cond delay="indefinite"/>
-                      </p:stCondLst>
-                      <p:childTnLst>
-                        <p:par>
-                          <p:cTn id="9" fill="hold">
-                            <p:stCondLst>
-                              <p:cond delay="0"/>
-                            </p:stCondLst>
-                            <p:childTnLst>
-                              <p:par>
-                                <p:cTn id="10" presetID="22" presetClass="entr" presetSubtype="8" fill="hold" grpId="0" nodeType="clickEffect">
-                                  <p:stCondLst>
-                                    <p:cond delay="0"/>
-                                  </p:stCondLst>
-                                  <p:childTnLst>
-                                    <p:set>
-                                      <p:cBhvr>
-                                        <p:cTn id="11" dur="1" fill="hold">
-                                          <p:stCondLst>
-                                            <p:cond delay="0"/>
-                                          </p:stCondLst>
-                                        </p:cTn>
-                                        <p:tgtEl>
-                                          <p:spTgt spid="4">
-                                            <p:txEl>
-                                              <p:pRg st="1" end="1"/>
-                                            </p:txEl>
-                                          </p:spTgt>
-                                        </p:tgtEl>
-                                        <p:attrNameLst>
-                                          <p:attrName>style.visibility</p:attrName>
-                                        </p:attrNameLst>
-                                      </p:cBhvr>
-                                      <p:to>
-                                        <p:strVal val="visible"/>
-                                      </p:to>
-                                    </p:set>
-                                    <p:animEffect transition="in" filter="wipe(left)">
-                                      <p:cBhvr>
-                                        <p:cTn id="12" dur="500"/>
-                                        <p:tgtEl>
-                                          <p:spTgt spid="4">
-                                            <p:txEl>
-                                              <p:pRg st="1" end="1"/>
-                                            </p:txEl>
-                                          </p:spTgt>
-                                        </p:tgtEl>
-                                      </p:cBhvr>
-                                    </p:animEffect>
-                                  </p:childTnLst>
-                                </p:cTn>
-                              </p:par>
-                            </p:childTnLst>
-                          </p:cTn>
-                        </p:par>
-                      </p:childTnLst>
-                    </p:cTn>
-                  </p:par>
-                  <p:par>
-                    <p:cTn id="13" fill="hold">
-                      <p:stCondLst>
-                        <p:cond delay="indefinite"/>
-                      </p:stCondLst>
-                      <p:childTnLst>
-                        <p:par>
-                          <p:cTn id="14" fill="hold">
-                            <p:stCondLst>
-                              <p:cond delay="0"/>
-                            </p:stCondLst>
-                            <p:childTnLst>
-                              <p:par>
-                                <p:cTn id="15" presetID="22" presetClass="entr" presetSubtype="8" fill="hold" grpId="0" nodeType="clickEffect">
-                                  <p:stCondLst>
-                                    <p:cond delay="0"/>
-                                  </p:stCondLst>
-                                  <p:childTnLst>
-                                    <p:set>
-                                      <p:cBhvr>
-                                        <p:cTn id="16" dur="1" fill="hold">
-                                          <p:stCondLst>
-                                            <p:cond delay="0"/>
-                                          </p:stCondLst>
-                                        </p:cTn>
-                                        <p:tgtEl>
-                                          <p:spTgt spid="4">
-                                            <p:txEl>
-                                              <p:pRg st="2" end="2"/>
-                                            </p:txEl>
-                                          </p:spTgt>
-                                        </p:tgtEl>
-                                        <p:attrNameLst>
-                                          <p:attrName>style.visibility</p:attrName>
-                                        </p:attrNameLst>
-                                      </p:cBhvr>
-                                      <p:to>
-                                        <p:strVal val="visible"/>
-                                      </p:to>
-                                    </p:set>
-                                    <p:animEffect transition="in" filter="wipe(left)">
-                                      <p:cBhvr>
-                                        <p:cTn id="17" dur="500"/>
-                                        <p:tgtEl>
-                                          <p:spTgt spid="4">
-                                            <p:txEl>
-                                              <p:pRg st="2" end="2"/>
-                                            </p:txEl>
-                                          </p:spTgt>
-                                        </p:tgtEl>
-                                      </p:cBhvr>
-                                    </p:animEffect>
-                                  </p:childTnLst>
-                                </p:cTn>
-                              </p:par>
-                            </p:childTnLst>
-                          </p:cTn>
-                        </p:par>
-                      </p:childTnLst>
-                    </p:cTn>
-                  </p:par>
-                  <p:par>
-                    <p:cTn id="18" fill="hold">
-                      <p:stCondLst>
-                        <p:cond delay="indefinite"/>
-                      </p:stCondLst>
-                      <p:childTnLst>
-                        <p:par>
-                          <p:cTn id="19" fill="hold">
-                            <p:stCondLst>
-                              <p:cond delay="0"/>
-                            </p:stCondLst>
-                            <p:childTnLst>
-                              <p:par>
-                                <p:cTn id="20" presetID="22" presetClass="entr" presetSubtype="8" fill="hold" grpId="0" nodeType="clickEffect">
-                                  <p:stCondLst>
-                                    <p:cond delay="0"/>
-                                  </p:stCondLst>
-                                  <p:childTnLst>
-                                    <p:set>
-                                      <p:cBhvr>
-                                        <p:cTn id="21" dur="1" fill="hold">
-                                          <p:stCondLst>
-                                            <p:cond delay="0"/>
-                                          </p:stCondLst>
-                                        </p:cTn>
-                                        <p:tgtEl>
-                                          <p:spTgt spid="4">
-                                            <p:txEl>
-                                              <p:pRg st="3" end="3"/>
-                                            </p:txEl>
-                                          </p:spTgt>
-                                        </p:tgtEl>
-                                        <p:attrNameLst>
-                                          <p:attrName>style.visibility</p:attrName>
-                                        </p:attrNameLst>
-                                      </p:cBhvr>
-                                      <p:to>
-                                        <p:strVal val="visible"/>
-                                      </p:to>
-                                    </p:set>
-                                    <p:animEffect transition="in" filter="wipe(left)">
-                                      <p:cBhvr>
-                                        <p:cTn id="22" dur="500"/>
-                                        <p:tgtEl>
-                                          <p:spTgt spid="4">
-                                            <p:txEl>
-                                              <p:pRg st="3" end="3"/>
-                                            </p:txEl>
-                                          </p:spTgt>
-                                        </p:tgtEl>
-                                      </p:cBhvr>
-                                    </p:animEffect>
-                                  </p:childTnLst>
-                                </p:cTn>
-                              </p:par>
-                            </p:childTnLst>
-                          </p:cTn>
-                        </p:par>
-                      </p:childTnLst>
-                    </p:cTn>
-                  </p:par>
-                  <p:par>
-                    <p:cTn id="23" fill="hold">
-                      <p:stCondLst>
-                        <p:cond delay="indefinite"/>
-                      </p:stCondLst>
-                      <p:childTnLst>
-                        <p:par>
-                          <p:cTn id="24" fill="hold">
-                            <p:stCondLst>
-                              <p:cond delay="0"/>
-                            </p:stCondLst>
-                            <p:childTnLst>
-                              <p:par>
-                                <p:cTn id="25" presetID="22" presetClass="entr" presetSubtype="8" fill="hold" grpId="0" nodeType="clickEffect">
-                                  <p:stCondLst>
-                                    <p:cond delay="0"/>
-                                  </p:stCondLst>
-                                  <p:childTnLst>
-                                    <p:set>
-                                      <p:cBhvr>
-                                        <p:cTn id="26" dur="1" fill="hold">
-                                          <p:stCondLst>
-                                            <p:cond delay="0"/>
-                                          </p:stCondLst>
-                                        </p:cTn>
-                                        <p:tgtEl>
-                                          <p:spTgt spid="4">
-                                            <p:txEl>
-                                              <p:pRg st="4" end="4"/>
-                                            </p:txEl>
-                                          </p:spTgt>
-                                        </p:tgtEl>
-                                        <p:attrNameLst>
-                                          <p:attrName>style.visibility</p:attrName>
-                                        </p:attrNameLst>
-                                      </p:cBhvr>
-                                      <p:to>
-                                        <p:strVal val="visible"/>
-                                      </p:to>
-                                    </p:set>
-                                    <p:animEffect transition="in" filter="wipe(left)">
-                                      <p:cBhvr>
-                                        <p:cTn id="27" dur="500"/>
-                                        <p:tgtEl>
-                                          <p:spTgt spid="4">
-                                            <p:txEl>
-                                              <p:pRg st="4" end="4"/>
-                                            </p:txEl>
-                                          </p:spTgt>
-                                        </p:tgtEl>
-                                      </p:cBhvr>
-                                    </p:animEffect>
-                                  </p:childTnLst>
-                                </p:cTn>
-                              </p:par>
-                            </p:childTnLst>
-                          </p:cTn>
-                        </p:par>
-                      </p:childTnLst>
-                    </p:cTn>
-                  </p:par>
-                  <p:par>
-                    <p:cTn id="28" fill="hold">
-                      <p:stCondLst>
-                        <p:cond delay="indefinite"/>
-                      </p:stCondLst>
-                      <p:childTnLst>
-                        <p:par>
-                          <p:cTn id="29" fill="hold">
-                            <p:stCondLst>
-                              <p:cond delay="0"/>
-                            </p:stCondLst>
-                            <p:childTnLst>
-                              <p:par>
-                                <p:cTn id="30" presetID="22" presetClass="entr" presetSubtype="8" fill="hold" grpId="0" nodeType="clickEffect">
-                                  <p:stCondLst>
-                                    <p:cond delay="0"/>
-                                  </p:stCondLst>
-                                  <p:childTnLst>
-                                    <p:set>
-                                      <p:cBhvr>
-                                        <p:cTn id="31" dur="1" fill="hold">
-                                          <p:stCondLst>
-                                            <p:cond delay="0"/>
-                                          </p:stCondLst>
-                                        </p:cTn>
-                                        <p:tgtEl>
-                                          <p:spTgt spid="4">
-                                            <p:txEl>
-                                              <p:pRg st="5" end="5"/>
-                                            </p:txEl>
-                                          </p:spTgt>
-                                        </p:tgtEl>
-                                        <p:attrNameLst>
-                                          <p:attrName>style.visibility</p:attrName>
-                                        </p:attrNameLst>
-                                      </p:cBhvr>
-                                      <p:to>
-                                        <p:strVal val="visible"/>
-                                      </p:to>
-                                    </p:set>
-                                    <p:animEffect transition="in" filter="wipe(left)">
-                                      <p:cBhvr>
-                                        <p:cTn id="32" dur="500"/>
-                                        <p:tgtEl>
-                                          <p:spTgt spid="4">
-                                            <p:txEl>
-                                              <p:pRg st="5" end="5"/>
-                                            </p:txEl>
-                                          </p:spTgt>
-                                        </p:tgtEl>
-                                      </p:cBhvr>
-                                    </p:animEffect>
-                                  </p:childTnLst>
-                                </p:cTn>
-                              </p:par>
-                            </p:childTnLst>
-                          </p:cTn>
-                        </p:par>
-                      </p:childTnLst>
-                    </p:cTn>
-                  </p:par>
-                  <p:par>
-                    <p:cTn id="33" fill="hold">
-                      <p:stCondLst>
-                        <p:cond delay="indefinite"/>
-                      </p:stCondLst>
-                      <p:childTnLst>
-                        <p:par>
-                          <p:cTn id="34" fill="hold">
-                            <p:stCondLst>
-                              <p:cond delay="0"/>
-                            </p:stCondLst>
-                            <p:childTnLst>
-                              <p:par>
-                                <p:cTn id="35" presetID="22" presetClass="entr" presetSubtype="8" fill="hold" grpId="0" nodeType="clickEffect">
-                                  <p:stCondLst>
-                                    <p:cond delay="0"/>
-                                  </p:stCondLst>
-                                  <p:childTnLst>
-                                    <p:set>
-                                      <p:cBhvr>
-                                        <p:cTn id="36" dur="1" fill="hold">
-                                          <p:stCondLst>
-                                            <p:cond delay="0"/>
-                                          </p:stCondLst>
-                                        </p:cTn>
-                                        <p:tgtEl>
-                                          <p:spTgt spid="4">
-                                            <p:txEl>
-                                              <p:pRg st="6" end="6"/>
-                                            </p:txEl>
-                                          </p:spTgt>
-                                        </p:tgtEl>
-                                        <p:attrNameLst>
-                                          <p:attrName>style.visibility</p:attrName>
-                                        </p:attrNameLst>
-                                      </p:cBhvr>
-                                      <p:to>
-                                        <p:strVal val="visible"/>
-                                      </p:to>
-                                    </p:set>
-                                    <p:animEffect transition="in" filter="wipe(left)">
-                                      <p:cBhvr>
-                                        <p:cTn id="37" dur="500"/>
-                                        <p:tgtEl>
-                                          <p:spTgt spid="4">
-                                            <p:txEl>
-                                              <p:pRg st="6" end="6"/>
-                                            </p:txEl>
-                                          </p:spTgt>
-                                        </p:tgtEl>
-                                      </p:cBhvr>
-                                    </p:animEffect>
-                                  </p:childTnLst>
-                                </p:cTn>
-                              </p:par>
-                              <p:par>
-                                <p:cTn id="38" presetID="22" presetClass="entr" presetSubtype="8" fill="hold" grpId="0" nodeType="withEffect">
-                                  <p:stCondLst>
-                                    <p:cond delay="0"/>
-                                  </p:stCondLst>
-                                  <p:childTnLst>
-                                    <p:set>
-                                      <p:cBhvr>
-                                        <p:cTn id="39" dur="1" fill="hold">
-                                          <p:stCondLst>
-                                            <p:cond delay="0"/>
-                                          </p:stCondLst>
-                                        </p:cTn>
-                                        <p:tgtEl>
-                                          <p:spTgt spid="4">
-                                            <p:txEl>
-                                              <p:pRg st="7" end="7"/>
-                                            </p:txEl>
-                                          </p:spTgt>
-                                        </p:tgtEl>
-                                        <p:attrNameLst>
-                                          <p:attrName>style.visibility</p:attrName>
-                                        </p:attrNameLst>
-                                      </p:cBhvr>
-                                      <p:to>
-                                        <p:strVal val="visible"/>
-                                      </p:to>
-                                    </p:set>
-                                    <p:animEffect transition="in" filter="wipe(left)">
-                                      <p:cBhvr>
-                                        <p:cTn id="40" dur="500"/>
-                                        <p:tgtEl>
-                                          <p:spTgt spid="4">
-                                            <p:txEl>
-                                              <p:pRg st="7" end="7"/>
-                                            </p:txEl>
-                                          </p:spTgt>
-                                        </p:tgtEl>
-                                      </p:cBhvr>
-                                    </p:animEffect>
-                                  </p:childTnLst>
-                                </p:cTn>
-                              </p:par>
-                            </p:childTnLst>
-                          </p:cTn>
-                        </p:par>
-                      </p:childTnLst>
-                    </p:cTn>
-                  </p:par>
-                  <p:par>
-                    <p:cTn id="41" fill="hold">
-                      <p:stCondLst>
-                        <p:cond delay="indefinite"/>
-                      </p:stCondLst>
-                      <p:childTnLst>
-                        <p:par>
-                          <p:cTn id="42" fill="hold">
-                            <p:stCondLst>
-                              <p:cond delay="0"/>
-                            </p:stCondLst>
-                            <p:childTnLst>
-                              <p:par>
-                                <p:cTn id="43" presetID="22" presetClass="entr" presetSubtype="8" fill="hold" grpId="0" nodeType="clickEffect">
-                                  <p:stCondLst>
-                                    <p:cond delay="0"/>
-                                  </p:stCondLst>
-                                  <p:childTnLst>
-                                    <p:set>
-                                      <p:cBhvr>
-                                        <p:cTn id="44" dur="1" fill="hold">
-                                          <p:stCondLst>
-                                            <p:cond delay="0"/>
-                                          </p:stCondLst>
-                                        </p:cTn>
-                                        <p:tgtEl>
-                                          <p:spTgt spid="3">
-                                            <p:txEl>
-                                              <p:pRg st="0" end="0"/>
-                                            </p:txEl>
-                                          </p:spTgt>
-                                        </p:tgtEl>
-                                        <p:attrNameLst>
-                                          <p:attrName>style.visibility</p:attrName>
-                                        </p:attrNameLst>
-                                      </p:cBhvr>
-                                      <p:to>
-                                        <p:strVal val="visible"/>
-                                      </p:to>
-                                    </p:set>
-                                    <p:animEffect transition="in" filter="wipe(left)">
-                                      <p:cBhvr>
-                                        <p:cTn id="45" dur="500"/>
-                                        <p:tgtEl>
-                                          <p:spTgt spid="3">
-                                            <p:txEl>
-                                              <p:pRg st="0" end="0"/>
-                                            </p:txEl>
-                                          </p:spTgt>
-                                        </p:tgtEl>
-                                      </p:cBhvr>
-                                    </p:animEffect>
-                                  </p:childTnLst>
-                                </p:cTn>
-                              </p:par>
-                            </p:childTnLst>
-                          </p:cTn>
-                        </p:par>
-                      </p:childTnLst>
-                    </p:cTn>
-                  </p:par>
-                </p:childTnLst>
-              </p:cTn>
-              <p:prevCondLst>
-                <p:cond evt="onPrev" delay="0">
-                  <p:tgtEl>
-                    <p:sldTgt/>
-                  </p:tgtEl>
-                </p:cond>
-              </p:prevCondLst>
-              <p:nextCondLst>
-                <p:cond evt="onNext" delay="0">
-                  <p:tgtEl>
-                    <p:sldTgt/>
-                  </p:tgtEl>
-                </p:cond>
-              </p:nextCondLst>
-            </p:seq>
-          </p:childTnLst>
-        </p:cTn>
-      </p:par>
-    </p:tnLst>
-    <p:bldLst>
-      <p:bldP spid="4" grpId="0" uiExpand="1" build="p" bldLvl="2"/>
-      <p:bldP spid="3" grpId="0" build="p"/>
-    </p:bldLst>
-  </p:timing>
 </p:sld>
 </file>
 
@@ -11978,6 +11537,12 @@
 </file>
 
 <file path=customXml/item2.xml><?xml version="1.0" encoding="utf-8"?>
+<p:properties xmlns:p="http://schemas.microsoft.com/office/2006/metadata/properties" xmlns:xsi="http://www.w3.org/2001/XMLSchema-instance" xmlns:pc="http://schemas.microsoft.com/office/infopath/2007/PartnerControls">
+  <documentManagement/>
+</p:properties>
+</file>
+
+<file path=customXml/item3.xml><?xml version="1.0" encoding="utf-8"?>
 <ct:contentTypeSchema xmlns:ct="http://schemas.microsoft.com/office/2006/metadata/contentType" xmlns:ma="http://schemas.microsoft.com/office/2006/metadata/properties/metaAttributes" ct:_="" ma:_="" ma:contentTypeName="Document" ma:contentTypeID="0x0101005AB3623AC358204B8459D60480BA9C2B" ma:contentTypeVersion="12" ma:contentTypeDescription="Create a new document." ma:contentTypeScope="" ma:versionID="d3005fe9c78495323023aeced5280a50">
   <xsd:schema xmlns:xsd="http://www.w3.org/2001/XMLSchema" xmlns:xs="http://www.w3.org/2001/XMLSchema" xmlns:p="http://schemas.microsoft.com/office/2006/metadata/properties" xmlns:ns3="e6b6b08c-4e37-4703-b140-b9e21b970c4f" xmlns:ns4="63ebc9d3-73c5-43d0-b794-270dc3c2d1a0" targetNamespace="http://schemas.microsoft.com/office/2006/metadata/properties" ma:root="true" ma:fieldsID="0b9151cbda91d7d860fe7297b2c5ad24" ns3:_="" ns4:_="">
     <xsd:import namespace="e6b6b08c-4e37-4703-b140-b9e21b970c4f"/>
@@ -12194,12 +11759,6 @@
 </ct:contentTypeSchema>
 </file>
 
-<file path=customXml/item3.xml><?xml version="1.0" encoding="utf-8"?>
-<p:properties xmlns:p="http://schemas.microsoft.com/office/2006/metadata/properties" xmlns:xsi="http://www.w3.org/2001/XMLSchema-instance" xmlns:pc="http://schemas.microsoft.com/office/infopath/2007/PartnerControls">
-  <documentManagement/>
-</p:properties>
-</file>
-
 <file path=customXml/itemProps1.xml><?xml version="1.0" encoding="utf-8"?>
 <ds:datastoreItem xmlns:ds="http://schemas.openxmlformats.org/officeDocument/2006/customXml" ds:itemID="{64CFF4CB-2157-4462-882E-7C7509AE6A60}">
   <ds:schemaRefs>
@@ -12209,6 +11768,23 @@
 </file>
 
 <file path=customXml/itemProps2.xml><?xml version="1.0" encoding="utf-8"?>
+<ds:datastoreItem xmlns:ds="http://schemas.openxmlformats.org/officeDocument/2006/customXml" ds:itemID="{D6405D58-8AA8-4FB2-A549-3AE7234CE79B}">
+  <ds:schemaRefs>
+    <ds:schemaRef ds:uri="http://purl.org/dc/terms/"/>
+    <ds:schemaRef ds:uri="http://schemas.openxmlformats.org/package/2006/metadata/core-properties"/>
+    <ds:schemaRef ds:uri="http://purl.org/dc/dcmitype/"/>
+    <ds:schemaRef ds:uri="http://schemas.microsoft.com/office/infopath/2007/PartnerControls"/>
+    <ds:schemaRef ds:uri="http://schemas.microsoft.com/office/2006/documentManagement/types"/>
+    <ds:schemaRef ds:uri="http://schemas.microsoft.com/office/2006/metadata/properties"/>
+    <ds:schemaRef ds:uri="63ebc9d3-73c5-43d0-b794-270dc3c2d1a0"/>
+    <ds:schemaRef ds:uri="e6b6b08c-4e37-4703-b140-b9e21b970c4f"/>
+    <ds:schemaRef ds:uri="http://www.w3.org/XML/1998/namespace"/>
+    <ds:schemaRef ds:uri="http://purl.org/dc/elements/1.1/"/>
+  </ds:schemaRefs>
+</ds:datastoreItem>
+</file>
+
+<file path=customXml/itemProps3.xml><?xml version="1.0" encoding="utf-8"?>
 <ds:datastoreItem xmlns:ds="http://schemas.openxmlformats.org/officeDocument/2006/customXml" ds:itemID="{EEEB1E18-1527-4724-AEDB-E4EBC76D73AB}">
   <ds:schemaRefs>
     <ds:schemaRef ds:uri="http://schemas.microsoft.com/office/2006/metadata/contentType"/>
@@ -12225,21 +11801,4 @@
     <ds:schemaRef ds:uri="http://schemas.microsoft.com/internal/obd"/>
   </ds:schemaRefs>
 </ds:datastoreItem>
-</file>
-
-<file path=customXml/itemProps3.xml><?xml version="1.0" encoding="utf-8"?>
-<ds:datastoreItem xmlns:ds="http://schemas.openxmlformats.org/officeDocument/2006/customXml" ds:itemID="{D6405D58-8AA8-4FB2-A549-3AE7234CE79B}">
-  <ds:schemaRefs>
-    <ds:schemaRef ds:uri="http://purl.org/dc/terms/"/>
-    <ds:schemaRef ds:uri="http://schemas.openxmlformats.org/package/2006/metadata/core-properties"/>
-    <ds:schemaRef ds:uri="http://schemas.microsoft.com/office/2006/documentManagement/types"/>
-    <ds:schemaRef ds:uri="http://schemas.microsoft.com/office/infopath/2007/PartnerControls"/>
-    <ds:schemaRef ds:uri="63ebc9d3-73c5-43d0-b794-270dc3c2d1a0"/>
-    <ds:schemaRef ds:uri="http://purl.org/dc/elements/1.1/"/>
-    <ds:schemaRef ds:uri="http://schemas.microsoft.com/office/2006/metadata/properties"/>
-    <ds:schemaRef ds:uri="e6b6b08c-4e37-4703-b140-b9e21b970c4f"/>
-    <ds:schemaRef ds:uri="http://www.w3.org/XML/1998/namespace"/>
-    <ds:schemaRef ds:uri="http://purl.org/dc/dcmitype/"/>
-  </ds:schemaRefs>
-</ds:datastoreItem>
 </file>
--- a/docs/DPublish.pptx
+++ b/docs/DPublish.pptx
@@ -5,7 +5,7 @@
     <p:sldMasterId id="2147483850" r:id="rId4"/>
   </p:sldMasterIdLst>
   <p:notesMasterIdLst>
-    <p:notesMasterId r:id="rId13"/>
+    <p:notesMasterId r:id="rId14"/>
   </p:notesMasterIdLst>
   <p:sldIdLst>
     <p:sldId id="256" r:id="rId5"/>
@@ -15,7 +15,8 @@
     <p:sldId id="347" r:id="rId9"/>
     <p:sldId id="267" r:id="rId10"/>
     <p:sldId id="293" r:id="rId11"/>
-    <p:sldId id="296" r:id="rId12"/>
+    <p:sldId id="348" r:id="rId12"/>
+    <p:sldId id="296" r:id="rId13"/>
   </p:sldIdLst>
   <p:sldSz cx="12192000" cy="6858000"/>
   <p:notesSz cx="6858000" cy="9144000"/>
@@ -204,7 +205,7 @@
           <a:p>
             <a:fld id="{4D2A5A54-57FA-4281-A6F5-1860CF48FA07}" type="datetimeFigureOut">
               <a:rPr lang="en-US" smtClean="0"/>
-              <a:t>1/28/2021</a:t>
+              <a:t>2/2/2021</a:t>
             </a:fld>
             <a:endParaRPr lang="en-US"/>
           </a:p>
@@ -704,7 +705,7 @@
           <a:p>
             <a:fld id="{5F42FD7F-75AC-4945-AADB-25D3D632370D}" type="slidenum">
               <a:rPr lang="en-US" smtClean="0"/>
-              <a:t>8</a:t>
+              <a:t>9</a:t>
             </a:fld>
             <a:endParaRPr lang="en-US"/>
           </a:p>
@@ -10837,6 +10838,207 @@
           <p:cNvPr id="2" name="Title 1">
             <a:extLst>
               <a:ext uri="{FF2B5EF4-FFF2-40B4-BE49-F238E27FC236}">
+                <a16:creationId xmlns:a16="http://schemas.microsoft.com/office/drawing/2014/main" id="{A7940EF4-9DC0-4B3A-8B41-B85767774D08}"/>
+              </a:ext>
+            </a:extLst>
+          </p:cNvPr>
+          <p:cNvSpPr>
+            <a:spLocks noGrp="1"/>
+          </p:cNvSpPr>
+          <p:nvPr>
+            <p:ph type="title"/>
+          </p:nvPr>
+        </p:nvSpPr>
+        <p:spPr/>
+        <p:txBody>
+          <a:bodyPr/>
+          <a:lstStyle/>
+          <a:p>
+            <a:r>
+              <a:rPr lang="en-US" sz="3600" dirty="0"/>
+              <a:t>Viewing</a:t>
+            </a:r>
+            <a:r>
+              <a:rPr lang="en-US" sz="4000" dirty="0"/>
+              <a:t> Translations on </a:t>
+            </a:r>
+            <a:r>
+              <a:rPr lang="en-US" sz="4000" b="1" dirty="0">
+                <a:latin typeface="Courier New" panose="02070309020205020404" pitchFamily="49" charset="0"/>
+                <a:cs typeface="Courier New" panose="02070309020205020404" pitchFamily="49" charset="0"/>
+              </a:rPr>
+              <a:t>bibleineverylanguage.org</a:t>
+            </a:r>
+          </a:p>
+        </p:txBody>
+      </p:sp>
+      <p:sp>
+        <p:nvSpPr>
+          <p:cNvPr id="3" name="Content Placeholder 2">
+            <a:extLst>
+              <a:ext uri="{FF2B5EF4-FFF2-40B4-BE49-F238E27FC236}">
+                <a16:creationId xmlns:a16="http://schemas.microsoft.com/office/drawing/2014/main" id="{BCB9D717-28CA-4A81-A751-8412422668C8}"/>
+              </a:ext>
+            </a:extLst>
+          </p:cNvPr>
+          <p:cNvSpPr>
+            <a:spLocks noGrp="1"/>
+          </p:cNvSpPr>
+          <p:nvPr>
+            <p:ph idx="1"/>
+          </p:nvPr>
+        </p:nvSpPr>
+        <p:spPr>
+          <a:xfrm>
+            <a:off x="1103313" y="2052918"/>
+            <a:ext cx="4722990" cy="4195481"/>
+          </a:xfrm>
+        </p:spPr>
+        <p:txBody>
+          <a:bodyPr/>
+          <a:lstStyle/>
+          <a:p>
+            <a:r>
+              <a:rPr lang="en-US" dirty="0"/>
+              <a:t>Many translations are available on the Bible in Every Language website.</a:t>
+            </a:r>
+          </a:p>
+          <a:p>
+            <a:r>
+              <a:rPr lang="en-US" dirty="0"/>
+              <a:t>Talk to your Wycliffe Associates contact to make your translation visible there.</a:t>
+            </a:r>
+          </a:p>
+        </p:txBody>
+      </p:sp>
+      <p:grpSp>
+        <p:nvGrpSpPr>
+          <p:cNvPr id="6" name="Group 5">
+            <a:extLst>
+              <a:ext uri="{FF2B5EF4-FFF2-40B4-BE49-F238E27FC236}">
+                <a16:creationId xmlns:a16="http://schemas.microsoft.com/office/drawing/2014/main" id="{3D37946F-F16A-403C-B5DB-FEB2DCCD34E1}"/>
+              </a:ext>
+            </a:extLst>
+          </p:cNvPr>
+          <p:cNvGrpSpPr/>
+          <p:nvPr/>
+        </p:nvGrpSpPr>
+        <p:grpSpPr>
+          <a:xfrm>
+            <a:off x="5826303" y="2052918"/>
+            <a:ext cx="5976492" cy="4042958"/>
+            <a:chOff x="5826302" y="1800098"/>
+            <a:chExt cx="5976492" cy="4042958"/>
+          </a:xfrm>
+        </p:grpSpPr>
+        <p:pic>
+          <p:nvPicPr>
+            <p:cNvPr id="4" name="Picture 3">
+              <a:extLst>
+                <a:ext uri="{FF2B5EF4-FFF2-40B4-BE49-F238E27FC236}">
+                  <a16:creationId xmlns:a16="http://schemas.microsoft.com/office/drawing/2014/main" id="{DB93C8AD-BE1D-4C8A-A1CC-C4C27B3BA3D1}"/>
+                </a:ext>
+              </a:extLst>
+            </p:cNvPr>
+            <p:cNvPicPr>
+              <a:picLocks noChangeAspect="1"/>
+            </p:cNvPicPr>
+            <p:nvPr/>
+          </p:nvPicPr>
+          <p:blipFill>
+            <a:blip r:embed="rId2"/>
+            <a:stretch>
+              <a:fillRect/>
+            </a:stretch>
+          </p:blipFill>
+          <p:spPr>
+            <a:xfrm>
+              <a:off x="5826302" y="2052918"/>
+              <a:ext cx="5976492" cy="3790138"/>
+            </a:xfrm>
+            <a:prstGeom prst="rect">
+              <a:avLst/>
+            </a:prstGeom>
+          </p:spPr>
+        </p:pic>
+        <p:pic>
+          <p:nvPicPr>
+            <p:cNvPr id="5" name="Picture 4">
+              <a:extLst>
+                <a:ext uri="{FF2B5EF4-FFF2-40B4-BE49-F238E27FC236}">
+                  <a16:creationId xmlns:a16="http://schemas.microsoft.com/office/drawing/2014/main" id="{2B8F5E29-C6AD-49DA-B592-DBB611D1F21D}"/>
+                </a:ext>
+              </a:extLst>
+            </p:cNvPr>
+            <p:cNvPicPr>
+              <a:picLocks noChangeAspect="1"/>
+            </p:cNvPicPr>
+            <p:nvPr/>
+          </p:nvPicPr>
+          <p:blipFill>
+            <a:blip r:embed="rId3"/>
+            <a:stretch>
+              <a:fillRect/>
+            </a:stretch>
+          </p:blipFill>
+          <p:spPr>
+            <a:xfrm>
+              <a:off x="5826302" y="1800098"/>
+              <a:ext cx="5976492" cy="263371"/>
+            </a:xfrm>
+            <a:prstGeom prst="rect">
+              <a:avLst/>
+            </a:prstGeom>
+          </p:spPr>
+        </p:pic>
+      </p:grpSp>
+    </p:spTree>
+    <p:extLst>
+      <p:ext uri="{BB962C8B-B14F-4D97-AF65-F5344CB8AC3E}">
+        <p14:creationId xmlns:p14="http://schemas.microsoft.com/office/powerpoint/2010/main" val="1271899737"/>
+      </p:ext>
+    </p:extLst>
+  </p:cSld>
+  <p:clrMapOvr>
+    <a:masterClrMapping/>
+  </p:clrMapOvr>
+  <mc:AlternateContent xmlns:mc="http://schemas.openxmlformats.org/markup-compatibility/2006" xmlns:p14="http://schemas.microsoft.com/office/powerpoint/2010/main">
+    <mc:Choice Requires="p14">
+      <p:transition spd="med" p14:dur="700">
+        <p:fade/>
+      </p:transition>
+    </mc:Choice>
+    <mc:Fallback xmlns="">
+      <p:transition spd="med">
+        <p:fade/>
+      </p:transition>
+    </mc:Fallback>
+  </mc:AlternateContent>
+</p:sld>
+</file>
+
+<file path=ppt/slides/slide9.xml><?xml version="1.0" encoding="utf-8"?>
+<p:sld xmlns:a="http://schemas.openxmlformats.org/drawingml/2006/main" xmlns:r="http://schemas.openxmlformats.org/officeDocument/2006/relationships" xmlns:p="http://schemas.openxmlformats.org/presentationml/2006/main">
+  <p:cSld>
+    <p:spTree>
+      <p:nvGrpSpPr>
+        <p:cNvPr id="1" name=""/>
+        <p:cNvGrpSpPr/>
+        <p:nvPr/>
+      </p:nvGrpSpPr>
+      <p:grpSpPr>
+        <a:xfrm>
+          <a:off x="0" y="0"/>
+          <a:ext cx="0" cy="0"/>
+          <a:chOff x="0" y="0"/>
+          <a:chExt cx="0" cy="0"/>
+        </a:xfrm>
+      </p:grpSpPr>
+      <p:sp>
+        <p:nvSpPr>
+          <p:cNvPr id="2" name="Title 1">
+            <a:extLst>
+              <a:ext uri="{FF2B5EF4-FFF2-40B4-BE49-F238E27FC236}">
                 <a16:creationId xmlns:a16="http://schemas.microsoft.com/office/drawing/2014/main" id="{41E89B76-491D-4376-A986-0496E00BBBB9}"/>
               </a:ext>
             </a:extLst>
@@ -11528,21 +11730,6 @@
 </file>
 
 <file path=customXml/item1.xml><?xml version="1.0" encoding="utf-8"?>
-<?mso-contentType ?>
-<FormTemplates xmlns="http://schemas.microsoft.com/sharepoint/v3/contenttype/forms">
-  <Display>DocumentLibraryForm</Display>
-  <Edit>DocumentLibraryForm</Edit>
-  <New>DocumentLibraryForm</New>
-</FormTemplates>
-</file>
-
-<file path=customXml/item2.xml><?xml version="1.0" encoding="utf-8"?>
-<p:properties xmlns:p="http://schemas.microsoft.com/office/2006/metadata/properties" xmlns:xsi="http://www.w3.org/2001/XMLSchema-instance" xmlns:pc="http://schemas.microsoft.com/office/infopath/2007/PartnerControls">
-  <documentManagement/>
-</p:properties>
-</file>
-
-<file path=customXml/item3.xml><?xml version="1.0" encoding="utf-8"?>
 <ct:contentTypeSchema xmlns:ct="http://schemas.microsoft.com/office/2006/metadata/contentType" xmlns:ma="http://schemas.microsoft.com/office/2006/metadata/properties/metaAttributes" ct:_="" ma:_="" ma:contentTypeName="Document" ma:contentTypeID="0x0101005AB3623AC358204B8459D60480BA9C2B" ma:contentTypeVersion="12" ma:contentTypeDescription="Create a new document." ma:contentTypeScope="" ma:versionID="d3005fe9c78495323023aeced5280a50">
   <xsd:schema xmlns:xsd="http://www.w3.org/2001/XMLSchema" xmlns:xs="http://www.w3.org/2001/XMLSchema" xmlns:p="http://schemas.microsoft.com/office/2006/metadata/properties" xmlns:ns3="e6b6b08c-4e37-4703-b140-b9e21b970c4f" xmlns:ns4="63ebc9d3-73c5-43d0-b794-270dc3c2d1a0" targetNamespace="http://schemas.microsoft.com/office/2006/metadata/properties" ma:root="true" ma:fieldsID="0b9151cbda91d7d860fe7297b2c5ad24" ns3:_="" ns4:_="">
     <xsd:import namespace="e6b6b08c-4e37-4703-b140-b9e21b970c4f"/>
@@ -11759,10 +11946,36 @@
 </ct:contentTypeSchema>
 </file>
 
+<file path=customXml/item2.xml><?xml version="1.0" encoding="utf-8"?>
+<p:properties xmlns:p="http://schemas.microsoft.com/office/2006/metadata/properties" xmlns:xsi="http://www.w3.org/2001/XMLSchema-instance" xmlns:pc="http://schemas.microsoft.com/office/infopath/2007/PartnerControls">
+  <documentManagement/>
+</p:properties>
+</file>
+
+<file path=customXml/item3.xml><?xml version="1.0" encoding="utf-8"?>
+<?mso-contentType ?>
+<FormTemplates xmlns="http://schemas.microsoft.com/sharepoint/v3/contenttype/forms">
+  <Display>DocumentLibraryForm</Display>
+  <Edit>DocumentLibraryForm</Edit>
+  <New>DocumentLibraryForm</New>
+</FormTemplates>
+</file>
+
 <file path=customXml/itemProps1.xml><?xml version="1.0" encoding="utf-8"?>
-<ds:datastoreItem xmlns:ds="http://schemas.openxmlformats.org/officeDocument/2006/customXml" ds:itemID="{64CFF4CB-2157-4462-882E-7C7509AE6A60}">
+<ds:datastoreItem xmlns:ds="http://schemas.openxmlformats.org/officeDocument/2006/customXml" ds:itemID="{EEEB1E18-1527-4724-AEDB-E4EBC76D73AB}">
   <ds:schemaRefs>
-    <ds:schemaRef ds:uri="http://schemas.microsoft.com/sharepoint/v3/contenttype/forms"/>
+    <ds:schemaRef ds:uri="http://schemas.microsoft.com/office/2006/metadata/contentType"/>
+    <ds:schemaRef ds:uri="http://schemas.microsoft.com/office/2006/metadata/properties/metaAttributes"/>
+    <ds:schemaRef ds:uri="http://www.w3.org/2001/XMLSchema"/>
+    <ds:schemaRef ds:uri="http://schemas.microsoft.com/office/2006/metadata/properties"/>
+    <ds:schemaRef ds:uri="e6b6b08c-4e37-4703-b140-b9e21b970c4f"/>
+    <ds:schemaRef ds:uri="63ebc9d3-73c5-43d0-b794-270dc3c2d1a0"/>
+    <ds:schemaRef ds:uri="http://schemas.microsoft.com/office/2006/documentManagement/types"/>
+    <ds:schemaRef ds:uri="http://schemas.microsoft.com/office/infopath/2007/PartnerControls"/>
+    <ds:schemaRef ds:uri="http://schemas.openxmlformats.org/package/2006/metadata/core-properties"/>
+    <ds:schemaRef ds:uri="http://purl.org/dc/elements/1.1/"/>
+    <ds:schemaRef ds:uri="http://purl.org/dc/terms/"/>
+    <ds:schemaRef ds:uri="http://schemas.microsoft.com/internal/obd"/>
   </ds:schemaRefs>
 </ds:datastoreItem>
 </file>
@@ -11785,20 +11998,9 @@
 </file>
 
 <file path=customXml/itemProps3.xml><?xml version="1.0" encoding="utf-8"?>
-<ds:datastoreItem xmlns:ds="http://schemas.openxmlformats.org/officeDocument/2006/customXml" ds:itemID="{EEEB1E18-1527-4724-AEDB-E4EBC76D73AB}">
+<ds:datastoreItem xmlns:ds="http://schemas.openxmlformats.org/officeDocument/2006/customXml" ds:itemID="{64CFF4CB-2157-4462-882E-7C7509AE6A60}">
   <ds:schemaRefs>
-    <ds:schemaRef ds:uri="http://schemas.microsoft.com/office/2006/metadata/contentType"/>
-    <ds:schemaRef ds:uri="http://schemas.microsoft.com/office/2006/metadata/properties/metaAttributes"/>
-    <ds:schemaRef ds:uri="http://www.w3.org/2001/XMLSchema"/>
-    <ds:schemaRef ds:uri="http://schemas.microsoft.com/office/2006/metadata/properties"/>
-    <ds:schemaRef ds:uri="e6b6b08c-4e37-4703-b140-b9e21b970c4f"/>
-    <ds:schemaRef ds:uri="63ebc9d3-73c5-43d0-b794-270dc3c2d1a0"/>
-    <ds:schemaRef ds:uri="http://schemas.microsoft.com/office/2006/documentManagement/types"/>
-    <ds:schemaRef ds:uri="http://schemas.microsoft.com/office/infopath/2007/PartnerControls"/>
-    <ds:schemaRef ds:uri="http://schemas.openxmlformats.org/package/2006/metadata/core-properties"/>
-    <ds:schemaRef ds:uri="http://purl.org/dc/elements/1.1/"/>
-    <ds:schemaRef ds:uri="http://purl.org/dc/terms/"/>
-    <ds:schemaRef ds:uri="http://schemas.microsoft.com/internal/obd"/>
+    <ds:schemaRef ds:uri="http://schemas.microsoft.com/sharepoint/v3/contenttype/forms"/>
   </ds:schemaRefs>
 </ds:datastoreItem>
 </file>
--- a/docs/DPublish.pptx
+++ b/docs/DPublish.pptx
@@ -205,7 +205,7 @@
           <a:p>
             <a:fld id="{4D2A5A54-57FA-4281-A6F5-1860CF48FA07}" type="datetimeFigureOut">
               <a:rPr lang="en-US" smtClean="0"/>
-              <a:t>2/2/2021</a:t>
+              <a:t>2/3/2021</a:t>
             </a:fld>
             <a:endParaRPr lang="en-US"/>
           </a:p>
@@ -9737,7 +9737,37 @@
                   </a:extLst>
                 </a:hlinkClick>
               </a:rPr>
-              <a:t>.bibletranslationtools.org/</a:t>
+              <a:t>.bibletranslationtools.</a:t>
+            </a:r>
+            <a:r>
+              <a:rPr lang="en-US" sz="2000" b="1">
+                <a:solidFill>
+                  <a:srgbClr val="C4E46E"/>
+                </a:solidFill>
+                <a:hlinkClick r:id="rId4">
+                  <a:extLst>
+                    <a:ext uri="{A12FA001-AC4F-418D-AE19-62706E023703}">
+                      <ahyp:hlinkClr xmlns:ahyp="http://schemas.microsoft.com/office/drawing/2018/hyperlinkcolor" val="tx"/>
+                    </a:ext>
+                  </a:extLst>
+                </a:hlinkClick>
+              </a:rPr>
+              <a:t>org/u/</a:t>
+            </a:r>
+            <a:r>
+              <a:rPr lang="en-US" sz="2000" i="1">
+                <a:solidFill>
+                  <a:srgbClr val="C4E46E"/>
+                </a:solidFill>
+                <a:hlinkClick r:id="rId4">
+                  <a:extLst>
+                    <a:ext uri="{A12FA001-AC4F-418D-AE19-62706E023703}">
+                      <ahyp:hlinkClr xmlns:ahyp="http://schemas.microsoft.com/office/drawing/2018/hyperlinkcolor" val="tx"/>
+                    </a:ext>
+                  </a:extLst>
+                </a:hlinkClick>
+              </a:rPr>
+              <a:t>username</a:t>
             </a:r>
             <a:r>
               <a:rPr lang="en-US" sz="2000" i="1" dirty="0">
@@ -9752,7 +9782,7 @@
                   </a:extLst>
                 </a:hlinkClick>
               </a:rPr>
-              <a:t>username/project_code</a:t>
+              <a:t>/project_code</a:t>
             </a:r>
             <a:r>
               <a:rPr lang="en-US" sz="2400" dirty="0">
@@ -11730,6 +11760,21 @@
 </file>
 
 <file path=customXml/item1.xml><?xml version="1.0" encoding="utf-8"?>
+<?mso-contentType ?>
+<FormTemplates xmlns="http://schemas.microsoft.com/sharepoint/v3/contenttype/forms">
+  <Display>DocumentLibraryForm</Display>
+  <Edit>DocumentLibraryForm</Edit>
+  <New>DocumentLibraryForm</New>
+</FormTemplates>
+</file>
+
+<file path=customXml/item2.xml><?xml version="1.0" encoding="utf-8"?>
+<p:properties xmlns:p="http://schemas.microsoft.com/office/2006/metadata/properties" xmlns:xsi="http://www.w3.org/2001/XMLSchema-instance" xmlns:pc="http://schemas.microsoft.com/office/infopath/2007/PartnerControls">
+  <documentManagement/>
+</p:properties>
+</file>
+
+<file path=customXml/item3.xml><?xml version="1.0" encoding="utf-8"?>
 <ct:contentTypeSchema xmlns:ct="http://schemas.microsoft.com/office/2006/metadata/contentType" xmlns:ma="http://schemas.microsoft.com/office/2006/metadata/properties/metaAttributes" ct:_="" ma:_="" ma:contentTypeName="Document" ma:contentTypeID="0x0101005AB3623AC358204B8459D60480BA9C2B" ma:contentTypeVersion="12" ma:contentTypeDescription="Create a new document." ma:contentTypeScope="" ma:versionID="d3005fe9c78495323023aeced5280a50">
   <xsd:schema xmlns:xsd="http://www.w3.org/2001/XMLSchema" xmlns:xs="http://www.w3.org/2001/XMLSchema" xmlns:p="http://schemas.microsoft.com/office/2006/metadata/properties" xmlns:ns3="e6b6b08c-4e37-4703-b140-b9e21b970c4f" xmlns:ns4="63ebc9d3-73c5-43d0-b794-270dc3c2d1a0" targetNamespace="http://schemas.microsoft.com/office/2006/metadata/properties" ma:root="true" ma:fieldsID="0b9151cbda91d7d860fe7297b2c5ad24" ns3:_="" ns4:_="">
     <xsd:import namespace="e6b6b08c-4e37-4703-b140-b9e21b970c4f"/>
@@ -11946,36 +11991,10 @@
 </ct:contentTypeSchema>
 </file>
 
-<file path=customXml/item2.xml><?xml version="1.0" encoding="utf-8"?>
-<p:properties xmlns:p="http://schemas.microsoft.com/office/2006/metadata/properties" xmlns:xsi="http://www.w3.org/2001/XMLSchema-instance" xmlns:pc="http://schemas.microsoft.com/office/infopath/2007/PartnerControls">
-  <documentManagement/>
-</p:properties>
-</file>
-
-<file path=customXml/item3.xml><?xml version="1.0" encoding="utf-8"?>
-<?mso-contentType ?>
-<FormTemplates xmlns="http://schemas.microsoft.com/sharepoint/v3/contenttype/forms">
-  <Display>DocumentLibraryForm</Display>
-  <Edit>DocumentLibraryForm</Edit>
-  <New>DocumentLibraryForm</New>
-</FormTemplates>
-</file>
-
 <file path=customXml/itemProps1.xml><?xml version="1.0" encoding="utf-8"?>
-<ds:datastoreItem xmlns:ds="http://schemas.openxmlformats.org/officeDocument/2006/customXml" ds:itemID="{EEEB1E18-1527-4724-AEDB-E4EBC76D73AB}">
+<ds:datastoreItem xmlns:ds="http://schemas.openxmlformats.org/officeDocument/2006/customXml" ds:itemID="{64CFF4CB-2157-4462-882E-7C7509AE6A60}">
   <ds:schemaRefs>
-    <ds:schemaRef ds:uri="http://schemas.microsoft.com/office/2006/metadata/contentType"/>
-    <ds:schemaRef ds:uri="http://schemas.microsoft.com/office/2006/metadata/properties/metaAttributes"/>
-    <ds:schemaRef ds:uri="http://www.w3.org/2001/XMLSchema"/>
-    <ds:schemaRef ds:uri="http://schemas.microsoft.com/office/2006/metadata/properties"/>
-    <ds:schemaRef ds:uri="e6b6b08c-4e37-4703-b140-b9e21b970c4f"/>
-    <ds:schemaRef ds:uri="63ebc9d3-73c5-43d0-b794-270dc3c2d1a0"/>
-    <ds:schemaRef ds:uri="http://schemas.microsoft.com/office/2006/documentManagement/types"/>
-    <ds:schemaRef ds:uri="http://schemas.microsoft.com/office/infopath/2007/PartnerControls"/>
-    <ds:schemaRef ds:uri="http://schemas.openxmlformats.org/package/2006/metadata/core-properties"/>
-    <ds:schemaRef ds:uri="http://purl.org/dc/elements/1.1/"/>
-    <ds:schemaRef ds:uri="http://purl.org/dc/terms/"/>
-    <ds:schemaRef ds:uri="http://schemas.microsoft.com/internal/obd"/>
+    <ds:schemaRef ds:uri="http://schemas.microsoft.com/sharepoint/v3/contenttype/forms"/>
   </ds:schemaRefs>
 </ds:datastoreItem>
 </file>
@@ -11998,9 +12017,20 @@
 </file>
 
 <file path=customXml/itemProps3.xml><?xml version="1.0" encoding="utf-8"?>
-<ds:datastoreItem xmlns:ds="http://schemas.openxmlformats.org/officeDocument/2006/customXml" ds:itemID="{64CFF4CB-2157-4462-882E-7C7509AE6A60}">
+<ds:datastoreItem xmlns:ds="http://schemas.openxmlformats.org/officeDocument/2006/customXml" ds:itemID="{EEEB1E18-1527-4724-AEDB-E4EBC76D73AB}">
   <ds:schemaRefs>
-    <ds:schemaRef ds:uri="http://schemas.microsoft.com/sharepoint/v3/contenttype/forms"/>
+    <ds:schemaRef ds:uri="http://schemas.microsoft.com/office/2006/metadata/contentType"/>
+    <ds:schemaRef ds:uri="http://schemas.microsoft.com/office/2006/metadata/properties/metaAttributes"/>
+    <ds:schemaRef ds:uri="http://www.w3.org/2001/XMLSchema"/>
+    <ds:schemaRef ds:uri="http://schemas.microsoft.com/office/2006/metadata/properties"/>
+    <ds:schemaRef ds:uri="e6b6b08c-4e37-4703-b140-b9e21b970c4f"/>
+    <ds:schemaRef ds:uri="63ebc9d3-73c5-43d0-b794-270dc3c2d1a0"/>
+    <ds:schemaRef ds:uri="http://schemas.microsoft.com/office/2006/documentManagement/types"/>
+    <ds:schemaRef ds:uri="http://schemas.microsoft.com/office/infopath/2007/PartnerControls"/>
+    <ds:schemaRef ds:uri="http://schemas.openxmlformats.org/package/2006/metadata/core-properties"/>
+    <ds:schemaRef ds:uri="http://purl.org/dc/elements/1.1/"/>
+    <ds:schemaRef ds:uri="http://purl.org/dc/terms/"/>
+    <ds:schemaRef ds:uri="http://schemas.microsoft.com/internal/obd"/>
   </ds:schemaRefs>
 </ds:datastoreItem>
 </file>